--- a/Sessions/Intro to PowerShell Automation for the MSSQL DBA/2025-07-19 - SQLSATSF/Intro to powershell Automation.pptx
+++ b/Sessions/Intro to PowerShell Automation for the MSSQL DBA/2025-07-19 - SQLSATSF/Intro to powershell Automation.pptx
@@ -2,7 +2,7 @@
 <file path=ppt/presentation.xml><?xml version="1.0" encoding="utf-8"?>
 <p:presentation xmlns:a="http://schemas.openxmlformats.org/drawingml/2006/main" xmlns:r="http://schemas.openxmlformats.org/officeDocument/2006/relationships" xmlns:p="http://schemas.openxmlformats.org/presentationml/2006/main" saveSubsetFonts="1">
   <p:sldMasterIdLst>
-    <p:sldMasterId id="2147483648" r:id="rId1"/>
+    <p:sldMasterId id="2147483713" r:id="rId1"/>
   </p:sldMasterIdLst>
   <p:sldIdLst>
     <p:sldId id="257" r:id="rId2"/>
@@ -20,6 +20,7 @@
     <p:sldId id="269" r:id="rId14"/>
     <p:sldId id="270" r:id="rId15"/>
     <p:sldId id="271" r:id="rId16"/>
+    <p:sldId id="276" r:id="rId17"/>
   </p:sldIdLst>
   <p:sldSz cx="12192000" cy="6858000"/>
   <p:notesSz cx="6858000" cy="9144000"/>
@@ -27,7 +28,7 @@
     <a:defPPr>
       <a:defRPr lang="en-US"/>
     </a:defPPr>
-    <a:lvl1pPr marL="0" algn="l" defTabSz="914400" rtl="0" eaLnBrk="1" latinLnBrk="0" hangingPunct="1">
+    <a:lvl1pPr marL="0" algn="l" defTabSz="457200" rtl="0" eaLnBrk="1" latinLnBrk="0" hangingPunct="1">
       <a:defRPr sz="1800" kern="1200">
         <a:solidFill>
           <a:schemeClr val="tx1"/>
@@ -37,7 +38,7 @@
         <a:cs typeface="+mn-cs"/>
       </a:defRPr>
     </a:lvl1pPr>
-    <a:lvl2pPr marL="457200" algn="l" defTabSz="914400" rtl="0" eaLnBrk="1" latinLnBrk="0" hangingPunct="1">
+    <a:lvl2pPr marL="457200" algn="l" defTabSz="457200" rtl="0" eaLnBrk="1" latinLnBrk="0" hangingPunct="1">
       <a:defRPr sz="1800" kern="1200">
         <a:solidFill>
           <a:schemeClr val="tx1"/>
@@ -47,7 +48,7 @@
         <a:cs typeface="+mn-cs"/>
       </a:defRPr>
     </a:lvl2pPr>
-    <a:lvl3pPr marL="914400" algn="l" defTabSz="914400" rtl="0" eaLnBrk="1" latinLnBrk="0" hangingPunct="1">
+    <a:lvl3pPr marL="914400" algn="l" defTabSz="457200" rtl="0" eaLnBrk="1" latinLnBrk="0" hangingPunct="1">
       <a:defRPr sz="1800" kern="1200">
         <a:solidFill>
           <a:schemeClr val="tx1"/>
@@ -57,7 +58,7 @@
         <a:cs typeface="+mn-cs"/>
       </a:defRPr>
     </a:lvl3pPr>
-    <a:lvl4pPr marL="1371600" algn="l" defTabSz="914400" rtl="0" eaLnBrk="1" latinLnBrk="0" hangingPunct="1">
+    <a:lvl4pPr marL="1371600" algn="l" defTabSz="457200" rtl="0" eaLnBrk="1" latinLnBrk="0" hangingPunct="1">
       <a:defRPr sz="1800" kern="1200">
         <a:solidFill>
           <a:schemeClr val="tx1"/>
@@ -67,7 +68,7 @@
         <a:cs typeface="+mn-cs"/>
       </a:defRPr>
     </a:lvl4pPr>
-    <a:lvl5pPr marL="1828800" algn="l" defTabSz="914400" rtl="0" eaLnBrk="1" latinLnBrk="0" hangingPunct="1">
+    <a:lvl5pPr marL="1828800" algn="l" defTabSz="457200" rtl="0" eaLnBrk="1" latinLnBrk="0" hangingPunct="1">
       <a:defRPr sz="1800" kern="1200">
         <a:solidFill>
           <a:schemeClr val="tx1"/>
@@ -77,7 +78,7 @@
         <a:cs typeface="+mn-cs"/>
       </a:defRPr>
     </a:lvl5pPr>
-    <a:lvl6pPr marL="2286000" algn="l" defTabSz="914400" rtl="0" eaLnBrk="1" latinLnBrk="0" hangingPunct="1">
+    <a:lvl6pPr marL="2286000" algn="l" defTabSz="457200" rtl="0" eaLnBrk="1" latinLnBrk="0" hangingPunct="1">
       <a:defRPr sz="1800" kern="1200">
         <a:solidFill>
           <a:schemeClr val="tx1"/>
@@ -87,7 +88,7 @@
         <a:cs typeface="+mn-cs"/>
       </a:defRPr>
     </a:lvl6pPr>
-    <a:lvl7pPr marL="2743200" algn="l" defTabSz="914400" rtl="0" eaLnBrk="1" latinLnBrk="0" hangingPunct="1">
+    <a:lvl7pPr marL="2743200" algn="l" defTabSz="457200" rtl="0" eaLnBrk="1" latinLnBrk="0" hangingPunct="1">
       <a:defRPr sz="1800" kern="1200">
         <a:solidFill>
           <a:schemeClr val="tx1"/>
@@ -97,7 +98,7 @@
         <a:cs typeface="+mn-cs"/>
       </a:defRPr>
     </a:lvl7pPr>
-    <a:lvl8pPr marL="3200400" algn="l" defTabSz="914400" rtl="0" eaLnBrk="1" latinLnBrk="0" hangingPunct="1">
+    <a:lvl8pPr marL="3200400" algn="l" defTabSz="457200" rtl="0" eaLnBrk="1" latinLnBrk="0" hangingPunct="1">
       <a:defRPr sz="1800" kern="1200">
         <a:solidFill>
           <a:schemeClr val="tx1"/>
@@ -107,7 +108,7 @@
         <a:cs typeface="+mn-cs"/>
       </a:defRPr>
     </a:lvl8pPr>
-    <a:lvl9pPr marL="3657600" algn="l" defTabSz="914400" rtl="0" eaLnBrk="1" latinLnBrk="0" hangingPunct="1">
+    <a:lvl9pPr marL="3657600" algn="l" defTabSz="457200" rtl="0" eaLnBrk="1" latinLnBrk="0" hangingPunct="1">
       <a:defRPr sz="1800" kern="1200">
         <a:solidFill>
           <a:schemeClr val="tx1"/>
@@ -118,11 +119,16 @@
       </a:defRPr>
     </a:lvl9pPr>
   </p:defaultTextStyle>
+  <p:extLst>
+    <p:ext uri="{EFAFB233-063F-42B5-8137-9DF3F51BA10A}">
+      <p15:sldGuideLst xmlns:p15="http://schemas.microsoft.com/office/powerpoint/2012/main"/>
+    </p:ext>
+  </p:extLst>
 </p:presentation>
 </file>
 
 <file path=ppt/slideLayouts/slideLayout1.xml><?xml version="1.0" encoding="utf-8"?>
-<p:sldLayout xmlns:a="http://schemas.openxmlformats.org/drawingml/2006/main" xmlns:r="http://schemas.openxmlformats.org/officeDocument/2006/relationships" xmlns:p="http://schemas.openxmlformats.org/presentationml/2006/main" type="title" preserve="1">
+<p:sldLayout xmlns:a="http://schemas.openxmlformats.org/drawingml/2006/main" xmlns:r="http://schemas.openxmlformats.org/officeDocument/2006/relationships" xmlns:p="http://schemas.openxmlformats.org/presentationml/2006/main" showMasterSp="0" type="title" preserve="1">
   <p:cSld name="Title Slide">
     <p:spTree>
       <p:nvGrpSpPr>
@@ -140,31 +146,113 @@
       </p:grpSpPr>
       <p:sp>
         <p:nvSpPr>
-          <p:cNvPr id="2" name="Title 1">
-            <a:extLst>
-              <a:ext uri="{FF2B5EF4-FFF2-40B4-BE49-F238E27FC236}">
-                <a16:creationId xmlns:a16="http://schemas.microsoft.com/office/drawing/2014/main" id="{8842E12A-7016-E590-C340-E3F786AE50BE}"/>
-              </a:ext>
-            </a:extLst>
-          </p:cNvPr>
-          <p:cNvSpPr>
-            <a:spLocks noGrp="1"/>
-          </p:cNvSpPr>
-          <p:nvPr>
-            <p:ph type="ctrTitle"/>
-          </p:nvPr>
+          <p:cNvPr id="7" name="Rectangle 6"/>
+          <p:cNvSpPr/>
+          <p:nvPr/>
         </p:nvSpPr>
         <p:spPr>
           <a:xfrm>
-            <a:off x="1524000" y="1122363"/>
-            <a:ext cx="9144000" cy="2387600"/>
+            <a:off x="3175" y="6400800"/>
+            <a:ext cx="12188825" cy="457200"/>
+          </a:xfrm>
+          <a:prstGeom prst="rect">
+            <a:avLst/>
+          </a:prstGeom>
+          <a:solidFill>
+            <a:schemeClr val="accent2"/>
+          </a:solidFill>
+          <a:ln>
+            <a:noFill/>
+          </a:ln>
+        </p:spPr>
+        <p:style>
+          <a:lnRef idx="2">
+            <a:schemeClr val="accent1">
+              <a:shade val="50000"/>
+            </a:schemeClr>
+          </a:lnRef>
+          <a:fillRef idx="1">
+            <a:schemeClr val="accent1"/>
+          </a:fillRef>
+          <a:effectRef idx="0">
+            <a:schemeClr val="accent1"/>
+          </a:effectRef>
+          <a:fontRef idx="minor">
+            <a:schemeClr val="lt1"/>
+          </a:fontRef>
+        </p:style>
+      </p:sp>
+      <p:sp>
+        <p:nvSpPr>
+          <p:cNvPr id="8" name="Rectangle 7"/>
+          <p:cNvSpPr/>
+          <p:nvPr/>
+        </p:nvSpPr>
+        <p:spPr>
+          <a:xfrm>
+            <a:off x="15" y="6334316"/>
+            <a:ext cx="12188825" cy="64008"/>
+          </a:xfrm>
+          <a:prstGeom prst="rect">
+            <a:avLst/>
+          </a:prstGeom>
+          <a:solidFill>
+            <a:schemeClr val="accent1"/>
+          </a:solidFill>
+          <a:ln>
+            <a:noFill/>
+          </a:ln>
+        </p:spPr>
+        <p:style>
+          <a:lnRef idx="2">
+            <a:schemeClr val="accent1">
+              <a:shade val="50000"/>
+            </a:schemeClr>
+          </a:lnRef>
+          <a:fillRef idx="1">
+            <a:schemeClr val="accent1"/>
+          </a:fillRef>
+          <a:effectRef idx="0">
+            <a:schemeClr val="accent1"/>
+          </a:effectRef>
+          <a:fontRef idx="minor">
+            <a:schemeClr val="lt1"/>
+          </a:fontRef>
+        </p:style>
+      </p:sp>
+      <p:sp>
+        <p:nvSpPr>
+          <p:cNvPr id="2" name="Title 1"/>
+          <p:cNvSpPr>
+            <a:spLocks noGrp="1"/>
+          </p:cNvSpPr>
+          <p:nvPr>
+            <p:ph type="ctrTitle"/>
+          </p:nvPr>
+        </p:nvSpPr>
+        <p:spPr>
+          <a:xfrm>
+            <a:off x="1097280" y="758952"/>
+            <a:ext cx="10058400" cy="3566160"/>
           </a:xfrm>
         </p:spPr>
         <p:txBody>
-          <a:bodyPr anchor="b"/>
+          <a:bodyPr anchor="b">
+            <a:normAutofit/>
+          </a:bodyPr>
           <a:lstStyle>
-            <a:lvl1pPr algn="ctr">
-              <a:defRPr sz="6000"/>
+            <a:lvl1pPr algn="l">
+              <a:lnSpc>
+                <a:spcPct val="85000"/>
+              </a:lnSpc>
+              <a:defRPr sz="8000" spc="-50" baseline="0">
+                <a:solidFill>
+                  <a:schemeClr val="tx1">
+                    <a:lumMod val="85000"/>
+                    <a:lumOff val="15000"/>
+                  </a:schemeClr>
+                </a:solidFill>
+              </a:defRPr>
             </a:lvl1pPr>
           </a:lstStyle>
           <a:p>
@@ -172,18 +260,13 @@
               <a:rPr lang="en-US"/>
               <a:t>Click to edit Master title style</a:t>
             </a:r>
-          </a:p>
-        </p:txBody>
-      </p:sp>
-      <p:sp>
-        <p:nvSpPr>
-          <p:cNvPr id="3" name="Subtitle 2">
-            <a:extLst>
-              <a:ext uri="{FF2B5EF4-FFF2-40B4-BE49-F238E27FC236}">
-                <a16:creationId xmlns:a16="http://schemas.microsoft.com/office/drawing/2014/main" id="{12E6F21F-9A55-2FFB-199A-86D6233EDD2F}"/>
-              </a:ext>
-            </a:extLst>
-          </p:cNvPr>
+            <a:endParaRPr lang="en-US" dirty="0"/>
+          </a:p>
+        </p:txBody>
+      </p:sp>
+      <p:sp>
+        <p:nvSpPr>
+          <p:cNvPr id="3" name="Subtitle 2"/>
           <p:cNvSpPr>
             <a:spLocks noGrp="1"/>
           </p:cNvSpPr>
@@ -193,48 +276,55 @@
         </p:nvSpPr>
         <p:spPr>
           <a:xfrm>
-            <a:off x="1524000" y="3602038"/>
-            <a:ext cx="9144000" cy="1655762"/>
+            <a:off x="1100051" y="4455620"/>
+            <a:ext cx="10058400" cy="1143000"/>
           </a:xfrm>
         </p:spPr>
         <p:txBody>
-          <a:bodyPr/>
+          <a:bodyPr lIns="91440" rIns="91440">
+            <a:normAutofit/>
+          </a:bodyPr>
           <a:lstStyle>
-            <a:lvl1pPr marL="0" indent="0" algn="ctr">
+            <a:lvl1pPr marL="0" indent="0" algn="l">
               <a:buNone/>
-              <a:defRPr sz="2400"/>
+              <a:defRPr sz="2400" cap="all" spc="200" baseline="0">
+                <a:solidFill>
+                  <a:schemeClr val="tx2"/>
+                </a:solidFill>
+                <a:latin typeface="+mj-lt"/>
+              </a:defRPr>
             </a:lvl1pPr>
             <a:lvl2pPr marL="457200" indent="0" algn="ctr">
               <a:buNone/>
-              <a:defRPr sz="2000"/>
+              <a:defRPr sz="2400"/>
             </a:lvl2pPr>
             <a:lvl3pPr marL="914400" indent="0" algn="ctr">
               <a:buNone/>
-              <a:defRPr sz="1800"/>
+              <a:defRPr sz="2400"/>
             </a:lvl3pPr>
             <a:lvl4pPr marL="1371600" indent="0" algn="ctr">
               <a:buNone/>
-              <a:defRPr sz="1600"/>
+              <a:defRPr sz="2000"/>
             </a:lvl4pPr>
             <a:lvl5pPr marL="1828800" indent="0" algn="ctr">
               <a:buNone/>
-              <a:defRPr sz="1600"/>
+              <a:defRPr sz="2000"/>
             </a:lvl5pPr>
             <a:lvl6pPr marL="2286000" indent="0" algn="ctr">
               <a:buNone/>
-              <a:defRPr sz="1600"/>
+              <a:defRPr sz="2000"/>
             </a:lvl6pPr>
             <a:lvl7pPr marL="2743200" indent="0" algn="ctr">
               <a:buNone/>
-              <a:defRPr sz="1600"/>
+              <a:defRPr sz="2000"/>
             </a:lvl7pPr>
             <a:lvl8pPr marL="3200400" indent="0" algn="ctr">
               <a:buNone/>
-              <a:defRPr sz="1600"/>
+              <a:defRPr sz="2000"/>
             </a:lvl8pPr>
             <a:lvl9pPr marL="3657600" indent="0" algn="ctr">
               <a:buNone/>
-              <a:defRPr sz="1600"/>
+              <a:defRPr sz="2000"/>
             </a:lvl9pPr>
           </a:lstStyle>
           <a:p>
@@ -242,18 +332,13 @@
               <a:rPr lang="en-US"/>
               <a:t>Click to edit Master subtitle style</a:t>
             </a:r>
-          </a:p>
-        </p:txBody>
-      </p:sp>
-      <p:sp>
-        <p:nvSpPr>
-          <p:cNvPr id="4" name="Date Placeholder 3">
-            <a:extLst>
-              <a:ext uri="{FF2B5EF4-FFF2-40B4-BE49-F238E27FC236}">
-                <a16:creationId xmlns:a16="http://schemas.microsoft.com/office/drawing/2014/main" id="{25BBACA1-AEC4-CD6A-2114-F8284B33CB6F}"/>
-              </a:ext>
-            </a:extLst>
-          </p:cNvPr>
+            <a:endParaRPr lang="en-US" dirty="0"/>
+          </a:p>
+        </p:txBody>
+      </p:sp>
+      <p:sp>
+        <p:nvSpPr>
+          <p:cNvPr id="4" name="Date Placeholder 3"/>
           <p:cNvSpPr>
             <a:spLocks noGrp="1"/>
           </p:cNvSpPr>
@@ -268,7 +353,7 @@
           <a:p>
             <a:fld id="{13C20130-F02E-4337-9601-169F8A599734}" type="datetimeFigureOut">
               <a:rPr lang="en-US" smtClean="0"/>
-              <a:t>7/16/2025</a:t>
+              <a:t>7/17/2025</a:t>
             </a:fld>
             <a:endParaRPr lang="en-US"/>
           </a:p>
@@ -276,13 +361,7 @@
       </p:sp>
       <p:sp>
         <p:nvSpPr>
-          <p:cNvPr id="5" name="Footer Placeholder 4">
-            <a:extLst>
-              <a:ext uri="{FF2B5EF4-FFF2-40B4-BE49-F238E27FC236}">
-                <a16:creationId xmlns:a16="http://schemas.microsoft.com/office/drawing/2014/main" id="{E10E795B-2445-C3A5-39FA-B838A7840D9E}"/>
-              </a:ext>
-            </a:extLst>
-          </p:cNvPr>
+          <p:cNvPr id="5" name="Footer Placeholder 4"/>
           <p:cNvSpPr>
             <a:spLocks noGrp="1"/>
           </p:cNvSpPr>
@@ -301,13 +380,7 @@
       </p:sp>
       <p:sp>
         <p:nvSpPr>
-          <p:cNvPr id="6" name="Slide Number Placeholder 5">
-            <a:extLst>
-              <a:ext uri="{FF2B5EF4-FFF2-40B4-BE49-F238E27FC236}">
-                <a16:creationId xmlns:a16="http://schemas.microsoft.com/office/drawing/2014/main" id="{01339674-941A-CFE1-DCC0-3F954DBC35CB}"/>
-              </a:ext>
-            </a:extLst>
-          </p:cNvPr>
+          <p:cNvPr id="6" name="Slide Number Placeholder 5"/>
           <p:cNvSpPr>
             <a:spLocks noGrp="1"/>
           </p:cNvSpPr>
@@ -328,10 +401,48 @@
           </a:p>
         </p:txBody>
       </p:sp>
+      <p:cxnSp>
+        <p:nvCxnSpPr>
+          <p:cNvPr id="9" name="Straight Connector 8"/>
+          <p:cNvCxnSpPr/>
+          <p:nvPr/>
+        </p:nvCxnSpPr>
+        <p:spPr>
+          <a:xfrm>
+            <a:off x="1207658" y="4343400"/>
+            <a:ext cx="9875520" cy="0"/>
+          </a:xfrm>
+          <a:prstGeom prst="line">
+            <a:avLst/>
+          </a:prstGeom>
+          <a:ln w="6350">
+            <a:solidFill>
+              <a:schemeClr val="tx1">
+                <a:lumMod val="50000"/>
+                <a:lumOff val="50000"/>
+              </a:schemeClr>
+            </a:solidFill>
+          </a:ln>
+        </p:spPr>
+        <p:style>
+          <a:lnRef idx="1">
+            <a:schemeClr val="accent1"/>
+          </a:lnRef>
+          <a:fillRef idx="0">
+            <a:schemeClr val="accent1"/>
+          </a:fillRef>
+          <a:effectRef idx="0">
+            <a:schemeClr val="accent1"/>
+          </a:effectRef>
+          <a:fontRef idx="minor">
+            <a:schemeClr val="tx1"/>
+          </a:fontRef>
+        </p:style>
+      </p:cxnSp>
     </p:spTree>
     <p:extLst>
       <p:ext uri="{BB962C8B-B14F-4D97-AF65-F5344CB8AC3E}">
-        <p14:creationId xmlns:p14="http://schemas.microsoft.com/office/powerpoint/2010/main" val="66134473"/>
+        <p14:creationId xmlns:p14="http://schemas.microsoft.com/office/powerpoint/2010/main" val="3059105519"/>
       </p:ext>
     </p:extLst>
   </p:cSld>
@@ -360,13 +471,7 @@
       </p:grpSpPr>
       <p:sp>
         <p:nvSpPr>
-          <p:cNvPr id="2" name="Title 1">
-            <a:extLst>
-              <a:ext uri="{FF2B5EF4-FFF2-40B4-BE49-F238E27FC236}">
-                <a16:creationId xmlns:a16="http://schemas.microsoft.com/office/drawing/2014/main" id="{8677D718-C099-C9F4-DAAE-B687BE9732BE}"/>
-              </a:ext>
-            </a:extLst>
-          </p:cNvPr>
+          <p:cNvPr id="2" name="Title 1"/>
           <p:cNvSpPr>
             <a:spLocks noGrp="1"/>
           </p:cNvSpPr>
@@ -383,18 +488,13 @@
               <a:rPr lang="en-US"/>
               <a:t>Click to edit Master title style</a:t>
             </a:r>
-          </a:p>
-        </p:txBody>
-      </p:sp>
-      <p:sp>
-        <p:nvSpPr>
-          <p:cNvPr id="3" name="Vertical Text Placeholder 2">
-            <a:extLst>
-              <a:ext uri="{FF2B5EF4-FFF2-40B4-BE49-F238E27FC236}">
-                <a16:creationId xmlns:a16="http://schemas.microsoft.com/office/drawing/2014/main" id="{1B71F685-68CD-404F-A1AE-8A7B445E3B24}"/>
-              </a:ext>
-            </a:extLst>
-          </p:cNvPr>
+            <a:endParaRPr lang="en-US" dirty="0"/>
+          </a:p>
+        </p:txBody>
+      </p:sp>
+      <p:sp>
+        <p:nvSpPr>
+          <p:cNvPr id="3" name="Vertical Text Placeholder 2"/>
           <p:cNvSpPr>
             <a:spLocks noGrp="1"/>
           </p:cNvSpPr>
@@ -404,7 +504,7 @@
         </p:nvSpPr>
         <p:spPr/>
         <p:txBody>
-          <a:bodyPr vert="eaVert"/>
+          <a:bodyPr vert="eaVert" lIns="45720" tIns="0" rIns="45720" bIns="0"/>
           <a:lstStyle/>
           <a:p>
             <a:pPr lvl="0"/>
@@ -440,18 +540,13 @@
               <a:rPr lang="en-US"/>
               <a:t>Fifth level</a:t>
             </a:r>
-          </a:p>
-        </p:txBody>
-      </p:sp>
-      <p:sp>
-        <p:nvSpPr>
-          <p:cNvPr id="4" name="Date Placeholder 3">
-            <a:extLst>
-              <a:ext uri="{FF2B5EF4-FFF2-40B4-BE49-F238E27FC236}">
-                <a16:creationId xmlns:a16="http://schemas.microsoft.com/office/drawing/2014/main" id="{E1861CFC-80B1-DC94-9761-C52E04CA3DF8}"/>
-              </a:ext>
-            </a:extLst>
-          </p:cNvPr>
+            <a:endParaRPr lang="en-US" dirty="0"/>
+          </a:p>
+        </p:txBody>
+      </p:sp>
+      <p:sp>
+        <p:nvSpPr>
+          <p:cNvPr id="4" name="Date Placeholder 3"/>
           <p:cNvSpPr>
             <a:spLocks noGrp="1"/>
           </p:cNvSpPr>
@@ -466,7 +561,7 @@
           <a:p>
             <a:fld id="{13C20130-F02E-4337-9601-169F8A599734}" type="datetimeFigureOut">
               <a:rPr lang="en-US" smtClean="0"/>
-              <a:t>7/16/2025</a:t>
+              <a:t>7/17/2025</a:t>
             </a:fld>
             <a:endParaRPr lang="en-US"/>
           </a:p>
@@ -474,13 +569,7 @@
       </p:sp>
       <p:sp>
         <p:nvSpPr>
-          <p:cNvPr id="5" name="Footer Placeholder 4">
-            <a:extLst>
-              <a:ext uri="{FF2B5EF4-FFF2-40B4-BE49-F238E27FC236}">
-                <a16:creationId xmlns:a16="http://schemas.microsoft.com/office/drawing/2014/main" id="{AFC54881-3AAE-D4A6-6DDA-70E61E083A85}"/>
-              </a:ext>
-            </a:extLst>
-          </p:cNvPr>
+          <p:cNvPr id="5" name="Footer Placeholder 4"/>
           <p:cNvSpPr>
             <a:spLocks noGrp="1"/>
           </p:cNvSpPr>
@@ -499,13 +588,7 @@
       </p:sp>
       <p:sp>
         <p:nvSpPr>
-          <p:cNvPr id="6" name="Slide Number Placeholder 5">
-            <a:extLst>
-              <a:ext uri="{FF2B5EF4-FFF2-40B4-BE49-F238E27FC236}">
-                <a16:creationId xmlns:a16="http://schemas.microsoft.com/office/drawing/2014/main" id="{FCD54E6A-83B7-D154-D7AC-74E6A10E27C1}"/>
-              </a:ext>
-            </a:extLst>
-          </p:cNvPr>
+          <p:cNvPr id="6" name="Slide Number Placeholder 5"/>
           <p:cNvSpPr>
             <a:spLocks noGrp="1"/>
           </p:cNvSpPr>
@@ -529,7 +612,7 @@
     </p:spTree>
     <p:extLst>
       <p:ext uri="{BB962C8B-B14F-4D97-AF65-F5344CB8AC3E}">
-        <p14:creationId xmlns:p14="http://schemas.microsoft.com/office/powerpoint/2010/main" val="2765816734"/>
+        <p14:creationId xmlns:p14="http://schemas.microsoft.com/office/powerpoint/2010/main" val="572501332"/>
       </p:ext>
     </p:extLst>
   </p:cSld>
@@ -540,7 +623,7 @@
 </file>
 
 <file path=ppt/slideLayouts/slideLayout11.xml><?xml version="1.0" encoding="utf-8"?>
-<p:sldLayout xmlns:a="http://schemas.openxmlformats.org/drawingml/2006/main" xmlns:r="http://schemas.openxmlformats.org/officeDocument/2006/relationships" xmlns:p="http://schemas.openxmlformats.org/presentationml/2006/main" type="vertTitleAndTx" preserve="1">
+<p:sldLayout xmlns:a="http://schemas.openxmlformats.org/drawingml/2006/main" xmlns:r="http://schemas.openxmlformats.org/officeDocument/2006/relationships" xmlns:p="http://schemas.openxmlformats.org/presentationml/2006/main" showMasterSp="0" type="vertTitleAndTx" preserve="1">
   <p:cSld name="Vertical Title and Text">
     <p:spTree>
       <p:nvGrpSpPr>
@@ -558,24 +641,94 @@
       </p:grpSpPr>
       <p:sp>
         <p:nvSpPr>
-          <p:cNvPr id="2" name="Vertical Title 1">
-            <a:extLst>
-              <a:ext uri="{FF2B5EF4-FFF2-40B4-BE49-F238E27FC236}">
-                <a16:creationId xmlns:a16="http://schemas.microsoft.com/office/drawing/2014/main" id="{B77DA711-A0FC-9CD5-343A-BE4329C7CDEF}"/>
-              </a:ext>
-            </a:extLst>
-          </p:cNvPr>
-          <p:cNvSpPr>
-            <a:spLocks noGrp="1"/>
-          </p:cNvSpPr>
-          <p:nvPr>
-            <p:ph type="title" orient="vert"/>
-          </p:nvPr>
+          <p:cNvPr id="7" name="Rectangle 6"/>
+          <p:cNvSpPr/>
+          <p:nvPr/>
         </p:nvSpPr>
         <p:spPr>
           <a:xfrm>
-            <a:off x="8724900" y="365125"/>
-            <a:ext cx="2628900" cy="5811838"/>
+            <a:off x="3175" y="6400800"/>
+            <a:ext cx="12188825" cy="457200"/>
+          </a:xfrm>
+          <a:prstGeom prst="rect">
+            <a:avLst/>
+          </a:prstGeom>
+          <a:solidFill>
+            <a:schemeClr val="accent2"/>
+          </a:solidFill>
+          <a:ln>
+            <a:noFill/>
+          </a:ln>
+        </p:spPr>
+        <p:style>
+          <a:lnRef idx="2">
+            <a:schemeClr val="accent1">
+              <a:shade val="50000"/>
+            </a:schemeClr>
+          </a:lnRef>
+          <a:fillRef idx="1">
+            <a:schemeClr val="accent1"/>
+          </a:fillRef>
+          <a:effectRef idx="0">
+            <a:schemeClr val="accent1"/>
+          </a:effectRef>
+          <a:fontRef idx="minor">
+            <a:schemeClr val="lt1"/>
+          </a:fontRef>
+        </p:style>
+      </p:sp>
+      <p:sp>
+        <p:nvSpPr>
+          <p:cNvPr id="8" name="Rectangle 7"/>
+          <p:cNvSpPr/>
+          <p:nvPr/>
+        </p:nvSpPr>
+        <p:spPr>
+          <a:xfrm>
+            <a:off x="15" y="6334316"/>
+            <a:ext cx="12188825" cy="64008"/>
+          </a:xfrm>
+          <a:prstGeom prst="rect">
+            <a:avLst/>
+          </a:prstGeom>
+          <a:solidFill>
+            <a:schemeClr val="accent1"/>
+          </a:solidFill>
+          <a:ln>
+            <a:noFill/>
+          </a:ln>
+        </p:spPr>
+        <p:style>
+          <a:lnRef idx="2">
+            <a:schemeClr val="accent1">
+              <a:shade val="50000"/>
+            </a:schemeClr>
+          </a:lnRef>
+          <a:fillRef idx="1">
+            <a:schemeClr val="accent1"/>
+          </a:fillRef>
+          <a:effectRef idx="0">
+            <a:schemeClr val="accent1"/>
+          </a:effectRef>
+          <a:fontRef idx="minor">
+            <a:schemeClr val="lt1"/>
+          </a:fontRef>
+        </p:style>
+      </p:sp>
+      <p:sp>
+        <p:nvSpPr>
+          <p:cNvPr id="2" name="Vertical Title 1"/>
+          <p:cNvSpPr>
+            <a:spLocks noGrp="1"/>
+          </p:cNvSpPr>
+          <p:nvPr>
+            <p:ph type="title" orient="vert"/>
+          </p:nvPr>
+        </p:nvSpPr>
+        <p:spPr>
+          <a:xfrm>
+            <a:off x="8724900" y="414778"/>
+            <a:ext cx="2628900" cy="5757421"/>
           </a:xfrm>
         </p:spPr>
         <p:txBody>
@@ -586,18 +739,13 @@
               <a:rPr lang="en-US"/>
               <a:t>Click to edit Master title style</a:t>
             </a:r>
-          </a:p>
-        </p:txBody>
-      </p:sp>
-      <p:sp>
-        <p:nvSpPr>
-          <p:cNvPr id="3" name="Vertical Text Placeholder 2">
-            <a:extLst>
-              <a:ext uri="{FF2B5EF4-FFF2-40B4-BE49-F238E27FC236}">
-                <a16:creationId xmlns:a16="http://schemas.microsoft.com/office/drawing/2014/main" id="{1A49D482-DB98-0001-587D-E42B12589CCE}"/>
-              </a:ext>
-            </a:extLst>
-          </p:cNvPr>
+            <a:endParaRPr lang="en-US" dirty="0"/>
+          </a:p>
+        </p:txBody>
+      </p:sp>
+      <p:sp>
+        <p:nvSpPr>
+          <p:cNvPr id="3" name="Vertical Text Placeholder 2"/>
           <p:cNvSpPr>
             <a:spLocks noGrp="1"/>
           </p:cNvSpPr>
@@ -607,12 +755,12 @@
         </p:nvSpPr>
         <p:spPr>
           <a:xfrm>
-            <a:off x="838200" y="365125"/>
-            <a:ext cx="7734300" cy="5811838"/>
+            <a:off x="838200" y="414778"/>
+            <a:ext cx="7734300" cy="5757422"/>
           </a:xfrm>
         </p:spPr>
         <p:txBody>
-          <a:bodyPr vert="eaVert"/>
+          <a:bodyPr vert="eaVert" lIns="45720" tIns="0" rIns="45720" bIns="0"/>
           <a:lstStyle/>
           <a:p>
             <a:pPr lvl="0"/>
@@ -648,18 +796,13 @@
               <a:rPr lang="en-US"/>
               <a:t>Fifth level</a:t>
             </a:r>
-          </a:p>
-        </p:txBody>
-      </p:sp>
-      <p:sp>
-        <p:nvSpPr>
-          <p:cNvPr id="4" name="Date Placeholder 3">
-            <a:extLst>
-              <a:ext uri="{FF2B5EF4-FFF2-40B4-BE49-F238E27FC236}">
-                <a16:creationId xmlns:a16="http://schemas.microsoft.com/office/drawing/2014/main" id="{63826572-75B3-769C-AD60-E1834DE47B3D}"/>
-              </a:ext>
-            </a:extLst>
-          </p:cNvPr>
+            <a:endParaRPr lang="en-US" dirty="0"/>
+          </a:p>
+        </p:txBody>
+      </p:sp>
+      <p:sp>
+        <p:nvSpPr>
+          <p:cNvPr id="4" name="Date Placeholder 3"/>
           <p:cNvSpPr>
             <a:spLocks noGrp="1"/>
           </p:cNvSpPr>
@@ -674,7 +817,7 @@
           <a:p>
             <a:fld id="{13C20130-F02E-4337-9601-169F8A599734}" type="datetimeFigureOut">
               <a:rPr lang="en-US" smtClean="0"/>
-              <a:t>7/16/2025</a:t>
+              <a:t>7/17/2025</a:t>
             </a:fld>
             <a:endParaRPr lang="en-US"/>
           </a:p>
@@ -682,13 +825,7 @@
       </p:sp>
       <p:sp>
         <p:nvSpPr>
-          <p:cNvPr id="5" name="Footer Placeholder 4">
-            <a:extLst>
-              <a:ext uri="{FF2B5EF4-FFF2-40B4-BE49-F238E27FC236}">
-                <a16:creationId xmlns:a16="http://schemas.microsoft.com/office/drawing/2014/main" id="{FC300D8A-2373-BDF7-1D98-06D14CBFC17A}"/>
-              </a:ext>
-            </a:extLst>
-          </p:cNvPr>
+          <p:cNvPr id="5" name="Footer Placeholder 4"/>
           <p:cNvSpPr>
             <a:spLocks noGrp="1"/>
           </p:cNvSpPr>
@@ -707,13 +844,7 @@
       </p:sp>
       <p:sp>
         <p:nvSpPr>
-          <p:cNvPr id="6" name="Slide Number Placeholder 5">
-            <a:extLst>
-              <a:ext uri="{FF2B5EF4-FFF2-40B4-BE49-F238E27FC236}">
-                <a16:creationId xmlns:a16="http://schemas.microsoft.com/office/drawing/2014/main" id="{BED7BF80-0171-6D8A-5F9B-17A7E19B1793}"/>
-              </a:ext>
-            </a:extLst>
-          </p:cNvPr>
+          <p:cNvPr id="6" name="Slide Number Placeholder 5"/>
           <p:cNvSpPr>
             <a:spLocks noGrp="1"/>
           </p:cNvSpPr>
@@ -737,7 +868,7 @@
     </p:spTree>
     <p:extLst>
       <p:ext uri="{BB962C8B-B14F-4D97-AF65-F5344CB8AC3E}">
-        <p14:creationId xmlns:p14="http://schemas.microsoft.com/office/powerpoint/2010/main" val="2952536388"/>
+        <p14:creationId xmlns:p14="http://schemas.microsoft.com/office/powerpoint/2010/main" val="727099175"/>
       </p:ext>
     </p:extLst>
   </p:cSld>
@@ -872,7 +1003,7 @@
           <a:p>
             <a:fld id="{D58E4039-57DF-4B02-98BA-7161F61EEB51}" type="datetimeFigureOut">
               <a:rPr lang="en-US" smtClean="0"/>
-              <a:t>7/16/2025</a:t>
+              <a:t>7/17/2025</a:t>
             </a:fld>
             <a:endParaRPr lang="en-US"/>
           </a:p>
@@ -935,7 +1066,7 @@
     </p:spTree>
     <p:extLst>
       <p:ext uri="{BB962C8B-B14F-4D97-AF65-F5344CB8AC3E}">
-        <p14:creationId xmlns:p14="http://schemas.microsoft.com/office/powerpoint/2010/main" val="3154325652"/>
+        <p14:creationId xmlns:p14="http://schemas.microsoft.com/office/powerpoint/2010/main" val="1421379781"/>
       </p:ext>
     </p:extLst>
   </p:cSld>
@@ -964,13 +1095,7 @@
       </p:grpSpPr>
       <p:sp>
         <p:nvSpPr>
-          <p:cNvPr id="2" name="Title 1">
-            <a:extLst>
-              <a:ext uri="{FF2B5EF4-FFF2-40B4-BE49-F238E27FC236}">
-                <a16:creationId xmlns:a16="http://schemas.microsoft.com/office/drawing/2014/main" id="{8CCBC89E-718C-4E05-806C-0B914842DF5F}"/>
-              </a:ext>
-            </a:extLst>
-          </p:cNvPr>
+          <p:cNvPr id="2" name="Title 1"/>
           <p:cNvSpPr>
             <a:spLocks noGrp="1"/>
           </p:cNvSpPr>
@@ -981,24 +1106,23 @@
         <p:spPr/>
         <p:txBody>
           <a:bodyPr/>
-          <a:lstStyle/>
+          <a:lstStyle>
+            <a:lvl1pPr marL="0">
+              <a:defRPr/>
+            </a:lvl1pPr>
+          </a:lstStyle>
           <a:p>
             <a:r>
               <a:rPr lang="en-US"/>
               <a:t>Click to edit Master title style</a:t>
             </a:r>
-          </a:p>
-        </p:txBody>
-      </p:sp>
-      <p:sp>
-        <p:nvSpPr>
-          <p:cNvPr id="3" name="Content Placeholder 2">
-            <a:extLst>
-              <a:ext uri="{FF2B5EF4-FFF2-40B4-BE49-F238E27FC236}">
-                <a16:creationId xmlns:a16="http://schemas.microsoft.com/office/drawing/2014/main" id="{721D619D-E37B-AF73-A158-3A1632FF78D5}"/>
-              </a:ext>
-            </a:extLst>
-          </p:cNvPr>
+            <a:endParaRPr lang="en-US" dirty="0"/>
+          </a:p>
+        </p:txBody>
+      </p:sp>
+      <p:sp>
+        <p:nvSpPr>
+          <p:cNvPr id="3" name="Content Placeholder 2"/>
           <p:cNvSpPr>
             <a:spLocks noGrp="1"/>
           </p:cNvSpPr>
@@ -1044,18 +1168,13 @@
               <a:rPr lang="en-US"/>
               <a:t>Fifth level</a:t>
             </a:r>
-          </a:p>
-        </p:txBody>
-      </p:sp>
-      <p:sp>
-        <p:nvSpPr>
-          <p:cNvPr id="4" name="Date Placeholder 3">
-            <a:extLst>
-              <a:ext uri="{FF2B5EF4-FFF2-40B4-BE49-F238E27FC236}">
-                <a16:creationId xmlns:a16="http://schemas.microsoft.com/office/drawing/2014/main" id="{B822EEDB-FFEA-96D0-077C-3C4354E17FFB}"/>
-              </a:ext>
-            </a:extLst>
-          </p:cNvPr>
+            <a:endParaRPr lang="en-US" dirty="0"/>
+          </a:p>
+        </p:txBody>
+      </p:sp>
+      <p:sp>
+        <p:nvSpPr>
+          <p:cNvPr id="4" name="Date Placeholder 3"/>
           <p:cNvSpPr>
             <a:spLocks noGrp="1"/>
           </p:cNvSpPr>
@@ -1070,7 +1189,7 @@
           <a:p>
             <a:fld id="{13C20130-F02E-4337-9601-169F8A599734}" type="datetimeFigureOut">
               <a:rPr lang="en-US" smtClean="0"/>
-              <a:t>7/16/2025</a:t>
+              <a:t>7/17/2025</a:t>
             </a:fld>
             <a:endParaRPr lang="en-US"/>
           </a:p>
@@ -1078,13 +1197,7 @@
       </p:sp>
       <p:sp>
         <p:nvSpPr>
-          <p:cNvPr id="5" name="Footer Placeholder 4">
-            <a:extLst>
-              <a:ext uri="{FF2B5EF4-FFF2-40B4-BE49-F238E27FC236}">
-                <a16:creationId xmlns:a16="http://schemas.microsoft.com/office/drawing/2014/main" id="{85AC6B93-2621-95D2-21BD-0AF9CE2A9CFA}"/>
-              </a:ext>
-            </a:extLst>
-          </p:cNvPr>
+          <p:cNvPr id="5" name="Footer Placeholder 4"/>
           <p:cNvSpPr>
             <a:spLocks noGrp="1"/>
           </p:cNvSpPr>
@@ -1103,13 +1216,7 @@
       </p:sp>
       <p:sp>
         <p:nvSpPr>
-          <p:cNvPr id="6" name="Slide Number Placeholder 5">
-            <a:extLst>
-              <a:ext uri="{FF2B5EF4-FFF2-40B4-BE49-F238E27FC236}">
-                <a16:creationId xmlns:a16="http://schemas.microsoft.com/office/drawing/2014/main" id="{D8D00F6C-72DF-630F-CE9E-2C855B34828D}"/>
-              </a:ext>
-            </a:extLst>
-          </p:cNvPr>
+          <p:cNvPr id="6" name="Slide Number Placeholder 5"/>
           <p:cNvSpPr>
             <a:spLocks noGrp="1"/>
           </p:cNvSpPr>
@@ -1133,7 +1240,7 @@
     </p:spTree>
     <p:extLst>
       <p:ext uri="{BB962C8B-B14F-4D97-AF65-F5344CB8AC3E}">
-        <p14:creationId xmlns:p14="http://schemas.microsoft.com/office/powerpoint/2010/main" val="936001236"/>
+        <p14:creationId xmlns:p14="http://schemas.microsoft.com/office/powerpoint/2010/main" val="2303747976"/>
       </p:ext>
     </p:extLst>
   </p:cSld>
@@ -1144,8 +1251,16 @@
 </file>
 
 <file path=ppt/slideLayouts/slideLayout3.xml><?xml version="1.0" encoding="utf-8"?>
-<p:sldLayout xmlns:a="http://schemas.openxmlformats.org/drawingml/2006/main" xmlns:r="http://schemas.openxmlformats.org/officeDocument/2006/relationships" xmlns:p="http://schemas.openxmlformats.org/presentationml/2006/main" type="secHead" preserve="1">
+<p:sldLayout xmlns:a="http://schemas.openxmlformats.org/drawingml/2006/main" xmlns:r="http://schemas.openxmlformats.org/officeDocument/2006/relationships" xmlns:p="http://schemas.openxmlformats.org/presentationml/2006/main" showMasterSp="0" type="secHead" preserve="1">
   <p:cSld name="Section Header">
+    <p:bg>
+      <p:bgPr>
+        <a:solidFill>
+          <a:schemeClr val="bg1"/>
+        </a:solidFill>
+        <a:effectLst/>
+      </p:bgPr>
+    </p:bg>
     <p:spTree>
       <p:nvGrpSpPr>
         <p:cNvPr id="1" name=""/>
@@ -1162,31 +1277,113 @@
       </p:grpSpPr>
       <p:sp>
         <p:nvSpPr>
-          <p:cNvPr id="2" name="Title 1">
-            <a:extLst>
-              <a:ext uri="{FF2B5EF4-FFF2-40B4-BE49-F238E27FC236}">
-                <a16:creationId xmlns:a16="http://schemas.microsoft.com/office/drawing/2014/main" id="{18EA863D-2693-9224-B4A4-D20087CE1D72}"/>
-              </a:ext>
-            </a:extLst>
-          </p:cNvPr>
-          <p:cNvSpPr>
-            <a:spLocks noGrp="1"/>
-          </p:cNvSpPr>
-          <p:nvPr>
-            <p:ph type="title"/>
-          </p:nvPr>
+          <p:cNvPr id="7" name="Rectangle 6"/>
+          <p:cNvSpPr/>
+          <p:nvPr/>
         </p:nvSpPr>
         <p:spPr>
           <a:xfrm>
-            <a:off x="831850" y="1709738"/>
-            <a:ext cx="10515600" cy="2852737"/>
+            <a:off x="3175" y="6400800"/>
+            <a:ext cx="12188825" cy="457200"/>
+          </a:xfrm>
+          <a:prstGeom prst="rect">
+            <a:avLst/>
+          </a:prstGeom>
+          <a:solidFill>
+            <a:schemeClr val="accent2"/>
+          </a:solidFill>
+          <a:ln>
+            <a:noFill/>
+          </a:ln>
+        </p:spPr>
+        <p:style>
+          <a:lnRef idx="2">
+            <a:schemeClr val="accent1">
+              <a:shade val="50000"/>
+            </a:schemeClr>
+          </a:lnRef>
+          <a:fillRef idx="1">
+            <a:schemeClr val="accent1"/>
+          </a:fillRef>
+          <a:effectRef idx="0">
+            <a:schemeClr val="accent1"/>
+          </a:effectRef>
+          <a:fontRef idx="minor">
+            <a:schemeClr val="lt1"/>
+          </a:fontRef>
+        </p:style>
+      </p:sp>
+      <p:sp>
+        <p:nvSpPr>
+          <p:cNvPr id="8" name="Rectangle 7"/>
+          <p:cNvSpPr/>
+          <p:nvPr/>
+        </p:nvSpPr>
+        <p:spPr>
+          <a:xfrm>
+            <a:off x="15" y="6334316"/>
+            <a:ext cx="12188825" cy="64008"/>
+          </a:xfrm>
+          <a:prstGeom prst="rect">
+            <a:avLst/>
+          </a:prstGeom>
+          <a:solidFill>
+            <a:schemeClr val="accent1"/>
+          </a:solidFill>
+          <a:ln>
+            <a:noFill/>
+          </a:ln>
+        </p:spPr>
+        <p:style>
+          <a:lnRef idx="2">
+            <a:schemeClr val="accent1">
+              <a:shade val="50000"/>
+            </a:schemeClr>
+          </a:lnRef>
+          <a:fillRef idx="1">
+            <a:schemeClr val="accent1"/>
+          </a:fillRef>
+          <a:effectRef idx="0">
+            <a:schemeClr val="accent1"/>
+          </a:effectRef>
+          <a:fontRef idx="minor">
+            <a:schemeClr val="lt1"/>
+          </a:fontRef>
+        </p:style>
+      </p:sp>
+      <p:sp>
+        <p:nvSpPr>
+          <p:cNvPr id="2" name="Title 1"/>
+          <p:cNvSpPr>
+            <a:spLocks noGrp="1"/>
+          </p:cNvSpPr>
+          <p:nvPr>
+            <p:ph type="title"/>
+          </p:nvPr>
+        </p:nvSpPr>
+        <p:spPr>
+          <a:xfrm>
+            <a:off x="1097280" y="758952"/>
+            <a:ext cx="10058400" cy="3566160"/>
           </a:xfrm>
         </p:spPr>
         <p:txBody>
-          <a:bodyPr anchor="b"/>
+          <a:bodyPr anchor="b" anchorCtr="0">
+            <a:normAutofit/>
+          </a:bodyPr>
           <a:lstStyle>
             <a:lvl1pPr>
-              <a:defRPr sz="6000"/>
+              <a:lnSpc>
+                <a:spcPct val="85000"/>
+              </a:lnSpc>
+              <a:defRPr sz="8000" b="0">
+                <a:solidFill>
+                  <a:schemeClr val="tx1">
+                    <a:lumMod val="85000"/>
+                    <a:lumOff val="15000"/>
+                  </a:schemeClr>
+                </a:solidFill>
+              </a:defRPr>
             </a:lvl1pPr>
           </a:lstStyle>
           <a:p>
@@ -1194,18 +1391,13 @@
               <a:rPr lang="en-US"/>
               <a:t>Click to edit Master title style</a:t>
             </a:r>
-          </a:p>
-        </p:txBody>
-      </p:sp>
-      <p:sp>
-        <p:nvSpPr>
-          <p:cNvPr id="3" name="Text Placeholder 2">
-            <a:extLst>
-              <a:ext uri="{FF2B5EF4-FFF2-40B4-BE49-F238E27FC236}">
-                <a16:creationId xmlns:a16="http://schemas.microsoft.com/office/drawing/2014/main" id="{1D390DDE-4942-CA7A-A5A4-ABDE261967FA}"/>
-              </a:ext>
-            </a:extLst>
-          </p:cNvPr>
+            <a:endParaRPr lang="en-US" dirty="0"/>
+          </a:p>
+        </p:txBody>
+      </p:sp>
+      <p:sp>
+        <p:nvSpPr>
+          <p:cNvPr id="3" name="Text Placeholder 2"/>
           <p:cNvSpPr>
             <a:spLocks noGrp="1"/>
           </p:cNvSpPr>
@@ -1215,99 +1407,100 @@
         </p:nvSpPr>
         <p:spPr>
           <a:xfrm>
-            <a:off x="831850" y="4589463"/>
-            <a:ext cx="10515600" cy="1500187"/>
+            <a:off x="1097280" y="4453128"/>
+            <a:ext cx="10058400" cy="1143000"/>
           </a:xfrm>
         </p:spPr>
         <p:txBody>
-          <a:bodyPr/>
+          <a:bodyPr lIns="91440" rIns="91440" anchor="t" anchorCtr="0">
+            <a:normAutofit/>
+          </a:bodyPr>
           <a:lstStyle>
             <a:lvl1pPr marL="0" indent="0">
               <a:buNone/>
-              <a:defRPr sz="2400">
-                <a:solidFill>
-                  <a:schemeClr val="tx1">
-                    <a:tint val="82000"/>
-                  </a:schemeClr>
-                </a:solidFill>
+              <a:defRPr sz="2400" cap="all" spc="200" baseline="0">
+                <a:solidFill>
+                  <a:schemeClr val="tx2"/>
+                </a:solidFill>
+                <a:latin typeface="+mj-lt"/>
               </a:defRPr>
             </a:lvl1pPr>
             <a:lvl2pPr marL="457200" indent="0">
               <a:buNone/>
-              <a:defRPr sz="2000">
+              <a:defRPr sz="1800">
                 <a:solidFill>
                   <a:schemeClr val="tx1">
-                    <a:tint val="82000"/>
+                    <a:tint val="75000"/>
                   </a:schemeClr>
                 </a:solidFill>
               </a:defRPr>
             </a:lvl2pPr>
             <a:lvl3pPr marL="914400" indent="0">
               <a:buNone/>
-              <a:defRPr sz="1800">
+              <a:defRPr sz="1600">
                 <a:solidFill>
                   <a:schemeClr val="tx1">
-                    <a:tint val="82000"/>
+                    <a:tint val="75000"/>
                   </a:schemeClr>
                 </a:solidFill>
               </a:defRPr>
             </a:lvl3pPr>
             <a:lvl4pPr marL="1371600" indent="0">
               <a:buNone/>
-              <a:defRPr sz="1600">
+              <a:defRPr sz="1400">
                 <a:solidFill>
                   <a:schemeClr val="tx1">
-                    <a:tint val="82000"/>
+                    <a:tint val="75000"/>
                   </a:schemeClr>
                 </a:solidFill>
               </a:defRPr>
             </a:lvl4pPr>
             <a:lvl5pPr marL="1828800" indent="0">
               <a:buNone/>
-              <a:defRPr sz="1600">
+              <a:defRPr sz="1400">
                 <a:solidFill>
                   <a:schemeClr val="tx1">
-                    <a:tint val="82000"/>
+                    <a:tint val="75000"/>
                   </a:schemeClr>
                 </a:solidFill>
               </a:defRPr>
             </a:lvl5pPr>
             <a:lvl6pPr marL="2286000" indent="0">
               <a:buNone/>
-              <a:defRPr sz="1600">
+              <a:defRPr sz="1400">
                 <a:solidFill>
                   <a:schemeClr val="tx1">
-                    <a:tint val="82000"/>
+                    <a:tint val="75000"/>
                   </a:schemeClr>
                 </a:solidFill>
               </a:defRPr>
             </a:lvl6pPr>
             <a:lvl7pPr marL="2743200" indent="0">
               <a:buNone/>
-              <a:defRPr sz="1600">
+              <a:defRPr sz="1400">
                 <a:solidFill>
                   <a:schemeClr val="tx1">
-                    <a:tint val="82000"/>
+                    <a:tint val="75000"/>
                   </a:schemeClr>
                 </a:solidFill>
               </a:defRPr>
             </a:lvl7pPr>
             <a:lvl8pPr marL="3200400" indent="0">
               <a:buNone/>
-              <a:defRPr sz="1600">
+              <a:defRPr sz="1400">
                 <a:solidFill>
                   <a:schemeClr val="tx1">
-                    <a:tint val="82000"/>
+                    <a:tint val="75000"/>
                   </a:schemeClr>
                 </a:solidFill>
               </a:defRPr>
             </a:lvl8pPr>
             <a:lvl9pPr marL="3657600" indent="0">
               <a:buNone/>
-              <a:defRPr sz="1600">
+              <a:defRPr sz="1400">
                 <a:solidFill>
                   <a:schemeClr val="tx1">
-                    <a:tint val="82000"/>
+                    <a:tint val="75000"/>
                   </a:schemeClr>
                 </a:solidFill>
               </a:defRPr>
@@ -1324,13 +1517,7 @@
       </p:sp>
       <p:sp>
         <p:nvSpPr>
-          <p:cNvPr id="4" name="Date Placeholder 3">
-            <a:extLst>
-              <a:ext uri="{FF2B5EF4-FFF2-40B4-BE49-F238E27FC236}">
-                <a16:creationId xmlns:a16="http://schemas.microsoft.com/office/drawing/2014/main" id="{ECC99B4B-9EBE-7777-413F-4C874A69F022}"/>
-              </a:ext>
-            </a:extLst>
-          </p:cNvPr>
+          <p:cNvPr id="4" name="Date Placeholder 3"/>
           <p:cNvSpPr>
             <a:spLocks noGrp="1"/>
           </p:cNvSpPr>
@@ -1345,7 +1532,7 @@
           <a:p>
             <a:fld id="{13C20130-F02E-4337-9601-169F8A599734}" type="datetimeFigureOut">
               <a:rPr lang="en-US" smtClean="0"/>
-              <a:t>7/16/2025</a:t>
+              <a:t>7/17/2025</a:t>
             </a:fld>
             <a:endParaRPr lang="en-US"/>
           </a:p>
@@ -1353,13 +1540,7 @@
       </p:sp>
       <p:sp>
         <p:nvSpPr>
-          <p:cNvPr id="5" name="Footer Placeholder 4">
-            <a:extLst>
-              <a:ext uri="{FF2B5EF4-FFF2-40B4-BE49-F238E27FC236}">
-                <a16:creationId xmlns:a16="http://schemas.microsoft.com/office/drawing/2014/main" id="{1BFC9BEA-C174-9902-2FEC-06001076D344}"/>
-              </a:ext>
-            </a:extLst>
-          </p:cNvPr>
+          <p:cNvPr id="5" name="Footer Placeholder 4"/>
           <p:cNvSpPr>
             <a:spLocks noGrp="1"/>
           </p:cNvSpPr>
@@ -1378,13 +1559,7 @@
       </p:sp>
       <p:sp>
         <p:nvSpPr>
-          <p:cNvPr id="6" name="Slide Number Placeholder 5">
-            <a:extLst>
-              <a:ext uri="{FF2B5EF4-FFF2-40B4-BE49-F238E27FC236}">
-                <a16:creationId xmlns:a16="http://schemas.microsoft.com/office/drawing/2014/main" id="{F94379BD-96A5-74F0-1068-BD3E62E88096}"/>
-              </a:ext>
-            </a:extLst>
-          </p:cNvPr>
+          <p:cNvPr id="6" name="Slide Number Placeholder 5"/>
           <p:cNvSpPr>
             <a:spLocks noGrp="1"/>
           </p:cNvSpPr>
@@ -1405,10 +1580,48 @@
           </a:p>
         </p:txBody>
       </p:sp>
+      <p:cxnSp>
+        <p:nvCxnSpPr>
+          <p:cNvPr id="9" name="Straight Connector 8"/>
+          <p:cNvCxnSpPr/>
+          <p:nvPr/>
+        </p:nvCxnSpPr>
+        <p:spPr>
+          <a:xfrm>
+            <a:off x="1207658" y="4343400"/>
+            <a:ext cx="9875520" cy="0"/>
+          </a:xfrm>
+          <a:prstGeom prst="line">
+            <a:avLst/>
+          </a:prstGeom>
+          <a:ln w="6350">
+            <a:solidFill>
+              <a:schemeClr val="tx1">
+                <a:lumMod val="50000"/>
+                <a:lumOff val="50000"/>
+              </a:schemeClr>
+            </a:solidFill>
+          </a:ln>
+        </p:spPr>
+        <p:style>
+          <a:lnRef idx="1">
+            <a:schemeClr val="accent1"/>
+          </a:lnRef>
+          <a:fillRef idx="0">
+            <a:schemeClr val="accent1"/>
+          </a:fillRef>
+          <a:effectRef idx="0">
+            <a:schemeClr val="accent1"/>
+          </a:effectRef>
+          <a:fontRef idx="minor">
+            <a:schemeClr val="tx1"/>
+          </a:fontRef>
+        </p:style>
+      </p:cxnSp>
     </p:spTree>
     <p:extLst>
       <p:ext uri="{BB962C8B-B14F-4D97-AF65-F5344CB8AC3E}">
-        <p14:creationId xmlns:p14="http://schemas.microsoft.com/office/powerpoint/2010/main" val="1839665476"/>
+        <p14:creationId xmlns:p14="http://schemas.microsoft.com/office/powerpoint/2010/main" val="4265834541"/>
       </p:ext>
     </p:extLst>
   </p:cSld>
@@ -1437,13 +1650,7 @@
       </p:grpSpPr>
       <p:sp>
         <p:nvSpPr>
-          <p:cNvPr id="2" name="Title 1">
-            <a:extLst>
-              <a:ext uri="{FF2B5EF4-FFF2-40B4-BE49-F238E27FC236}">
-                <a16:creationId xmlns:a16="http://schemas.microsoft.com/office/drawing/2014/main" id="{5A2B299F-9174-0F6C-000D-07BB16F74C47}"/>
-              </a:ext>
-            </a:extLst>
-          </p:cNvPr>
+          <p:cNvPr id="8" name="Title 7"/>
           <p:cNvSpPr>
             <a:spLocks noGrp="1"/>
           </p:cNvSpPr>
@@ -1451,7 +1658,12 @@
             <p:ph type="title"/>
           </p:nvPr>
         </p:nvSpPr>
-        <p:spPr/>
+        <p:spPr>
+          <a:xfrm>
+            <a:off x="1097280" y="286603"/>
+            <a:ext cx="10058400" cy="1450757"/>
+          </a:xfrm>
+        </p:spPr>
         <p:txBody>
           <a:bodyPr/>
           <a:lstStyle/>
@@ -1460,18 +1672,13 @@
               <a:rPr lang="en-US"/>
               <a:t>Click to edit Master title style</a:t>
             </a:r>
-          </a:p>
-        </p:txBody>
-      </p:sp>
-      <p:sp>
-        <p:nvSpPr>
-          <p:cNvPr id="3" name="Content Placeholder 2">
-            <a:extLst>
-              <a:ext uri="{FF2B5EF4-FFF2-40B4-BE49-F238E27FC236}">
-                <a16:creationId xmlns:a16="http://schemas.microsoft.com/office/drawing/2014/main" id="{2B0EC4DF-91F1-8DBF-C681-352E27443170}"/>
-              </a:ext>
-            </a:extLst>
-          </p:cNvPr>
+            <a:endParaRPr lang="en-US" dirty="0"/>
+          </a:p>
+        </p:txBody>
+      </p:sp>
+      <p:sp>
+        <p:nvSpPr>
+          <p:cNvPr id="3" name="Content Placeholder 2"/>
           <p:cNvSpPr>
             <a:spLocks noGrp="1"/>
           </p:cNvSpPr>
@@ -1481,8 +1688,8 @@
         </p:nvSpPr>
         <p:spPr>
           <a:xfrm>
-            <a:off x="838200" y="1825625"/>
-            <a:ext cx="5181600" cy="4351338"/>
+            <a:off x="1097279" y="1845734"/>
+            <a:ext cx="4937760" cy="4023360"/>
           </a:xfrm>
         </p:spPr>
         <p:txBody>
@@ -1522,18 +1729,13 @@
               <a:rPr lang="en-US"/>
               <a:t>Fifth level</a:t>
             </a:r>
-          </a:p>
-        </p:txBody>
-      </p:sp>
-      <p:sp>
-        <p:nvSpPr>
-          <p:cNvPr id="4" name="Content Placeholder 3">
-            <a:extLst>
-              <a:ext uri="{FF2B5EF4-FFF2-40B4-BE49-F238E27FC236}">
-                <a16:creationId xmlns:a16="http://schemas.microsoft.com/office/drawing/2014/main" id="{E54D15C1-75A9-C006-A001-0C7E45FBA2EC}"/>
-              </a:ext>
-            </a:extLst>
-          </p:cNvPr>
+            <a:endParaRPr lang="en-US" dirty="0"/>
+          </a:p>
+        </p:txBody>
+      </p:sp>
+      <p:sp>
+        <p:nvSpPr>
+          <p:cNvPr id="4" name="Content Placeholder 3"/>
           <p:cNvSpPr>
             <a:spLocks noGrp="1"/>
           </p:cNvSpPr>
@@ -1543,8 +1745,8 @@
         </p:nvSpPr>
         <p:spPr>
           <a:xfrm>
-            <a:off x="6172200" y="1825625"/>
-            <a:ext cx="5181600" cy="4351338"/>
+            <a:off x="6217920" y="1845735"/>
+            <a:ext cx="4937760" cy="4023360"/>
           </a:xfrm>
         </p:spPr>
         <p:txBody>
@@ -1584,18 +1786,13 @@
               <a:rPr lang="en-US"/>
               <a:t>Fifth level</a:t>
             </a:r>
-          </a:p>
-        </p:txBody>
-      </p:sp>
-      <p:sp>
-        <p:nvSpPr>
-          <p:cNvPr id="5" name="Date Placeholder 4">
-            <a:extLst>
-              <a:ext uri="{FF2B5EF4-FFF2-40B4-BE49-F238E27FC236}">
-                <a16:creationId xmlns:a16="http://schemas.microsoft.com/office/drawing/2014/main" id="{B0ADAA11-B43F-6C77-F4EC-547E0E1DADBC}"/>
-              </a:ext>
-            </a:extLst>
-          </p:cNvPr>
+            <a:endParaRPr lang="en-US" dirty="0"/>
+          </a:p>
+        </p:txBody>
+      </p:sp>
+      <p:sp>
+        <p:nvSpPr>
+          <p:cNvPr id="5" name="Date Placeholder 4"/>
           <p:cNvSpPr>
             <a:spLocks noGrp="1"/>
           </p:cNvSpPr>
@@ -1610,7 +1807,7 @@
           <a:p>
             <a:fld id="{13C20130-F02E-4337-9601-169F8A599734}" type="datetimeFigureOut">
               <a:rPr lang="en-US" smtClean="0"/>
-              <a:t>7/16/2025</a:t>
+              <a:t>7/17/2025</a:t>
             </a:fld>
             <a:endParaRPr lang="en-US"/>
           </a:p>
@@ -1618,13 +1815,7 @@
       </p:sp>
       <p:sp>
         <p:nvSpPr>
-          <p:cNvPr id="6" name="Footer Placeholder 5">
-            <a:extLst>
-              <a:ext uri="{FF2B5EF4-FFF2-40B4-BE49-F238E27FC236}">
-                <a16:creationId xmlns:a16="http://schemas.microsoft.com/office/drawing/2014/main" id="{19B49FD3-2B3D-A257-5AA1-2733DC0B46F0}"/>
-              </a:ext>
-            </a:extLst>
-          </p:cNvPr>
+          <p:cNvPr id="6" name="Footer Placeholder 5"/>
           <p:cNvSpPr>
             <a:spLocks noGrp="1"/>
           </p:cNvSpPr>
@@ -1643,13 +1834,7 @@
       </p:sp>
       <p:sp>
         <p:nvSpPr>
-          <p:cNvPr id="7" name="Slide Number Placeholder 6">
-            <a:extLst>
-              <a:ext uri="{FF2B5EF4-FFF2-40B4-BE49-F238E27FC236}">
-                <a16:creationId xmlns:a16="http://schemas.microsoft.com/office/drawing/2014/main" id="{F7754776-1241-C76B-A294-0EEA137AD65B}"/>
-              </a:ext>
-            </a:extLst>
-          </p:cNvPr>
+          <p:cNvPr id="7" name="Slide Number Placeholder 6"/>
           <p:cNvSpPr>
             <a:spLocks noGrp="1"/>
           </p:cNvSpPr>
@@ -1673,7 +1858,7 @@
     </p:spTree>
     <p:extLst>
       <p:ext uri="{BB962C8B-B14F-4D97-AF65-F5344CB8AC3E}">
-        <p14:creationId xmlns:p14="http://schemas.microsoft.com/office/powerpoint/2010/main" val="763404848"/>
+        <p14:creationId xmlns:p14="http://schemas.microsoft.com/office/powerpoint/2010/main" val="1939403426"/>
       </p:ext>
     </p:extLst>
   </p:cSld>
@@ -1702,13 +1887,7 @@
       </p:grpSpPr>
       <p:sp>
         <p:nvSpPr>
-          <p:cNvPr id="2" name="Title 1">
-            <a:extLst>
-              <a:ext uri="{FF2B5EF4-FFF2-40B4-BE49-F238E27FC236}">
-                <a16:creationId xmlns:a16="http://schemas.microsoft.com/office/drawing/2014/main" id="{87473822-1911-479D-C665-E62147602F18}"/>
-              </a:ext>
-            </a:extLst>
-          </p:cNvPr>
+          <p:cNvPr id="10" name="Title 9"/>
           <p:cNvSpPr>
             <a:spLocks noGrp="1"/>
           </p:cNvSpPr>
@@ -1718,8 +1897,8 @@
         </p:nvSpPr>
         <p:spPr>
           <a:xfrm>
-            <a:off x="839788" y="365125"/>
-            <a:ext cx="10515600" cy="1325563"/>
+            <a:off x="1097280" y="286603"/>
+            <a:ext cx="10058400" cy="1450757"/>
           </a:xfrm>
         </p:spPr>
         <p:txBody>
@@ -1730,18 +1909,13 @@
               <a:rPr lang="en-US"/>
               <a:t>Click to edit Master title style</a:t>
             </a:r>
-          </a:p>
-        </p:txBody>
-      </p:sp>
-      <p:sp>
-        <p:nvSpPr>
-          <p:cNvPr id="3" name="Text Placeholder 2">
-            <a:extLst>
-              <a:ext uri="{FF2B5EF4-FFF2-40B4-BE49-F238E27FC236}">
-                <a16:creationId xmlns:a16="http://schemas.microsoft.com/office/drawing/2014/main" id="{E409BB80-3178-573F-8311-6AA0B5CD960C}"/>
-              </a:ext>
-            </a:extLst>
-          </p:cNvPr>
+            <a:endParaRPr lang="en-US" dirty="0"/>
+          </a:p>
+        </p:txBody>
+      </p:sp>
+      <p:sp>
+        <p:nvSpPr>
+          <p:cNvPr id="3" name="Text Placeholder 2"/>
           <p:cNvSpPr>
             <a:spLocks noGrp="1"/>
           </p:cNvSpPr>
@@ -1751,16 +1925,22 @@
         </p:nvSpPr>
         <p:spPr>
           <a:xfrm>
-            <a:off x="839788" y="1681163"/>
-            <a:ext cx="5157787" cy="823912"/>
+            <a:off x="1097280" y="1846052"/>
+            <a:ext cx="4937760" cy="736282"/>
           </a:xfrm>
         </p:spPr>
         <p:txBody>
-          <a:bodyPr anchor="b"/>
+          <a:bodyPr lIns="91440" rIns="91440" anchor="ctr">
+            <a:normAutofit/>
+          </a:bodyPr>
           <a:lstStyle>
             <a:lvl1pPr marL="0" indent="0">
               <a:buNone/>
-              <a:defRPr sz="2400" b="1"/>
+              <a:defRPr sz="2000" b="0" cap="all" baseline="0">
+                <a:solidFill>
+                  <a:schemeClr val="tx2"/>
+                </a:solidFill>
+              </a:defRPr>
             </a:lvl1pPr>
             <a:lvl2pPr marL="457200" indent="0">
               <a:buNone/>
@@ -1806,13 +1986,7 @@
       </p:sp>
       <p:sp>
         <p:nvSpPr>
-          <p:cNvPr id="4" name="Content Placeholder 3">
-            <a:extLst>
-              <a:ext uri="{FF2B5EF4-FFF2-40B4-BE49-F238E27FC236}">
-                <a16:creationId xmlns:a16="http://schemas.microsoft.com/office/drawing/2014/main" id="{68477220-7BDE-14D3-14FA-8464372DF842}"/>
-              </a:ext>
-            </a:extLst>
-          </p:cNvPr>
+          <p:cNvPr id="4" name="Content Placeholder 3"/>
           <p:cNvSpPr>
             <a:spLocks noGrp="1"/>
           </p:cNvSpPr>
@@ -1822,8 +1996,8 @@
         </p:nvSpPr>
         <p:spPr>
           <a:xfrm>
-            <a:off x="839788" y="2505075"/>
-            <a:ext cx="5157787" cy="3684588"/>
+            <a:off x="1097280" y="2582334"/>
+            <a:ext cx="4937760" cy="3378200"/>
           </a:xfrm>
         </p:spPr>
         <p:txBody>
@@ -1863,18 +2037,13 @@
               <a:rPr lang="en-US"/>
               <a:t>Fifth level</a:t>
             </a:r>
-          </a:p>
-        </p:txBody>
-      </p:sp>
-      <p:sp>
-        <p:nvSpPr>
-          <p:cNvPr id="5" name="Text Placeholder 4">
-            <a:extLst>
-              <a:ext uri="{FF2B5EF4-FFF2-40B4-BE49-F238E27FC236}">
-                <a16:creationId xmlns:a16="http://schemas.microsoft.com/office/drawing/2014/main" id="{2C75D377-3E3F-19AA-2DD6-71A781FDD905}"/>
-              </a:ext>
-            </a:extLst>
-          </p:cNvPr>
+            <a:endParaRPr lang="en-US" dirty="0"/>
+          </a:p>
+        </p:txBody>
+      </p:sp>
+      <p:sp>
+        <p:nvSpPr>
+          <p:cNvPr id="5" name="Text Placeholder 4"/>
           <p:cNvSpPr>
             <a:spLocks noGrp="1"/>
           </p:cNvSpPr>
@@ -1884,16 +2053,22 @@
         </p:nvSpPr>
         <p:spPr>
           <a:xfrm>
-            <a:off x="6172200" y="1681163"/>
-            <a:ext cx="5183188" cy="823912"/>
+            <a:off x="6217920" y="1846052"/>
+            <a:ext cx="4937760" cy="736282"/>
           </a:xfrm>
         </p:spPr>
         <p:txBody>
-          <a:bodyPr anchor="b"/>
+          <a:bodyPr lIns="91440" rIns="91440" anchor="ctr">
+            <a:normAutofit/>
+          </a:bodyPr>
           <a:lstStyle>
             <a:lvl1pPr marL="0" indent="0">
               <a:buNone/>
-              <a:defRPr sz="2400" b="1"/>
+              <a:defRPr sz="2000" b="0" cap="all" baseline="0">
+                <a:solidFill>
+                  <a:schemeClr val="tx2"/>
+                </a:solidFill>
+              </a:defRPr>
             </a:lvl1pPr>
             <a:lvl2pPr marL="457200" indent="0">
               <a:buNone/>
@@ -1939,13 +2114,7 @@
       </p:sp>
       <p:sp>
         <p:nvSpPr>
-          <p:cNvPr id="6" name="Content Placeholder 5">
-            <a:extLst>
-              <a:ext uri="{FF2B5EF4-FFF2-40B4-BE49-F238E27FC236}">
-                <a16:creationId xmlns:a16="http://schemas.microsoft.com/office/drawing/2014/main" id="{47CFBD21-B8FF-9545-4B57-F31CA588E6D7}"/>
-              </a:ext>
-            </a:extLst>
-          </p:cNvPr>
+          <p:cNvPr id="6" name="Content Placeholder 5"/>
           <p:cNvSpPr>
             <a:spLocks noGrp="1"/>
           </p:cNvSpPr>
@@ -1955,8 +2124,8 @@
         </p:nvSpPr>
         <p:spPr>
           <a:xfrm>
-            <a:off x="6172200" y="2505075"/>
-            <a:ext cx="5183188" cy="3684588"/>
+            <a:off x="6217920" y="2582334"/>
+            <a:ext cx="4937760" cy="3378200"/>
           </a:xfrm>
         </p:spPr>
         <p:txBody>
@@ -1996,18 +2165,13 @@
               <a:rPr lang="en-US"/>
               <a:t>Fifth level</a:t>
             </a:r>
-          </a:p>
-        </p:txBody>
-      </p:sp>
-      <p:sp>
-        <p:nvSpPr>
-          <p:cNvPr id="7" name="Date Placeholder 6">
-            <a:extLst>
-              <a:ext uri="{FF2B5EF4-FFF2-40B4-BE49-F238E27FC236}">
-                <a16:creationId xmlns:a16="http://schemas.microsoft.com/office/drawing/2014/main" id="{6D7CB3A7-0CCD-A05D-4029-E9AE0E758E20}"/>
-              </a:ext>
-            </a:extLst>
-          </p:cNvPr>
+            <a:endParaRPr lang="en-US" dirty="0"/>
+          </a:p>
+        </p:txBody>
+      </p:sp>
+      <p:sp>
+        <p:nvSpPr>
+          <p:cNvPr id="7" name="Date Placeholder 6"/>
           <p:cNvSpPr>
             <a:spLocks noGrp="1"/>
           </p:cNvSpPr>
@@ -2022,7 +2186,7 @@
           <a:p>
             <a:fld id="{13C20130-F02E-4337-9601-169F8A599734}" type="datetimeFigureOut">
               <a:rPr lang="en-US" smtClean="0"/>
-              <a:t>7/16/2025</a:t>
+              <a:t>7/17/2025</a:t>
             </a:fld>
             <a:endParaRPr lang="en-US"/>
           </a:p>
@@ -2030,13 +2194,7 @@
       </p:sp>
       <p:sp>
         <p:nvSpPr>
-          <p:cNvPr id="8" name="Footer Placeholder 7">
-            <a:extLst>
-              <a:ext uri="{FF2B5EF4-FFF2-40B4-BE49-F238E27FC236}">
-                <a16:creationId xmlns:a16="http://schemas.microsoft.com/office/drawing/2014/main" id="{5D662EC3-A34F-4D51-B9A3-2F610AD18878}"/>
-              </a:ext>
-            </a:extLst>
-          </p:cNvPr>
+          <p:cNvPr id="8" name="Footer Placeholder 7"/>
           <p:cNvSpPr>
             <a:spLocks noGrp="1"/>
           </p:cNvSpPr>
@@ -2055,13 +2213,7 @@
       </p:sp>
       <p:sp>
         <p:nvSpPr>
-          <p:cNvPr id="9" name="Slide Number Placeholder 8">
-            <a:extLst>
-              <a:ext uri="{FF2B5EF4-FFF2-40B4-BE49-F238E27FC236}">
-                <a16:creationId xmlns:a16="http://schemas.microsoft.com/office/drawing/2014/main" id="{96688231-01F6-F0E0-055B-9D82C46B0D05}"/>
-              </a:ext>
-            </a:extLst>
-          </p:cNvPr>
+          <p:cNvPr id="9" name="Slide Number Placeholder 8"/>
           <p:cNvSpPr>
             <a:spLocks noGrp="1"/>
           </p:cNvSpPr>
@@ -2085,7 +2237,7 @@
     </p:spTree>
     <p:extLst>
       <p:ext uri="{BB962C8B-B14F-4D97-AF65-F5344CB8AC3E}">
-        <p14:creationId xmlns:p14="http://schemas.microsoft.com/office/powerpoint/2010/main" val="1566377626"/>
+        <p14:creationId xmlns:p14="http://schemas.microsoft.com/office/powerpoint/2010/main" val="3320889706"/>
       </p:ext>
     </p:extLst>
   </p:cSld>
@@ -2114,13 +2266,7 @@
       </p:grpSpPr>
       <p:sp>
         <p:nvSpPr>
-          <p:cNvPr id="2" name="Title 1">
-            <a:extLst>
-              <a:ext uri="{FF2B5EF4-FFF2-40B4-BE49-F238E27FC236}">
-                <a16:creationId xmlns:a16="http://schemas.microsoft.com/office/drawing/2014/main" id="{7C0131CE-8A3C-1EF4-21BA-A3EB58219296}"/>
-              </a:ext>
-            </a:extLst>
-          </p:cNvPr>
+          <p:cNvPr id="2" name="Title 1"/>
           <p:cNvSpPr>
             <a:spLocks noGrp="1"/>
           </p:cNvSpPr>
@@ -2137,18 +2283,13 @@
               <a:rPr lang="en-US"/>
               <a:t>Click to edit Master title style</a:t>
             </a:r>
-          </a:p>
-        </p:txBody>
-      </p:sp>
-      <p:sp>
-        <p:nvSpPr>
-          <p:cNvPr id="3" name="Date Placeholder 2">
-            <a:extLst>
-              <a:ext uri="{FF2B5EF4-FFF2-40B4-BE49-F238E27FC236}">
-                <a16:creationId xmlns:a16="http://schemas.microsoft.com/office/drawing/2014/main" id="{E2218A20-E884-8A50-DE57-94A177C48557}"/>
-              </a:ext>
-            </a:extLst>
-          </p:cNvPr>
+            <a:endParaRPr lang="en-US" dirty="0"/>
+          </a:p>
+        </p:txBody>
+      </p:sp>
+      <p:sp>
+        <p:nvSpPr>
+          <p:cNvPr id="3" name="Date Placeholder 2"/>
           <p:cNvSpPr>
             <a:spLocks noGrp="1"/>
           </p:cNvSpPr>
@@ -2163,7 +2304,7 @@
           <a:p>
             <a:fld id="{13C20130-F02E-4337-9601-169F8A599734}" type="datetimeFigureOut">
               <a:rPr lang="en-US" smtClean="0"/>
-              <a:t>7/16/2025</a:t>
+              <a:t>7/17/2025</a:t>
             </a:fld>
             <a:endParaRPr lang="en-US"/>
           </a:p>
@@ -2171,13 +2312,7 @@
       </p:sp>
       <p:sp>
         <p:nvSpPr>
-          <p:cNvPr id="4" name="Footer Placeholder 3">
-            <a:extLst>
-              <a:ext uri="{FF2B5EF4-FFF2-40B4-BE49-F238E27FC236}">
-                <a16:creationId xmlns:a16="http://schemas.microsoft.com/office/drawing/2014/main" id="{11D54C53-1E00-6A05-0103-E04B02077667}"/>
-              </a:ext>
-            </a:extLst>
-          </p:cNvPr>
+          <p:cNvPr id="4" name="Footer Placeholder 3"/>
           <p:cNvSpPr>
             <a:spLocks noGrp="1"/>
           </p:cNvSpPr>
@@ -2196,13 +2331,7 @@
       </p:sp>
       <p:sp>
         <p:nvSpPr>
-          <p:cNvPr id="5" name="Slide Number Placeholder 4">
-            <a:extLst>
-              <a:ext uri="{FF2B5EF4-FFF2-40B4-BE49-F238E27FC236}">
-                <a16:creationId xmlns:a16="http://schemas.microsoft.com/office/drawing/2014/main" id="{A2B3EC5B-E7B9-7671-56D4-74D046C59A77}"/>
-              </a:ext>
-            </a:extLst>
-          </p:cNvPr>
+          <p:cNvPr id="5" name="Slide Number Placeholder 4"/>
           <p:cNvSpPr>
             <a:spLocks noGrp="1"/>
           </p:cNvSpPr>
@@ -2226,7 +2355,7 @@
     </p:spTree>
     <p:extLst>
       <p:ext uri="{BB962C8B-B14F-4D97-AF65-F5344CB8AC3E}">
-        <p14:creationId xmlns:p14="http://schemas.microsoft.com/office/powerpoint/2010/main" val="2809835537"/>
+        <p14:creationId xmlns:p14="http://schemas.microsoft.com/office/powerpoint/2010/main" val="2707323750"/>
       </p:ext>
     </p:extLst>
   </p:cSld>
@@ -2237,7 +2366,7 @@
 </file>
 
 <file path=ppt/slideLayouts/slideLayout7.xml><?xml version="1.0" encoding="utf-8"?>
-<p:sldLayout xmlns:a="http://schemas.openxmlformats.org/drawingml/2006/main" xmlns:r="http://schemas.openxmlformats.org/officeDocument/2006/relationships" xmlns:p="http://schemas.openxmlformats.org/presentationml/2006/main" type="blank" preserve="1">
+<p:sldLayout xmlns:a="http://schemas.openxmlformats.org/drawingml/2006/main" xmlns:r="http://schemas.openxmlformats.org/officeDocument/2006/relationships" xmlns:p="http://schemas.openxmlformats.org/presentationml/2006/main" showMasterSp="0" type="blank" preserve="1">
   <p:cSld name="Blank">
     <p:spTree>
       <p:nvGrpSpPr>
@@ -2255,13 +2384,83 @@
       </p:grpSpPr>
       <p:sp>
         <p:nvSpPr>
-          <p:cNvPr id="2" name="Date Placeholder 1">
-            <a:extLst>
-              <a:ext uri="{FF2B5EF4-FFF2-40B4-BE49-F238E27FC236}">
-                <a16:creationId xmlns:a16="http://schemas.microsoft.com/office/drawing/2014/main" id="{CE2B2A32-5DF1-FF72-76F8-1C34C9820900}"/>
-              </a:ext>
-            </a:extLst>
-          </p:cNvPr>
+          <p:cNvPr id="5" name="Rectangle 4"/>
+          <p:cNvSpPr/>
+          <p:nvPr/>
+        </p:nvSpPr>
+        <p:spPr>
+          <a:xfrm>
+            <a:off x="3175" y="6400800"/>
+            <a:ext cx="12188825" cy="457200"/>
+          </a:xfrm>
+          <a:prstGeom prst="rect">
+            <a:avLst/>
+          </a:prstGeom>
+          <a:solidFill>
+            <a:schemeClr val="accent2"/>
+          </a:solidFill>
+          <a:ln>
+            <a:noFill/>
+          </a:ln>
+        </p:spPr>
+        <p:style>
+          <a:lnRef idx="2">
+            <a:schemeClr val="accent1">
+              <a:shade val="50000"/>
+            </a:schemeClr>
+          </a:lnRef>
+          <a:fillRef idx="1">
+            <a:schemeClr val="accent1"/>
+          </a:fillRef>
+          <a:effectRef idx="0">
+            <a:schemeClr val="accent1"/>
+          </a:effectRef>
+          <a:fontRef idx="minor">
+            <a:schemeClr val="lt1"/>
+          </a:fontRef>
+        </p:style>
+      </p:sp>
+      <p:sp>
+        <p:nvSpPr>
+          <p:cNvPr id="6" name="Rectangle 5"/>
+          <p:cNvSpPr/>
+          <p:nvPr/>
+        </p:nvSpPr>
+        <p:spPr>
+          <a:xfrm>
+            <a:off x="15" y="6334316"/>
+            <a:ext cx="12188825" cy="64008"/>
+          </a:xfrm>
+          <a:prstGeom prst="rect">
+            <a:avLst/>
+          </a:prstGeom>
+          <a:solidFill>
+            <a:schemeClr val="accent1"/>
+          </a:solidFill>
+          <a:ln>
+            <a:noFill/>
+          </a:ln>
+        </p:spPr>
+        <p:style>
+          <a:lnRef idx="2">
+            <a:schemeClr val="accent1">
+              <a:shade val="50000"/>
+            </a:schemeClr>
+          </a:lnRef>
+          <a:fillRef idx="1">
+            <a:schemeClr val="accent1"/>
+          </a:fillRef>
+          <a:effectRef idx="0">
+            <a:schemeClr val="accent1"/>
+          </a:effectRef>
+          <a:fontRef idx="minor">
+            <a:schemeClr val="lt1"/>
+          </a:fontRef>
+        </p:style>
+      </p:sp>
+      <p:sp>
+        <p:nvSpPr>
+          <p:cNvPr id="7" name="Date Placeholder 6"/>
           <p:cNvSpPr>
             <a:spLocks noGrp="1"/>
           </p:cNvSpPr>
@@ -2276,7 +2475,7 @@
           <a:p>
             <a:fld id="{13C20130-F02E-4337-9601-169F8A599734}" type="datetimeFigureOut">
               <a:rPr lang="en-US" smtClean="0"/>
-              <a:t>7/16/2025</a:t>
+              <a:t>7/17/2025</a:t>
             </a:fld>
             <a:endParaRPr lang="en-US"/>
           </a:p>
@@ -2284,13 +2483,7 @@
       </p:sp>
       <p:sp>
         <p:nvSpPr>
-          <p:cNvPr id="3" name="Footer Placeholder 2">
-            <a:extLst>
-              <a:ext uri="{FF2B5EF4-FFF2-40B4-BE49-F238E27FC236}">
-                <a16:creationId xmlns:a16="http://schemas.microsoft.com/office/drawing/2014/main" id="{D4B29FBF-E265-6EDC-CF27-70EED7B497A3}"/>
-              </a:ext>
-            </a:extLst>
-          </p:cNvPr>
+          <p:cNvPr id="8" name="Footer Placeholder 7"/>
           <p:cNvSpPr>
             <a:spLocks noGrp="1"/>
           </p:cNvSpPr>
@@ -2301,7 +2494,15 @@
         <p:spPr/>
         <p:txBody>
           <a:bodyPr/>
-          <a:lstStyle/>
+          <a:lstStyle>
+            <a:lvl1pPr>
+              <a:defRPr>
+                <a:solidFill>
+                  <a:srgbClr val="FFFFFF"/>
+                </a:solidFill>
+              </a:defRPr>
+            </a:lvl1pPr>
+          </a:lstStyle>
           <a:p>
             <a:endParaRPr lang="en-US"/>
           </a:p>
@@ -2309,13 +2510,7 @@
       </p:sp>
       <p:sp>
         <p:nvSpPr>
-          <p:cNvPr id="4" name="Slide Number Placeholder 3">
-            <a:extLst>
-              <a:ext uri="{FF2B5EF4-FFF2-40B4-BE49-F238E27FC236}">
-                <a16:creationId xmlns:a16="http://schemas.microsoft.com/office/drawing/2014/main" id="{D371DB1A-2D93-33D1-E873-B8577AAC0915}"/>
-              </a:ext>
-            </a:extLst>
-          </p:cNvPr>
+          <p:cNvPr id="9" name="Slide Number Placeholder 8"/>
           <p:cNvSpPr>
             <a:spLocks noGrp="1"/>
           </p:cNvSpPr>
@@ -2339,7 +2534,7 @@
     </p:spTree>
     <p:extLst>
       <p:ext uri="{BB962C8B-B14F-4D97-AF65-F5344CB8AC3E}">
-        <p14:creationId xmlns:p14="http://schemas.microsoft.com/office/powerpoint/2010/main" val="3322448887"/>
+        <p14:creationId xmlns:p14="http://schemas.microsoft.com/office/powerpoint/2010/main" val="92975389"/>
       </p:ext>
     </p:extLst>
   </p:cSld>
@@ -2350,7 +2545,7 @@
 </file>
 
 <file path=ppt/slideLayouts/slideLayout8.xml><?xml version="1.0" encoding="utf-8"?>
-<p:sldLayout xmlns:a="http://schemas.openxmlformats.org/drawingml/2006/main" xmlns:r="http://schemas.openxmlformats.org/officeDocument/2006/relationships" xmlns:p="http://schemas.openxmlformats.org/presentationml/2006/main" type="objTx" preserve="1">
+<p:sldLayout xmlns:a="http://schemas.openxmlformats.org/drawingml/2006/main" xmlns:r="http://schemas.openxmlformats.org/officeDocument/2006/relationships" xmlns:p="http://schemas.openxmlformats.org/presentationml/2006/main" showMasterSp="0" type="objTx" preserve="1">
   <p:cSld name="Content with Caption">
     <p:spTree>
       <p:nvGrpSpPr>
@@ -2368,31 +2563,107 @@
       </p:grpSpPr>
       <p:sp>
         <p:nvSpPr>
-          <p:cNvPr id="2" name="Title 1">
-            <a:extLst>
-              <a:ext uri="{FF2B5EF4-FFF2-40B4-BE49-F238E27FC236}">
-                <a16:creationId xmlns:a16="http://schemas.microsoft.com/office/drawing/2014/main" id="{88825452-1E01-C332-A3C0-CC67E173F8EA}"/>
-              </a:ext>
-            </a:extLst>
-          </p:cNvPr>
-          <p:cNvSpPr>
-            <a:spLocks noGrp="1"/>
-          </p:cNvSpPr>
-          <p:nvPr>
-            <p:ph type="title"/>
-          </p:nvPr>
+          <p:cNvPr id="8" name="Rectangle 7"/>
+          <p:cNvSpPr/>
+          <p:nvPr/>
         </p:nvSpPr>
         <p:spPr>
           <a:xfrm>
-            <a:off x="839788" y="457200"/>
-            <a:ext cx="3932237" cy="1600200"/>
+            <a:off x="16" y="0"/>
+            <a:ext cx="4050791" cy="6858000"/>
+          </a:xfrm>
+          <a:prstGeom prst="rect">
+            <a:avLst/>
+          </a:prstGeom>
+          <a:solidFill>
+            <a:schemeClr val="accent2"/>
+          </a:solidFill>
+          <a:ln>
+            <a:noFill/>
+          </a:ln>
+        </p:spPr>
+        <p:style>
+          <a:lnRef idx="2">
+            <a:schemeClr val="accent1">
+              <a:shade val="50000"/>
+            </a:schemeClr>
+          </a:lnRef>
+          <a:fillRef idx="1">
+            <a:schemeClr val="accent1"/>
+          </a:fillRef>
+          <a:effectRef idx="0">
+            <a:schemeClr val="accent1"/>
+          </a:effectRef>
+          <a:fontRef idx="minor">
+            <a:schemeClr val="lt1"/>
+          </a:fontRef>
+        </p:style>
+      </p:sp>
+      <p:sp>
+        <p:nvSpPr>
+          <p:cNvPr id="9" name="Rectangle 8"/>
+          <p:cNvSpPr/>
+          <p:nvPr/>
+        </p:nvSpPr>
+        <p:spPr>
+          <a:xfrm>
+            <a:off x="4040071" y="0"/>
+            <a:ext cx="64008" cy="6858000"/>
+          </a:xfrm>
+          <a:prstGeom prst="rect">
+            <a:avLst/>
+          </a:prstGeom>
+          <a:solidFill>
+            <a:schemeClr val="accent1"/>
+          </a:solidFill>
+          <a:ln>
+            <a:noFill/>
+          </a:ln>
+        </p:spPr>
+        <p:style>
+          <a:lnRef idx="2">
+            <a:schemeClr val="accent1">
+              <a:shade val="50000"/>
+            </a:schemeClr>
+          </a:lnRef>
+          <a:fillRef idx="1">
+            <a:schemeClr val="accent1"/>
+          </a:fillRef>
+          <a:effectRef idx="0">
+            <a:schemeClr val="accent1"/>
+          </a:effectRef>
+          <a:fontRef idx="minor">
+            <a:schemeClr val="lt1"/>
+          </a:fontRef>
+        </p:style>
+      </p:sp>
+      <p:sp>
+        <p:nvSpPr>
+          <p:cNvPr id="2" name="Title 1"/>
+          <p:cNvSpPr>
+            <a:spLocks noGrp="1"/>
+          </p:cNvSpPr>
+          <p:nvPr>
+            <p:ph type="title"/>
+          </p:nvPr>
+        </p:nvSpPr>
+        <p:spPr>
+          <a:xfrm>
+            <a:off x="457200" y="594359"/>
+            <a:ext cx="3200400" cy="2286000"/>
           </a:xfrm>
         </p:spPr>
         <p:txBody>
-          <a:bodyPr anchor="b"/>
+          <a:bodyPr anchor="b">
+            <a:normAutofit/>
+          </a:bodyPr>
           <a:lstStyle>
             <a:lvl1pPr>
-              <a:defRPr sz="3200"/>
+              <a:defRPr sz="3600" b="0">
+                <a:solidFill>
+                  <a:srgbClr val="FFFFFF"/>
+                </a:solidFill>
+              </a:defRPr>
             </a:lvl1pPr>
           </a:lstStyle>
           <a:p>
@@ -2400,18 +2671,13 @@
               <a:rPr lang="en-US"/>
               <a:t>Click to edit Master title style</a:t>
             </a:r>
-          </a:p>
-        </p:txBody>
-      </p:sp>
-      <p:sp>
-        <p:nvSpPr>
-          <p:cNvPr id="3" name="Content Placeholder 2">
-            <a:extLst>
-              <a:ext uri="{FF2B5EF4-FFF2-40B4-BE49-F238E27FC236}">
-                <a16:creationId xmlns:a16="http://schemas.microsoft.com/office/drawing/2014/main" id="{8A4B5A0D-5D16-B211-C539-F51B7AD3300B}"/>
-              </a:ext>
-            </a:extLst>
-          </p:cNvPr>
+            <a:endParaRPr lang="en-US" dirty="0"/>
+          </a:p>
+        </p:txBody>
+      </p:sp>
+      <p:sp>
+        <p:nvSpPr>
+          <p:cNvPr id="3" name="Content Placeholder 2"/>
           <p:cNvSpPr>
             <a:spLocks noGrp="1"/>
           </p:cNvSpPr>
@@ -2421,223 +2687,208 @@
         </p:nvSpPr>
         <p:spPr>
           <a:xfrm>
-            <a:off x="5183188" y="987425"/>
-            <a:ext cx="6172200" cy="4873625"/>
+            <a:off x="4800600" y="731520"/>
+            <a:ext cx="6492240" cy="5257800"/>
           </a:xfrm>
         </p:spPr>
+        <p:txBody>
+          <a:bodyPr/>
+          <a:lstStyle/>
+          <a:p>
+            <a:pPr lvl="0"/>
+            <a:r>
+              <a:rPr lang="en-US"/>
+              <a:t>Click to edit Master text styles</a:t>
+            </a:r>
+          </a:p>
+          <a:p>
+            <a:pPr lvl="1"/>
+            <a:r>
+              <a:rPr lang="en-US"/>
+              <a:t>Second level</a:t>
+            </a:r>
+          </a:p>
+          <a:p>
+            <a:pPr lvl="2"/>
+            <a:r>
+              <a:rPr lang="en-US"/>
+              <a:t>Third level</a:t>
+            </a:r>
+          </a:p>
+          <a:p>
+            <a:pPr lvl="3"/>
+            <a:r>
+              <a:rPr lang="en-US"/>
+              <a:t>Fourth level</a:t>
+            </a:r>
+          </a:p>
+          <a:p>
+            <a:pPr lvl="4"/>
+            <a:r>
+              <a:rPr lang="en-US"/>
+              <a:t>Fifth level</a:t>
+            </a:r>
+            <a:endParaRPr lang="en-US" dirty="0"/>
+          </a:p>
+        </p:txBody>
+      </p:sp>
+      <p:sp>
+        <p:nvSpPr>
+          <p:cNvPr id="4" name="Text Placeholder 3"/>
+          <p:cNvSpPr>
+            <a:spLocks noGrp="1"/>
+          </p:cNvSpPr>
+          <p:nvPr>
+            <p:ph type="body" sz="half" idx="2"/>
+          </p:nvPr>
+        </p:nvSpPr>
+        <p:spPr>
+          <a:xfrm>
+            <a:off x="457200" y="2926080"/>
+            <a:ext cx="3200400" cy="3379124"/>
+          </a:xfrm>
+        </p:spPr>
+        <p:txBody>
+          <a:bodyPr lIns="91440" rIns="91440">
+            <a:normAutofit/>
+          </a:bodyPr>
+          <a:lstStyle>
+            <a:lvl1pPr marL="0" indent="0">
+              <a:buNone/>
+              <a:defRPr sz="1500">
+                <a:solidFill>
+                  <a:srgbClr val="FFFFFF"/>
+                </a:solidFill>
+              </a:defRPr>
+            </a:lvl1pPr>
+            <a:lvl2pPr marL="457200" indent="0">
+              <a:buNone/>
+              <a:defRPr sz="1200"/>
+            </a:lvl2pPr>
+            <a:lvl3pPr marL="914400" indent="0">
+              <a:buNone/>
+              <a:defRPr sz="1000"/>
+            </a:lvl3pPr>
+            <a:lvl4pPr marL="1371600" indent="0">
+              <a:buNone/>
+              <a:defRPr sz="900"/>
+            </a:lvl4pPr>
+            <a:lvl5pPr marL="1828800" indent="0">
+              <a:buNone/>
+              <a:defRPr sz="900"/>
+            </a:lvl5pPr>
+            <a:lvl6pPr marL="2286000" indent="0">
+              <a:buNone/>
+              <a:defRPr sz="900"/>
+            </a:lvl6pPr>
+            <a:lvl7pPr marL="2743200" indent="0">
+              <a:buNone/>
+              <a:defRPr sz="900"/>
+            </a:lvl7pPr>
+            <a:lvl8pPr marL="3200400" indent="0">
+              <a:buNone/>
+              <a:defRPr sz="900"/>
+            </a:lvl8pPr>
+            <a:lvl9pPr marL="3657600" indent="0">
+              <a:buNone/>
+              <a:defRPr sz="900"/>
+            </a:lvl9pPr>
+          </a:lstStyle>
+          <a:p>
+            <a:pPr lvl="0"/>
+            <a:r>
+              <a:rPr lang="en-US"/>
+              <a:t>Click to edit Master text styles</a:t>
+            </a:r>
+          </a:p>
+        </p:txBody>
+      </p:sp>
+      <p:sp>
+        <p:nvSpPr>
+          <p:cNvPr id="5" name="Date Placeholder 4"/>
+          <p:cNvSpPr>
+            <a:spLocks noGrp="1"/>
+          </p:cNvSpPr>
+          <p:nvPr>
+            <p:ph type="dt" sz="half" idx="10"/>
+          </p:nvPr>
+        </p:nvSpPr>
+        <p:spPr>
+          <a:xfrm>
+            <a:off x="465512" y="6459785"/>
+            <a:ext cx="2618510" cy="365125"/>
+          </a:xfrm>
+        </p:spPr>
+        <p:txBody>
+          <a:bodyPr/>
+          <a:lstStyle>
+            <a:lvl1pPr algn="l">
+              <a:defRPr/>
+            </a:lvl1pPr>
+          </a:lstStyle>
+          <a:p>
+            <a:fld id="{13C20130-F02E-4337-9601-169F8A599734}" type="datetimeFigureOut">
+              <a:rPr lang="en-US" smtClean="0"/>
+              <a:t>7/17/2025</a:t>
+            </a:fld>
+            <a:endParaRPr lang="en-US"/>
+          </a:p>
+        </p:txBody>
+      </p:sp>
+      <p:sp>
+        <p:nvSpPr>
+          <p:cNvPr id="6" name="Footer Placeholder 5"/>
+          <p:cNvSpPr>
+            <a:spLocks noGrp="1"/>
+          </p:cNvSpPr>
+          <p:nvPr>
+            <p:ph type="ftr" sz="quarter" idx="11"/>
+          </p:nvPr>
+        </p:nvSpPr>
+        <p:spPr>
+          <a:xfrm>
+            <a:off x="4800600" y="6459785"/>
+            <a:ext cx="4648200" cy="365125"/>
+          </a:xfrm>
+        </p:spPr>
+        <p:txBody>
+          <a:bodyPr/>
+          <a:lstStyle>
+            <a:lvl1pPr algn="l">
+              <a:defRPr>
+                <a:solidFill>
+                  <a:schemeClr val="tx2"/>
+                </a:solidFill>
+              </a:defRPr>
+            </a:lvl1pPr>
+          </a:lstStyle>
+          <a:p>
+            <a:endParaRPr lang="en-US"/>
+          </a:p>
+        </p:txBody>
+      </p:sp>
+      <p:sp>
+        <p:nvSpPr>
+          <p:cNvPr id="7" name="Slide Number Placeholder 6"/>
+          <p:cNvSpPr>
+            <a:spLocks noGrp="1"/>
+          </p:cNvSpPr>
+          <p:nvPr>
+            <p:ph type="sldNum" sz="quarter" idx="12"/>
+          </p:nvPr>
+        </p:nvSpPr>
+        <p:spPr/>
         <p:txBody>
           <a:bodyPr/>
           <a:lstStyle>
             <a:lvl1pPr>
-              <a:defRPr sz="3200"/>
+              <a:defRPr>
+                <a:solidFill>
+                  <a:schemeClr val="tx2"/>
+                </a:solidFill>
+              </a:defRPr>
             </a:lvl1pPr>
-            <a:lvl2pPr>
-              <a:defRPr sz="2800"/>
-            </a:lvl2pPr>
-            <a:lvl3pPr>
-              <a:defRPr sz="2400"/>
-            </a:lvl3pPr>
-            <a:lvl4pPr>
-              <a:defRPr sz="2000"/>
-            </a:lvl4pPr>
-            <a:lvl5pPr>
-              <a:defRPr sz="2000"/>
-            </a:lvl5pPr>
-            <a:lvl6pPr>
-              <a:defRPr sz="2000"/>
-            </a:lvl6pPr>
-            <a:lvl7pPr>
-              <a:defRPr sz="2000"/>
-            </a:lvl7pPr>
-            <a:lvl8pPr>
-              <a:defRPr sz="2000"/>
-            </a:lvl8pPr>
-            <a:lvl9pPr>
-              <a:defRPr sz="2000"/>
-            </a:lvl9pPr>
           </a:lstStyle>
-          <a:p>
-            <a:pPr lvl="0"/>
-            <a:r>
-              <a:rPr lang="en-US"/>
-              <a:t>Click to edit Master text styles</a:t>
-            </a:r>
-          </a:p>
-          <a:p>
-            <a:pPr lvl="1"/>
-            <a:r>
-              <a:rPr lang="en-US"/>
-              <a:t>Second level</a:t>
-            </a:r>
-          </a:p>
-          <a:p>
-            <a:pPr lvl="2"/>
-            <a:r>
-              <a:rPr lang="en-US"/>
-              <a:t>Third level</a:t>
-            </a:r>
-          </a:p>
-          <a:p>
-            <a:pPr lvl="3"/>
-            <a:r>
-              <a:rPr lang="en-US"/>
-              <a:t>Fourth level</a:t>
-            </a:r>
-          </a:p>
-          <a:p>
-            <a:pPr lvl="4"/>
-            <a:r>
-              <a:rPr lang="en-US"/>
-              <a:t>Fifth level</a:t>
-            </a:r>
-          </a:p>
-        </p:txBody>
-      </p:sp>
-      <p:sp>
-        <p:nvSpPr>
-          <p:cNvPr id="4" name="Text Placeholder 3">
-            <a:extLst>
-              <a:ext uri="{FF2B5EF4-FFF2-40B4-BE49-F238E27FC236}">
-                <a16:creationId xmlns:a16="http://schemas.microsoft.com/office/drawing/2014/main" id="{BB796BD7-76FD-7497-3753-8F44C7D8B982}"/>
-              </a:ext>
-            </a:extLst>
-          </p:cNvPr>
-          <p:cNvSpPr>
-            <a:spLocks noGrp="1"/>
-          </p:cNvSpPr>
-          <p:nvPr>
-            <p:ph type="body" sz="half" idx="2"/>
-          </p:nvPr>
-        </p:nvSpPr>
-        <p:spPr>
-          <a:xfrm>
-            <a:off x="839788" y="2057400"/>
-            <a:ext cx="3932237" cy="3811588"/>
-          </a:xfrm>
-        </p:spPr>
-        <p:txBody>
-          <a:bodyPr/>
-          <a:lstStyle>
-            <a:lvl1pPr marL="0" indent="0">
-              <a:buNone/>
-              <a:defRPr sz="1600"/>
-            </a:lvl1pPr>
-            <a:lvl2pPr marL="457200" indent="0">
-              <a:buNone/>
-              <a:defRPr sz="1400"/>
-            </a:lvl2pPr>
-            <a:lvl3pPr marL="914400" indent="0">
-              <a:buNone/>
-              <a:defRPr sz="1200"/>
-            </a:lvl3pPr>
-            <a:lvl4pPr marL="1371600" indent="0">
-              <a:buNone/>
-              <a:defRPr sz="1000"/>
-            </a:lvl4pPr>
-            <a:lvl5pPr marL="1828800" indent="0">
-              <a:buNone/>
-              <a:defRPr sz="1000"/>
-            </a:lvl5pPr>
-            <a:lvl6pPr marL="2286000" indent="0">
-              <a:buNone/>
-              <a:defRPr sz="1000"/>
-            </a:lvl6pPr>
-            <a:lvl7pPr marL="2743200" indent="0">
-              <a:buNone/>
-              <a:defRPr sz="1000"/>
-            </a:lvl7pPr>
-            <a:lvl8pPr marL="3200400" indent="0">
-              <a:buNone/>
-              <a:defRPr sz="1000"/>
-            </a:lvl8pPr>
-            <a:lvl9pPr marL="3657600" indent="0">
-              <a:buNone/>
-              <a:defRPr sz="1000"/>
-            </a:lvl9pPr>
-          </a:lstStyle>
-          <a:p>
-            <a:pPr lvl="0"/>
-            <a:r>
-              <a:rPr lang="en-US"/>
-              <a:t>Click to edit Master text styles</a:t>
-            </a:r>
-          </a:p>
-        </p:txBody>
-      </p:sp>
-      <p:sp>
-        <p:nvSpPr>
-          <p:cNvPr id="5" name="Date Placeholder 4">
-            <a:extLst>
-              <a:ext uri="{FF2B5EF4-FFF2-40B4-BE49-F238E27FC236}">
-                <a16:creationId xmlns:a16="http://schemas.microsoft.com/office/drawing/2014/main" id="{C9ED03E9-BEF2-968F-9076-1F9062785DD1}"/>
-              </a:ext>
-            </a:extLst>
-          </p:cNvPr>
-          <p:cNvSpPr>
-            <a:spLocks noGrp="1"/>
-          </p:cNvSpPr>
-          <p:nvPr>
-            <p:ph type="dt" sz="half" idx="10"/>
-          </p:nvPr>
-        </p:nvSpPr>
-        <p:spPr/>
-        <p:txBody>
-          <a:bodyPr/>
-          <a:lstStyle/>
-          <a:p>
-            <a:fld id="{13C20130-F02E-4337-9601-169F8A599734}" type="datetimeFigureOut">
-              <a:rPr lang="en-US" smtClean="0"/>
-              <a:t>7/16/2025</a:t>
-            </a:fld>
-            <a:endParaRPr lang="en-US"/>
-          </a:p>
-        </p:txBody>
-      </p:sp>
-      <p:sp>
-        <p:nvSpPr>
-          <p:cNvPr id="6" name="Footer Placeholder 5">
-            <a:extLst>
-              <a:ext uri="{FF2B5EF4-FFF2-40B4-BE49-F238E27FC236}">
-                <a16:creationId xmlns:a16="http://schemas.microsoft.com/office/drawing/2014/main" id="{E6E38A7B-AF5C-4AD9-C918-63CF9EA75797}"/>
-              </a:ext>
-            </a:extLst>
-          </p:cNvPr>
-          <p:cNvSpPr>
-            <a:spLocks noGrp="1"/>
-          </p:cNvSpPr>
-          <p:nvPr>
-            <p:ph type="ftr" sz="quarter" idx="11"/>
-          </p:nvPr>
-        </p:nvSpPr>
-        <p:spPr/>
-        <p:txBody>
-          <a:bodyPr/>
-          <a:lstStyle/>
-          <a:p>
-            <a:endParaRPr lang="en-US"/>
-          </a:p>
-        </p:txBody>
-      </p:sp>
-      <p:sp>
-        <p:nvSpPr>
-          <p:cNvPr id="7" name="Slide Number Placeholder 6">
-            <a:extLst>
-              <a:ext uri="{FF2B5EF4-FFF2-40B4-BE49-F238E27FC236}">
-                <a16:creationId xmlns:a16="http://schemas.microsoft.com/office/drawing/2014/main" id="{4954B95D-3FC0-071B-E432-442B4380FC70}"/>
-              </a:ext>
-            </a:extLst>
-          </p:cNvPr>
-          <p:cNvSpPr>
-            <a:spLocks noGrp="1"/>
-          </p:cNvSpPr>
-          <p:nvPr>
-            <p:ph type="sldNum" sz="quarter" idx="12"/>
-          </p:nvPr>
-        </p:nvSpPr>
-        <p:spPr/>
-        <p:txBody>
-          <a:bodyPr/>
-          <a:lstStyle/>
           <a:p>
             <a:fld id="{A1451519-98AE-41C5-9896-22ECEEA24616}" type="slidenum">
               <a:rPr lang="en-US" smtClean="0"/>
@@ -2650,7 +2901,7 @@
     </p:spTree>
     <p:extLst>
       <p:ext uri="{BB962C8B-B14F-4D97-AF65-F5344CB8AC3E}">
-        <p14:creationId xmlns:p14="http://schemas.microsoft.com/office/powerpoint/2010/main" val="2126133533"/>
+        <p14:creationId xmlns:p14="http://schemas.microsoft.com/office/powerpoint/2010/main" val="1797646115"/>
       </p:ext>
     </p:extLst>
   </p:cSld>
@@ -2661,7 +2912,7 @@
 </file>
 
 <file path=ppt/slideLayouts/slideLayout9.xml><?xml version="1.0" encoding="utf-8"?>
-<p:sldLayout xmlns:a="http://schemas.openxmlformats.org/drawingml/2006/main" xmlns:r="http://schemas.openxmlformats.org/officeDocument/2006/relationships" xmlns:p="http://schemas.openxmlformats.org/presentationml/2006/main" type="picTx" preserve="1">
+<p:sldLayout xmlns:a="http://schemas.openxmlformats.org/drawingml/2006/main" xmlns:r="http://schemas.openxmlformats.org/officeDocument/2006/relationships" xmlns:p="http://schemas.openxmlformats.org/presentationml/2006/main" showMasterSp="0" type="picTx" preserve="1">
   <p:cSld name="Picture with Caption">
     <p:spTree>
       <p:nvGrpSpPr>
@@ -2679,31 +2930,107 @@
       </p:grpSpPr>
       <p:sp>
         <p:nvSpPr>
-          <p:cNvPr id="2" name="Title 1">
-            <a:extLst>
-              <a:ext uri="{FF2B5EF4-FFF2-40B4-BE49-F238E27FC236}">
-                <a16:creationId xmlns:a16="http://schemas.microsoft.com/office/drawing/2014/main" id="{3150449B-49DD-07FC-671A-F2F1403723BA}"/>
-              </a:ext>
-            </a:extLst>
-          </p:cNvPr>
-          <p:cNvSpPr>
-            <a:spLocks noGrp="1"/>
-          </p:cNvSpPr>
-          <p:nvPr>
-            <p:ph type="title"/>
-          </p:nvPr>
+          <p:cNvPr id="8" name="Rectangle 7"/>
+          <p:cNvSpPr/>
+          <p:nvPr/>
         </p:nvSpPr>
         <p:spPr>
           <a:xfrm>
-            <a:off x="839788" y="457200"/>
-            <a:ext cx="3932237" cy="1600200"/>
+            <a:off x="0" y="4953000"/>
+            <a:ext cx="12188825" cy="1905000"/>
+          </a:xfrm>
+          <a:prstGeom prst="rect">
+            <a:avLst/>
+          </a:prstGeom>
+          <a:solidFill>
+            <a:schemeClr val="accent2"/>
+          </a:solidFill>
+          <a:ln>
+            <a:noFill/>
+          </a:ln>
+        </p:spPr>
+        <p:style>
+          <a:lnRef idx="2">
+            <a:schemeClr val="accent1">
+              <a:shade val="50000"/>
+            </a:schemeClr>
+          </a:lnRef>
+          <a:fillRef idx="1">
+            <a:schemeClr val="accent1"/>
+          </a:fillRef>
+          <a:effectRef idx="0">
+            <a:schemeClr val="accent1"/>
+          </a:effectRef>
+          <a:fontRef idx="minor">
+            <a:schemeClr val="lt1"/>
+          </a:fontRef>
+        </p:style>
+      </p:sp>
+      <p:sp>
+        <p:nvSpPr>
+          <p:cNvPr id="9" name="Rectangle 8"/>
+          <p:cNvSpPr/>
+          <p:nvPr/>
+        </p:nvSpPr>
+        <p:spPr>
+          <a:xfrm>
+            <a:off x="15" y="4915076"/>
+            <a:ext cx="12188825" cy="64008"/>
+          </a:xfrm>
+          <a:prstGeom prst="rect">
+            <a:avLst/>
+          </a:prstGeom>
+          <a:solidFill>
+            <a:schemeClr val="accent1"/>
+          </a:solidFill>
+          <a:ln>
+            <a:noFill/>
+          </a:ln>
+        </p:spPr>
+        <p:style>
+          <a:lnRef idx="2">
+            <a:schemeClr val="accent1">
+              <a:shade val="50000"/>
+            </a:schemeClr>
+          </a:lnRef>
+          <a:fillRef idx="1">
+            <a:schemeClr val="accent1"/>
+          </a:fillRef>
+          <a:effectRef idx="0">
+            <a:schemeClr val="accent1"/>
+          </a:effectRef>
+          <a:fontRef idx="minor">
+            <a:schemeClr val="lt1"/>
+          </a:fontRef>
+        </p:style>
+      </p:sp>
+      <p:sp>
+        <p:nvSpPr>
+          <p:cNvPr id="2" name="Title 1"/>
+          <p:cNvSpPr>
+            <a:spLocks noGrp="1"/>
+          </p:cNvSpPr>
+          <p:nvPr>
+            <p:ph type="title"/>
+          </p:nvPr>
+        </p:nvSpPr>
+        <p:spPr>
+          <a:xfrm>
+            <a:off x="1097280" y="5074920"/>
+            <a:ext cx="10113264" cy="822960"/>
           </a:xfrm>
         </p:spPr>
         <p:txBody>
-          <a:bodyPr anchor="b"/>
+          <a:bodyPr lIns="91440" tIns="0" rIns="91440" bIns="0" anchor="b">
+            <a:noAutofit/>
+          </a:bodyPr>
           <a:lstStyle>
             <a:lvl1pPr>
-              <a:defRPr sz="3200"/>
+              <a:defRPr sz="3600" b="0">
+                <a:solidFill>
+                  <a:srgbClr val="FFFFFF"/>
+                </a:solidFill>
+              </a:defRPr>
             </a:lvl1pPr>
           </a:lstStyle>
           <a:p>
@@ -2711,20 +3038,15 @@
               <a:rPr lang="en-US"/>
               <a:t>Click to edit Master title style</a:t>
             </a:r>
-          </a:p>
-        </p:txBody>
-      </p:sp>
-      <p:sp>
-        <p:nvSpPr>
-          <p:cNvPr id="3" name="Picture Placeholder 2">
-            <a:extLst>
-              <a:ext uri="{FF2B5EF4-FFF2-40B4-BE49-F238E27FC236}">
-                <a16:creationId xmlns:a16="http://schemas.microsoft.com/office/drawing/2014/main" id="{6F800111-FE99-54D3-1240-0EC14C221214}"/>
-              </a:ext>
-            </a:extLst>
-          </p:cNvPr>
-          <p:cNvSpPr>
-            <a:spLocks noGrp="1"/>
+            <a:endParaRPr lang="en-US" dirty="0"/>
+          </a:p>
+        </p:txBody>
+      </p:sp>
+      <p:sp>
+        <p:nvSpPr>
+          <p:cNvPr id="3" name="Picture Placeholder 2"/>
+          <p:cNvSpPr>
+            <a:spLocks noGrp="1" noChangeAspect="1"/>
           </p:cNvSpPr>
           <p:nvPr>
             <p:ph type="pic" idx="1"/>
@@ -2732,16 +3054,26 @@
         </p:nvSpPr>
         <p:spPr>
           <a:xfrm>
-            <a:off x="5183188" y="987425"/>
-            <a:ext cx="6172200" cy="4873625"/>
+            <a:off x="15" y="0"/>
+            <a:ext cx="12191985" cy="4915076"/>
           </a:xfrm>
+          <a:blipFill>
+            <a:blip r:embed="rId2"/>
+            <a:stretch>
+              <a:fillRect/>
+            </a:stretch>
+          </a:blipFill>
         </p:spPr>
         <p:txBody>
-          <a:bodyPr/>
+          <a:bodyPr lIns="457200" tIns="457200" anchor="t"/>
           <a:lstStyle>
             <a:lvl1pPr marL="0" indent="0">
               <a:buNone/>
-              <a:defRPr sz="3200"/>
+              <a:defRPr sz="3200">
+                <a:solidFill>
+                  <a:schemeClr val="bg1"/>
+                </a:solidFill>
+              </a:defRPr>
             </a:lvl1pPr>
             <a:lvl2pPr marL="457200" indent="0">
               <a:buNone/>
@@ -2777,19 +3109,17 @@
             </a:lvl9pPr>
           </a:lstStyle>
           <a:p>
-            <a:endParaRPr lang="en-US"/>
-          </a:p>
-        </p:txBody>
-      </p:sp>
-      <p:sp>
-        <p:nvSpPr>
-          <p:cNvPr id="4" name="Text Placeholder 3">
-            <a:extLst>
-              <a:ext uri="{FF2B5EF4-FFF2-40B4-BE49-F238E27FC236}">
-                <a16:creationId xmlns:a16="http://schemas.microsoft.com/office/drawing/2014/main" id="{F6AAF2E9-DF4B-E383-80FC-EC0A04970F0B}"/>
-              </a:ext>
-            </a:extLst>
-          </p:cNvPr>
+            <a:r>
+              <a:rPr lang="en-US"/>
+              <a:t>Click icon to add picture</a:t>
+            </a:r>
+            <a:endParaRPr lang="en-US" dirty="0"/>
+          </a:p>
+        </p:txBody>
+      </p:sp>
+      <p:sp>
+        <p:nvSpPr>
+          <p:cNvPr id="4" name="Text Placeholder 3"/>
           <p:cNvSpPr>
             <a:spLocks noGrp="1"/>
           </p:cNvSpPr>
@@ -2799,48 +3129,60 @@
         </p:nvSpPr>
         <p:spPr>
           <a:xfrm>
-            <a:off x="839788" y="2057400"/>
-            <a:ext cx="3932237" cy="3811588"/>
+            <a:off x="1097280" y="5907023"/>
+            <a:ext cx="10113264" cy="594360"/>
           </a:xfrm>
         </p:spPr>
         <p:txBody>
-          <a:bodyPr/>
+          <a:bodyPr lIns="91440" tIns="0" rIns="91440" bIns="0">
+            <a:normAutofit/>
+          </a:bodyPr>
           <a:lstStyle>
             <a:lvl1pPr marL="0" indent="0">
+              <a:spcBef>
+                <a:spcPts val="0"/>
+              </a:spcBef>
+              <a:spcAft>
+                <a:spcPts val="600"/>
+              </a:spcAft>
               <a:buNone/>
-              <a:defRPr sz="1600"/>
+              <a:defRPr sz="1500">
+                <a:solidFill>
+                  <a:srgbClr val="FFFFFF"/>
+                </a:solidFill>
+              </a:defRPr>
             </a:lvl1pPr>
             <a:lvl2pPr marL="457200" indent="0">
               <a:buNone/>
-              <a:defRPr sz="1400"/>
+              <a:defRPr sz="1200"/>
             </a:lvl2pPr>
             <a:lvl3pPr marL="914400" indent="0">
               <a:buNone/>
-              <a:defRPr sz="1200"/>
+              <a:defRPr sz="1000"/>
             </a:lvl3pPr>
             <a:lvl4pPr marL="1371600" indent="0">
               <a:buNone/>
-              <a:defRPr sz="1000"/>
+              <a:defRPr sz="900"/>
             </a:lvl4pPr>
             <a:lvl5pPr marL="1828800" indent="0">
               <a:buNone/>
-              <a:defRPr sz="1000"/>
+              <a:defRPr sz="900"/>
             </a:lvl5pPr>
             <a:lvl6pPr marL="2286000" indent="0">
               <a:buNone/>
-              <a:defRPr sz="1000"/>
+              <a:defRPr sz="900"/>
             </a:lvl6pPr>
             <a:lvl7pPr marL="2743200" indent="0">
               <a:buNone/>
-              <a:defRPr sz="1000"/>
+              <a:defRPr sz="900"/>
             </a:lvl7pPr>
             <a:lvl8pPr marL="3200400" indent="0">
               <a:buNone/>
-              <a:defRPr sz="1000"/>
+              <a:defRPr sz="900"/>
             </a:lvl8pPr>
             <a:lvl9pPr marL="3657600" indent="0">
               <a:buNone/>
-              <a:defRPr sz="1000"/>
+              <a:defRPr sz="900"/>
             </a:lvl9pPr>
           </a:lstStyle>
           <a:p>
@@ -2854,13 +3196,7 @@
       </p:sp>
       <p:sp>
         <p:nvSpPr>
-          <p:cNvPr id="5" name="Date Placeholder 4">
-            <a:extLst>
-              <a:ext uri="{FF2B5EF4-FFF2-40B4-BE49-F238E27FC236}">
-                <a16:creationId xmlns:a16="http://schemas.microsoft.com/office/drawing/2014/main" id="{55A3E4EC-520D-900B-DBDD-A5DF7FBD3E1D}"/>
-              </a:ext>
-            </a:extLst>
-          </p:cNvPr>
+          <p:cNvPr id="5" name="Date Placeholder 4"/>
           <p:cNvSpPr>
             <a:spLocks noGrp="1"/>
           </p:cNvSpPr>
@@ -2875,7 +3211,7 @@
           <a:p>
             <a:fld id="{13C20130-F02E-4337-9601-169F8A599734}" type="datetimeFigureOut">
               <a:rPr lang="en-US" smtClean="0"/>
-              <a:t>7/16/2025</a:t>
+              <a:t>7/17/2025</a:t>
             </a:fld>
             <a:endParaRPr lang="en-US"/>
           </a:p>
@@ -2883,13 +3219,7 @@
       </p:sp>
       <p:sp>
         <p:nvSpPr>
-          <p:cNvPr id="6" name="Footer Placeholder 5">
-            <a:extLst>
-              <a:ext uri="{FF2B5EF4-FFF2-40B4-BE49-F238E27FC236}">
-                <a16:creationId xmlns:a16="http://schemas.microsoft.com/office/drawing/2014/main" id="{653D37C8-5297-48D2-17DF-2FEFE3FD81D4}"/>
-              </a:ext>
-            </a:extLst>
-          </p:cNvPr>
+          <p:cNvPr id="6" name="Footer Placeholder 5"/>
           <p:cNvSpPr>
             <a:spLocks noGrp="1"/>
           </p:cNvSpPr>
@@ -2902,19 +3232,13 @@
           <a:bodyPr/>
           <a:lstStyle/>
           <a:p>
-            <a:endParaRPr lang="en-US"/>
-          </a:p>
-        </p:txBody>
-      </p:sp>
-      <p:sp>
-        <p:nvSpPr>
-          <p:cNvPr id="7" name="Slide Number Placeholder 6">
-            <a:extLst>
-              <a:ext uri="{FF2B5EF4-FFF2-40B4-BE49-F238E27FC236}">
-                <a16:creationId xmlns:a16="http://schemas.microsoft.com/office/drawing/2014/main" id="{F6B1AD38-BFF0-5541-67A2-0416AF4F91F4}"/>
-              </a:ext>
-            </a:extLst>
-          </p:cNvPr>
+            <a:endParaRPr lang="en-US" dirty="0"/>
+          </a:p>
+        </p:txBody>
+      </p:sp>
+      <p:sp>
+        <p:nvSpPr>
+          <p:cNvPr id="7" name="Slide Number Placeholder 6"/>
           <p:cNvSpPr>
             <a:spLocks noGrp="1"/>
           </p:cNvSpPr>
@@ -2938,7 +3262,7 @@
     </p:spTree>
     <p:extLst>
       <p:ext uri="{BB962C8B-B14F-4D97-AF65-F5344CB8AC3E}">
-        <p14:creationId xmlns:p14="http://schemas.microsoft.com/office/powerpoint/2010/main" val="3645470431"/>
+        <p14:creationId xmlns:p14="http://schemas.microsoft.com/office/powerpoint/2010/main" val="1006204134"/>
       </p:ext>
     </p:extLst>
   </p:cSld>
@@ -2972,31 +3296,101 @@
       </p:grpSpPr>
       <p:sp>
         <p:nvSpPr>
-          <p:cNvPr id="2" name="Title Placeholder 1">
-            <a:extLst>
-              <a:ext uri="{FF2B5EF4-FFF2-40B4-BE49-F238E27FC236}">
-                <a16:creationId xmlns:a16="http://schemas.microsoft.com/office/drawing/2014/main" id="{8C366143-A1B9-458F-FB8D-9027F9623030}"/>
-              </a:ext>
-            </a:extLst>
-          </p:cNvPr>
-          <p:cNvSpPr>
-            <a:spLocks noGrp="1"/>
-          </p:cNvSpPr>
-          <p:nvPr>
-            <p:ph type="title"/>
-          </p:nvPr>
+          <p:cNvPr id="7" name="Rectangle 6"/>
+          <p:cNvSpPr/>
+          <p:nvPr/>
         </p:nvSpPr>
         <p:spPr>
           <a:xfrm>
-            <a:off x="838200" y="365125"/>
-            <a:ext cx="10515600" cy="1325563"/>
+            <a:off x="1" y="6400800"/>
+            <a:ext cx="12192000" cy="457200"/>
+          </a:xfrm>
+          <a:prstGeom prst="rect">
+            <a:avLst/>
+          </a:prstGeom>
+          <a:solidFill>
+            <a:schemeClr val="accent2"/>
+          </a:solidFill>
+          <a:ln>
+            <a:noFill/>
+          </a:ln>
+        </p:spPr>
+        <p:style>
+          <a:lnRef idx="2">
+            <a:schemeClr val="accent1">
+              <a:shade val="50000"/>
+            </a:schemeClr>
+          </a:lnRef>
+          <a:fillRef idx="1">
+            <a:schemeClr val="accent1"/>
+          </a:fillRef>
+          <a:effectRef idx="0">
+            <a:schemeClr val="accent1"/>
+          </a:effectRef>
+          <a:fontRef idx="minor">
+            <a:schemeClr val="lt1"/>
+          </a:fontRef>
+        </p:style>
+      </p:sp>
+      <p:sp>
+        <p:nvSpPr>
+          <p:cNvPr id="9" name="Rectangle 8"/>
+          <p:cNvSpPr/>
+          <p:nvPr/>
+        </p:nvSpPr>
+        <p:spPr>
+          <a:xfrm>
+            <a:off x="0" y="6334316"/>
+            <a:ext cx="12192001" cy="65998"/>
+          </a:xfrm>
+          <a:prstGeom prst="rect">
+            <a:avLst/>
+          </a:prstGeom>
+          <a:solidFill>
+            <a:schemeClr val="accent1"/>
+          </a:solidFill>
+          <a:ln>
+            <a:noFill/>
+          </a:ln>
+        </p:spPr>
+        <p:style>
+          <a:lnRef idx="2">
+            <a:schemeClr val="accent1">
+              <a:shade val="50000"/>
+            </a:schemeClr>
+          </a:lnRef>
+          <a:fillRef idx="1">
+            <a:schemeClr val="accent1"/>
+          </a:fillRef>
+          <a:effectRef idx="0">
+            <a:schemeClr val="accent1"/>
+          </a:effectRef>
+          <a:fontRef idx="minor">
+            <a:schemeClr val="lt1"/>
+          </a:fontRef>
+        </p:style>
+      </p:sp>
+      <p:sp>
+        <p:nvSpPr>
+          <p:cNvPr id="2" name="Title Placeholder 1"/>
+          <p:cNvSpPr>
+            <a:spLocks noGrp="1"/>
+          </p:cNvSpPr>
+          <p:nvPr>
+            <p:ph type="title"/>
+          </p:nvPr>
+        </p:nvSpPr>
+        <p:spPr>
+          <a:xfrm>
+            <a:off x="1097280" y="286603"/>
+            <a:ext cx="10058400" cy="1450757"/>
           </a:xfrm>
           <a:prstGeom prst="rect">
             <a:avLst/>
           </a:prstGeom>
         </p:spPr>
         <p:txBody>
-          <a:bodyPr vert="horz" lIns="91440" tIns="45720" rIns="91440" bIns="45720" rtlCol="0" anchor="ctr">
+          <a:bodyPr vert="horz" lIns="91440" tIns="45720" rIns="91440" bIns="45720" rtlCol="0" anchor="b">
             <a:normAutofit/>
           </a:bodyPr>
           <a:lstStyle/>
@@ -3005,18 +3399,13 @@
               <a:rPr lang="en-US"/>
               <a:t>Click to edit Master title style</a:t>
             </a:r>
-          </a:p>
-        </p:txBody>
-      </p:sp>
-      <p:sp>
-        <p:nvSpPr>
-          <p:cNvPr id="3" name="Text Placeholder 2">
-            <a:extLst>
-              <a:ext uri="{FF2B5EF4-FFF2-40B4-BE49-F238E27FC236}">
-                <a16:creationId xmlns:a16="http://schemas.microsoft.com/office/drawing/2014/main" id="{875C414F-F234-ABD6-D303-17EB4172CC10}"/>
-              </a:ext>
-            </a:extLst>
-          </p:cNvPr>
+            <a:endParaRPr lang="en-US" dirty="0"/>
+          </a:p>
+        </p:txBody>
+      </p:sp>
+      <p:sp>
+        <p:nvSpPr>
+          <p:cNvPr id="3" name="Text Placeholder 2"/>
           <p:cNvSpPr>
             <a:spLocks noGrp="1"/>
           </p:cNvSpPr>
@@ -3026,15 +3415,15 @@
         </p:nvSpPr>
         <p:spPr>
           <a:xfrm>
-            <a:off x="838200" y="1825625"/>
-            <a:ext cx="10515600" cy="4351338"/>
+            <a:off x="1097280" y="1845734"/>
+            <a:ext cx="10058400" cy="4023360"/>
           </a:xfrm>
           <a:prstGeom prst="rect">
             <a:avLst/>
           </a:prstGeom>
         </p:spPr>
         <p:txBody>
-          <a:bodyPr vert="horz" lIns="91440" tIns="45720" rIns="91440" bIns="45720" rtlCol="0">
+          <a:bodyPr vert="horz" lIns="0" tIns="45720" rIns="0" bIns="45720" rtlCol="0">
             <a:normAutofit/>
           </a:bodyPr>
           <a:lstStyle/>
@@ -3072,18 +3461,13 @@
               <a:rPr lang="en-US"/>
               <a:t>Fifth level</a:t>
             </a:r>
-          </a:p>
-        </p:txBody>
-      </p:sp>
-      <p:sp>
-        <p:nvSpPr>
-          <p:cNvPr id="4" name="Date Placeholder 3">
-            <a:extLst>
-              <a:ext uri="{FF2B5EF4-FFF2-40B4-BE49-F238E27FC236}">
-                <a16:creationId xmlns:a16="http://schemas.microsoft.com/office/drawing/2014/main" id="{1F6DD800-6CF0-5CED-3E6C-A286C580FFF8}"/>
-              </a:ext>
-            </a:extLst>
-          </p:cNvPr>
+            <a:endParaRPr lang="en-US" dirty="0"/>
+          </a:p>
+        </p:txBody>
+      </p:sp>
+      <p:sp>
+        <p:nvSpPr>
+          <p:cNvPr id="4" name="Date Placeholder 3"/>
           <p:cNvSpPr>
             <a:spLocks noGrp="1"/>
           </p:cNvSpPr>
@@ -3093,8 +3477,8 @@
         </p:nvSpPr>
         <p:spPr>
           <a:xfrm>
-            <a:off x="838200" y="6356350"/>
-            <a:ext cx="2743200" cy="365125"/>
+            <a:off x="1097280" y="6459785"/>
+            <a:ext cx="2472271" cy="365125"/>
           </a:xfrm>
           <a:prstGeom prst="rect">
             <a:avLst/>
@@ -3104,11 +3488,9 @@
           <a:bodyPr vert="horz" lIns="91440" tIns="45720" rIns="91440" bIns="45720" rtlCol="0" anchor="ctr"/>
           <a:lstStyle>
             <a:lvl1pPr algn="l">
-              <a:defRPr sz="1200">
-                <a:solidFill>
-                  <a:schemeClr val="tx1">
-                    <a:tint val="82000"/>
-                  </a:schemeClr>
+              <a:defRPr sz="900">
+                <a:solidFill>
+                  <a:srgbClr val="FFFFFF"/>
                 </a:solidFill>
               </a:defRPr>
             </a:lvl1pPr>
@@ -3116,7 +3498,7 @@
           <a:p>
             <a:fld id="{13C20130-F02E-4337-9601-169F8A599734}" type="datetimeFigureOut">
               <a:rPr lang="en-US" smtClean="0"/>
-              <a:t>7/16/2025</a:t>
+              <a:t>7/17/2025</a:t>
             </a:fld>
             <a:endParaRPr lang="en-US"/>
           </a:p>
@@ -3124,13 +3506,7 @@
       </p:sp>
       <p:sp>
         <p:nvSpPr>
-          <p:cNvPr id="5" name="Footer Placeholder 4">
-            <a:extLst>
-              <a:ext uri="{FF2B5EF4-FFF2-40B4-BE49-F238E27FC236}">
-                <a16:creationId xmlns:a16="http://schemas.microsoft.com/office/drawing/2014/main" id="{EC782E2C-7974-365F-3C89-B0CA951956B4}"/>
-              </a:ext>
-            </a:extLst>
-          </p:cNvPr>
+          <p:cNvPr id="5" name="Footer Placeholder 4"/>
           <p:cNvSpPr>
             <a:spLocks noGrp="1"/>
           </p:cNvSpPr>
@@ -3140,8 +3516,8 @@
         </p:nvSpPr>
         <p:spPr>
           <a:xfrm>
-            <a:off x="4038600" y="6356350"/>
-            <a:ext cx="4114800" cy="365125"/>
+            <a:off x="3686185" y="6459785"/>
+            <a:ext cx="4822804" cy="365125"/>
           </a:xfrm>
           <a:prstGeom prst="rect">
             <a:avLst/>
@@ -3151,11 +3527,9 @@
           <a:bodyPr vert="horz" lIns="91440" tIns="45720" rIns="91440" bIns="45720" rtlCol="0" anchor="ctr"/>
           <a:lstStyle>
             <a:lvl1pPr algn="ctr">
-              <a:defRPr sz="1200">
-                <a:solidFill>
-                  <a:schemeClr val="tx1">
-                    <a:tint val="82000"/>
-                  </a:schemeClr>
+              <a:defRPr sz="900" cap="all" baseline="0">
+                <a:solidFill>
+                  <a:srgbClr val="FFFFFF"/>
                 </a:solidFill>
               </a:defRPr>
             </a:lvl1pPr>
@@ -3167,13 +3541,7 @@
       </p:sp>
       <p:sp>
         <p:nvSpPr>
-          <p:cNvPr id="6" name="Slide Number Placeholder 5">
-            <a:extLst>
-              <a:ext uri="{FF2B5EF4-FFF2-40B4-BE49-F238E27FC236}">
-                <a16:creationId xmlns:a16="http://schemas.microsoft.com/office/drawing/2014/main" id="{A7A700F6-BE29-76E9-3935-19F61EC11954}"/>
-              </a:ext>
-            </a:extLst>
-          </p:cNvPr>
+          <p:cNvPr id="6" name="Slide Number Placeholder 5"/>
           <p:cNvSpPr>
             <a:spLocks noGrp="1"/>
           </p:cNvSpPr>
@@ -3183,8 +3551,8 @@
         </p:nvSpPr>
         <p:spPr>
           <a:xfrm>
-            <a:off x="8610600" y="6356350"/>
-            <a:ext cx="2743200" cy="365125"/>
+            <a:off x="9900458" y="6459785"/>
+            <a:ext cx="1312025" cy="365125"/>
           </a:xfrm>
           <a:prstGeom prst="rect">
             <a:avLst/>
@@ -3194,11 +3562,9 @@
           <a:bodyPr vert="horz" lIns="91440" tIns="45720" rIns="91440" bIns="45720" rtlCol="0" anchor="ctr"/>
           <a:lstStyle>
             <a:lvl1pPr algn="r">
-              <a:defRPr sz="1200">
-                <a:solidFill>
-                  <a:schemeClr val="tx1">
-                    <a:tint val="82000"/>
-                  </a:schemeClr>
+              <a:defRPr sz="1050">
+                <a:solidFill>
+                  <a:srgbClr val="FFFFFF"/>
                 </a:solidFill>
               </a:defRPr>
             </a:lvl1pPr>
@@ -3212,41 +3578,82 @@
           </a:p>
         </p:txBody>
       </p:sp>
+      <p:cxnSp>
+        <p:nvCxnSpPr>
+          <p:cNvPr id="10" name="Straight Connector 9"/>
+          <p:cNvCxnSpPr/>
+          <p:nvPr/>
+        </p:nvCxnSpPr>
+        <p:spPr>
+          <a:xfrm>
+            <a:off x="1193532" y="1737845"/>
+            <a:ext cx="9966960" cy="0"/>
+          </a:xfrm>
+          <a:prstGeom prst="line">
+            <a:avLst/>
+          </a:prstGeom>
+          <a:ln w="6350">
+            <a:solidFill>
+              <a:schemeClr val="tx1">
+                <a:lumMod val="50000"/>
+                <a:lumOff val="50000"/>
+              </a:schemeClr>
+            </a:solidFill>
+          </a:ln>
+        </p:spPr>
+        <p:style>
+          <a:lnRef idx="1">
+            <a:schemeClr val="accent1"/>
+          </a:lnRef>
+          <a:fillRef idx="0">
+            <a:schemeClr val="accent1"/>
+          </a:fillRef>
+          <a:effectRef idx="0">
+            <a:schemeClr val="accent1"/>
+          </a:effectRef>
+          <a:fontRef idx="minor">
+            <a:schemeClr val="tx1"/>
+          </a:fontRef>
+        </p:style>
+      </p:cxnSp>
     </p:spTree>
     <p:extLst>
       <p:ext uri="{BB962C8B-B14F-4D97-AF65-F5344CB8AC3E}">
-        <p14:creationId xmlns:p14="http://schemas.microsoft.com/office/powerpoint/2010/main" val="1743946505"/>
+        <p14:creationId xmlns:p14="http://schemas.microsoft.com/office/powerpoint/2010/main" val="1184958938"/>
       </p:ext>
     </p:extLst>
   </p:cSld>
   <p:clrMap bg1="lt1" tx1="dk1" bg2="lt2" tx2="dk2" accent1="accent1" accent2="accent2" accent3="accent3" accent4="accent4" accent5="accent5" accent6="accent6" hlink="hlink" folHlink="folHlink"/>
   <p:sldLayoutIdLst>
-    <p:sldLayoutId id="2147483649" r:id="rId1"/>
-    <p:sldLayoutId id="2147483650" r:id="rId2"/>
-    <p:sldLayoutId id="2147483651" r:id="rId3"/>
-    <p:sldLayoutId id="2147483652" r:id="rId4"/>
-    <p:sldLayoutId id="2147483653" r:id="rId5"/>
-    <p:sldLayoutId id="2147483654" r:id="rId6"/>
-    <p:sldLayoutId id="2147483655" r:id="rId7"/>
-    <p:sldLayoutId id="2147483656" r:id="rId8"/>
-    <p:sldLayoutId id="2147483657" r:id="rId9"/>
-    <p:sldLayoutId id="2147483658" r:id="rId10"/>
-    <p:sldLayoutId id="2147483659" r:id="rId11"/>
-    <p:sldLayoutId id="2147483660" r:id="rId12"/>
+    <p:sldLayoutId id="2147483714" r:id="rId1"/>
+    <p:sldLayoutId id="2147483715" r:id="rId2"/>
+    <p:sldLayoutId id="2147483716" r:id="rId3"/>
+    <p:sldLayoutId id="2147483717" r:id="rId4"/>
+    <p:sldLayoutId id="2147483718" r:id="rId5"/>
+    <p:sldLayoutId id="2147483719" r:id="rId6"/>
+    <p:sldLayoutId id="2147483720" r:id="rId7"/>
+    <p:sldLayoutId id="2147483721" r:id="rId8"/>
+    <p:sldLayoutId id="2147483722" r:id="rId9"/>
+    <p:sldLayoutId id="2147483723" r:id="rId10"/>
+    <p:sldLayoutId id="2147483724" r:id="rId11"/>
+    <p:sldLayoutId id="2147483725" r:id="rId12"/>
   </p:sldLayoutIdLst>
   <p:txStyles>
     <p:titleStyle>
       <a:lvl1pPr algn="l" defTabSz="914400" rtl="0" eaLnBrk="1" latinLnBrk="0" hangingPunct="1">
         <a:lnSpc>
-          <a:spcPct val="90000"/>
+          <a:spcPct val="85000"/>
         </a:lnSpc>
         <a:spcBef>
           <a:spcPct val="0"/>
         </a:spcBef>
         <a:buNone/>
-        <a:defRPr sz="4400" kern="1200">
+        <a:defRPr sz="4800" kern="1200" spc="-50" baseline="0">
           <a:solidFill>
-            <a:schemeClr val="tx1"/>
+            <a:schemeClr val="tx1">
+              <a:lumMod val="75000"/>
+              <a:lumOff val="25000"/>
+            </a:schemeClr>
           </a:solidFill>
           <a:latin typeface="+mj-lt"/>
           <a:ea typeface="+mj-ea"/>
@@ -3255,162 +3662,244 @@
       </a:lvl1pPr>
     </p:titleStyle>
     <p:bodyStyle>
-      <a:lvl1pPr marL="228600" indent="-228600" algn="l" defTabSz="914400" rtl="0" eaLnBrk="1" latinLnBrk="0" hangingPunct="1">
+      <a:lvl1pPr marL="91440" indent="-91440" algn="l" defTabSz="914400" rtl="0" eaLnBrk="1" latinLnBrk="0" hangingPunct="1">
         <a:lnSpc>
           <a:spcPct val="90000"/>
         </a:lnSpc>
         <a:spcBef>
-          <a:spcPts val="1000"/>
+          <a:spcPts val="1200"/>
         </a:spcBef>
-        <a:buFont typeface="Arial" panose="020B0604020202020204" pitchFamily="34" charset="0"/>
-        <a:buChar char="•"/>
-        <a:defRPr sz="2800" kern="1200">
+        <a:spcAft>
+          <a:spcPts val="200"/>
+        </a:spcAft>
+        <a:buClr>
+          <a:schemeClr val="accent1"/>
+        </a:buClr>
+        <a:buSzPct val="100000"/>
+        <a:buFont typeface="Calibri" panose="020F0502020204030204" pitchFamily="34" charset="0"/>
+        <a:buChar char=" "/>
+        <a:defRPr sz="2000" kern="1200">
           <a:solidFill>
-            <a:schemeClr val="tx1"/>
+            <a:schemeClr val="tx1">
+              <a:lumMod val="75000"/>
+              <a:lumOff val="25000"/>
+            </a:schemeClr>
           </a:solidFill>
           <a:latin typeface="+mn-lt"/>
           <a:ea typeface="+mn-ea"/>
           <a:cs typeface="+mn-cs"/>
         </a:defRPr>
       </a:lvl1pPr>
-      <a:lvl2pPr marL="685800" indent="-228600" algn="l" defTabSz="914400" rtl="0" eaLnBrk="1" latinLnBrk="0" hangingPunct="1">
+      <a:lvl2pPr marL="384048" indent="-182880" algn="l" defTabSz="914400" rtl="0" eaLnBrk="1" latinLnBrk="0" hangingPunct="1">
         <a:lnSpc>
           <a:spcPct val="90000"/>
         </a:lnSpc>
         <a:spcBef>
-          <a:spcPts val="500"/>
+          <a:spcPts val="200"/>
         </a:spcBef>
-        <a:buFont typeface="Arial" panose="020B0604020202020204" pitchFamily="34" charset="0"/>
-        <a:buChar char="•"/>
-        <a:defRPr sz="2400" kern="1200">
+        <a:spcAft>
+          <a:spcPts val="400"/>
+        </a:spcAft>
+        <a:buClr>
+          <a:schemeClr val="accent1"/>
+        </a:buClr>
+        <a:buFont typeface="Calibri" pitchFamily="34" charset="0"/>
+        <a:buChar char="◦"/>
+        <a:defRPr sz="1800" kern="1200">
           <a:solidFill>
-            <a:schemeClr val="tx1"/>
+            <a:schemeClr val="tx1">
+              <a:lumMod val="75000"/>
+              <a:lumOff val="25000"/>
+            </a:schemeClr>
           </a:solidFill>
           <a:latin typeface="+mn-lt"/>
           <a:ea typeface="+mn-ea"/>
           <a:cs typeface="+mn-cs"/>
         </a:defRPr>
       </a:lvl2pPr>
-      <a:lvl3pPr marL="1143000" indent="-228600" algn="l" defTabSz="914400" rtl="0" eaLnBrk="1" latinLnBrk="0" hangingPunct="1">
+      <a:lvl3pPr marL="566928" indent="-182880" algn="l" defTabSz="914400" rtl="0" eaLnBrk="1" latinLnBrk="0" hangingPunct="1">
         <a:lnSpc>
           <a:spcPct val="90000"/>
         </a:lnSpc>
         <a:spcBef>
-          <a:spcPts val="500"/>
+          <a:spcPts val="200"/>
         </a:spcBef>
-        <a:buFont typeface="Arial" panose="020B0604020202020204" pitchFamily="34" charset="0"/>
-        <a:buChar char="•"/>
-        <a:defRPr sz="2000" kern="1200">
+        <a:spcAft>
+          <a:spcPts val="400"/>
+        </a:spcAft>
+        <a:buClr>
+          <a:schemeClr val="accent1"/>
+        </a:buClr>
+        <a:buFont typeface="Calibri" pitchFamily="34" charset="0"/>
+        <a:buChar char="◦"/>
+        <a:defRPr sz="1400" kern="1200">
           <a:solidFill>
-            <a:schemeClr val="tx1"/>
+            <a:schemeClr val="tx1">
+              <a:lumMod val="75000"/>
+              <a:lumOff val="25000"/>
+            </a:schemeClr>
           </a:solidFill>
           <a:latin typeface="+mn-lt"/>
           <a:ea typeface="+mn-ea"/>
           <a:cs typeface="+mn-cs"/>
         </a:defRPr>
       </a:lvl3pPr>
-      <a:lvl4pPr marL="1600200" indent="-228600" algn="l" defTabSz="914400" rtl="0" eaLnBrk="1" latinLnBrk="0" hangingPunct="1">
+      <a:lvl4pPr marL="749808" indent="-182880" algn="l" defTabSz="914400" rtl="0" eaLnBrk="1" latinLnBrk="0" hangingPunct="1">
         <a:lnSpc>
           <a:spcPct val="90000"/>
         </a:lnSpc>
         <a:spcBef>
-          <a:spcPts val="500"/>
+          <a:spcPts val="200"/>
         </a:spcBef>
-        <a:buFont typeface="Arial" panose="020B0604020202020204" pitchFamily="34" charset="0"/>
-        <a:buChar char="•"/>
-        <a:defRPr sz="1800" kern="1200">
+        <a:spcAft>
+          <a:spcPts val="400"/>
+        </a:spcAft>
+        <a:buClr>
+          <a:schemeClr val="accent1"/>
+        </a:buClr>
+        <a:buFont typeface="Calibri" pitchFamily="34" charset="0"/>
+        <a:buChar char="◦"/>
+        <a:defRPr sz="1400" kern="1200">
           <a:solidFill>
-            <a:schemeClr val="tx1"/>
+            <a:schemeClr val="tx1">
+              <a:lumMod val="75000"/>
+              <a:lumOff val="25000"/>
+            </a:schemeClr>
           </a:solidFill>
           <a:latin typeface="+mn-lt"/>
           <a:ea typeface="+mn-ea"/>
           <a:cs typeface="+mn-cs"/>
         </a:defRPr>
       </a:lvl4pPr>
-      <a:lvl5pPr marL="2057400" indent="-228600" algn="l" defTabSz="914400" rtl="0" eaLnBrk="1" latinLnBrk="0" hangingPunct="1">
+      <a:lvl5pPr marL="932688" indent="-182880" algn="l" defTabSz="914400" rtl="0" eaLnBrk="1" latinLnBrk="0" hangingPunct="1">
         <a:lnSpc>
           <a:spcPct val="90000"/>
         </a:lnSpc>
         <a:spcBef>
-          <a:spcPts val="500"/>
+          <a:spcPts val="200"/>
         </a:spcBef>
-        <a:buFont typeface="Arial" panose="020B0604020202020204" pitchFamily="34" charset="0"/>
-        <a:buChar char="•"/>
-        <a:defRPr sz="1800" kern="1200">
+        <a:spcAft>
+          <a:spcPts val="400"/>
+        </a:spcAft>
+        <a:buClr>
+          <a:schemeClr val="accent1"/>
+        </a:buClr>
+        <a:buFont typeface="Calibri" pitchFamily="34" charset="0"/>
+        <a:buChar char="◦"/>
+        <a:defRPr sz="1400" kern="1200">
           <a:solidFill>
-            <a:schemeClr val="tx1"/>
+            <a:schemeClr val="tx1">
+              <a:lumMod val="75000"/>
+              <a:lumOff val="25000"/>
+            </a:schemeClr>
           </a:solidFill>
           <a:latin typeface="+mn-lt"/>
           <a:ea typeface="+mn-ea"/>
           <a:cs typeface="+mn-cs"/>
         </a:defRPr>
       </a:lvl5pPr>
-      <a:lvl6pPr marL="2514600" indent="-228600" algn="l" defTabSz="914400" rtl="0" eaLnBrk="1" latinLnBrk="0" hangingPunct="1">
+      <a:lvl6pPr marL="1100000" indent="-228600" algn="l" defTabSz="914400" rtl="0" eaLnBrk="1" latinLnBrk="0" hangingPunct="1">
         <a:lnSpc>
           <a:spcPct val="90000"/>
         </a:lnSpc>
         <a:spcBef>
-          <a:spcPts val="500"/>
+          <a:spcPts val="200"/>
         </a:spcBef>
-        <a:buFont typeface="Arial" panose="020B0604020202020204" pitchFamily="34" charset="0"/>
-        <a:buChar char="•"/>
-        <a:defRPr sz="1800" kern="1200">
+        <a:spcAft>
+          <a:spcPts val="400"/>
+        </a:spcAft>
+        <a:buClr>
+          <a:schemeClr val="accent1"/>
+        </a:buClr>
+        <a:buFont typeface="Calibri" pitchFamily="34" charset="0"/>
+        <a:buChar char="◦"/>
+        <a:defRPr sz="1400" kern="1200">
           <a:solidFill>
-            <a:schemeClr val="tx1"/>
+            <a:schemeClr val="tx1">
+              <a:lumMod val="75000"/>
+              <a:lumOff val="25000"/>
+            </a:schemeClr>
           </a:solidFill>
           <a:latin typeface="+mn-lt"/>
           <a:ea typeface="+mn-ea"/>
           <a:cs typeface="+mn-cs"/>
         </a:defRPr>
       </a:lvl6pPr>
-      <a:lvl7pPr marL="2971800" indent="-228600" algn="l" defTabSz="914400" rtl="0" eaLnBrk="1" latinLnBrk="0" hangingPunct="1">
+      <a:lvl7pPr marL="1300000" indent="-228600" algn="l" defTabSz="914400" rtl="0" eaLnBrk="1" latinLnBrk="0" hangingPunct="1">
         <a:lnSpc>
           <a:spcPct val="90000"/>
         </a:lnSpc>
         <a:spcBef>
-          <a:spcPts val="500"/>
+          <a:spcPts val="200"/>
         </a:spcBef>
-        <a:buFont typeface="Arial" panose="020B0604020202020204" pitchFamily="34" charset="0"/>
-        <a:buChar char="•"/>
-        <a:defRPr sz="1800" kern="1200">
+        <a:spcAft>
+          <a:spcPts val="400"/>
+        </a:spcAft>
+        <a:buClr>
+          <a:schemeClr val="accent1"/>
+        </a:buClr>
+        <a:buFont typeface="Calibri" pitchFamily="34" charset="0"/>
+        <a:buChar char="◦"/>
+        <a:defRPr sz="1400" kern="1200">
           <a:solidFill>
-            <a:schemeClr val="tx1"/>
+            <a:schemeClr val="tx1">
+              <a:lumMod val="75000"/>
+              <a:lumOff val="25000"/>
+            </a:schemeClr>
           </a:solidFill>
           <a:latin typeface="+mn-lt"/>
           <a:ea typeface="+mn-ea"/>
           <a:cs typeface="+mn-cs"/>
         </a:defRPr>
       </a:lvl7pPr>
-      <a:lvl8pPr marL="3429000" indent="-228600" algn="l" defTabSz="914400" rtl="0" eaLnBrk="1" latinLnBrk="0" hangingPunct="1">
+      <a:lvl8pPr marL="1500000" indent="-228600" algn="l" defTabSz="914400" rtl="0" eaLnBrk="1" latinLnBrk="0" hangingPunct="1">
         <a:lnSpc>
           <a:spcPct val="90000"/>
         </a:lnSpc>
         <a:spcBef>
-          <a:spcPts val="500"/>
+          <a:spcPts val="200"/>
         </a:spcBef>
-        <a:buFont typeface="Arial" panose="020B0604020202020204" pitchFamily="34" charset="0"/>
-        <a:buChar char="•"/>
-        <a:defRPr sz="1800" kern="1200">
+        <a:spcAft>
+          <a:spcPts val="400"/>
+        </a:spcAft>
+        <a:buClr>
+          <a:schemeClr val="accent1"/>
+        </a:buClr>
+        <a:buFont typeface="Calibri" pitchFamily="34" charset="0"/>
+        <a:buChar char="◦"/>
+        <a:defRPr sz="1400" kern="1200">
           <a:solidFill>
-            <a:schemeClr val="tx1"/>
+            <a:schemeClr val="tx1">
+              <a:lumMod val="75000"/>
+              <a:lumOff val="25000"/>
+            </a:schemeClr>
           </a:solidFill>
           <a:latin typeface="+mn-lt"/>
           <a:ea typeface="+mn-ea"/>
           <a:cs typeface="+mn-cs"/>
         </a:defRPr>
       </a:lvl8pPr>
-      <a:lvl9pPr marL="3886200" indent="-228600" algn="l" defTabSz="914400" rtl="0" eaLnBrk="1" latinLnBrk="0" hangingPunct="1">
+      <a:lvl9pPr marL="1700000" indent="-228600" algn="l" defTabSz="914400" rtl="0" eaLnBrk="1" latinLnBrk="0" hangingPunct="1">
         <a:lnSpc>
           <a:spcPct val="90000"/>
         </a:lnSpc>
         <a:spcBef>
-          <a:spcPts val="500"/>
+          <a:spcPts val="200"/>
         </a:spcBef>
-        <a:buFont typeface="Arial" panose="020B0604020202020204" pitchFamily="34" charset="0"/>
-        <a:buChar char="•"/>
-        <a:defRPr sz="1800" kern="1200">
+        <a:spcAft>
+          <a:spcPts val="400"/>
+        </a:spcAft>
+        <a:buClr>
+          <a:schemeClr val="accent1"/>
+        </a:buClr>
+        <a:buFont typeface="Calibri" pitchFamily="34" charset="0"/>
+        <a:buChar char="◦"/>
+        <a:defRPr sz="1400" kern="1200">
           <a:solidFill>
-            <a:schemeClr val="tx1"/>
+            <a:schemeClr val="tx1">
+              <a:lumMod val="75000"/>
+              <a:lumOff val="25000"/>
+            </a:schemeClr>
           </a:solidFill>
           <a:latin typeface="+mn-lt"/>
           <a:ea typeface="+mn-ea"/>
@@ -3587,7 +4076,7 @@
         <p:spPr/>
         <p:txBody>
           <a:bodyPr>
-            <a:normAutofit fontScale="92500" lnSpcReduction="10000"/>
+            <a:normAutofit/>
           </a:bodyPr>
           <a:lstStyle/>
           <a:p>
@@ -4033,7 +4522,7 @@
         <p:spPr/>
         <p:txBody>
           <a:bodyPr>
-            <a:normAutofit lnSpcReduction="10000"/>
+            <a:normAutofit/>
           </a:bodyPr>
           <a:lstStyle/>
           <a:p>
@@ -4149,7 +4638,9 @@
         </p:nvSpPr>
         <p:spPr/>
         <p:txBody>
-          <a:bodyPr/>
+          <a:bodyPr>
+            <a:normAutofit fontScale="90000"/>
+          </a:bodyPr>
           <a:lstStyle/>
           <a:p>
             <a:pPr marR="0" rtl="0"/>
@@ -4310,7 +4801,9 @@
         </p:nvSpPr>
         <p:spPr/>
         <p:txBody>
-          <a:bodyPr/>
+          <a:bodyPr>
+            <a:normAutofit/>
+          </a:bodyPr>
           <a:lstStyle/>
           <a:p>
             <a:pPr marR="0" rtl="0"/>
@@ -4471,7 +4964,9 @@
         </p:nvSpPr>
         <p:spPr/>
         <p:txBody>
-          <a:bodyPr/>
+          <a:bodyPr>
+            <a:normAutofit/>
+          </a:bodyPr>
           <a:lstStyle/>
           <a:p>
             <a:pPr marR="0" rtl="0"/>
@@ -4521,7 +5016,7 @@
         <p:spPr/>
         <p:txBody>
           <a:bodyPr>
-            <a:normAutofit fontScale="92500" lnSpcReduction="10000"/>
+            <a:normAutofit/>
           </a:bodyPr>
           <a:lstStyle/>
           <a:p>
@@ -4602,6 +5097,305 @@
     <p:extLst>
       <p:ext uri="{BB962C8B-B14F-4D97-AF65-F5344CB8AC3E}">
         <p14:creationId xmlns:p14="http://schemas.microsoft.com/office/powerpoint/2010/main" val="3523142422"/>
+      </p:ext>
+    </p:extLst>
+  </p:cSld>
+  <p:clrMapOvr>
+    <a:masterClrMapping/>
+  </p:clrMapOvr>
+</p:sld>
+</file>
+
+<file path=ppt/slides/slide16.xml><?xml version="1.0" encoding="utf-8"?>
+<p:sld xmlns:a="http://schemas.openxmlformats.org/drawingml/2006/main" xmlns:r="http://schemas.openxmlformats.org/officeDocument/2006/relationships" xmlns:p="http://schemas.openxmlformats.org/presentationml/2006/main">
+  <p:cSld>
+    <p:spTree>
+      <p:nvGrpSpPr>
+        <p:cNvPr id="1" name=""/>
+        <p:cNvGrpSpPr/>
+        <p:nvPr/>
+      </p:nvGrpSpPr>
+      <p:grpSpPr>
+        <a:xfrm>
+          <a:off x="0" y="0"/>
+          <a:ext cx="0" cy="0"/>
+          <a:chOff x="0" y="0"/>
+          <a:chExt cx="0" cy="0"/>
+        </a:xfrm>
+      </p:grpSpPr>
+      <p:sp>
+        <p:nvSpPr>
+          <p:cNvPr id="2" name="Title 1">
+            <a:extLst>
+              <a:ext uri="{FF2B5EF4-FFF2-40B4-BE49-F238E27FC236}">
+                <a16:creationId xmlns:a16="http://schemas.microsoft.com/office/drawing/2014/main" id="{DCF86A19-934B-D4A8-D6FA-0DF65614C229}"/>
+              </a:ext>
+            </a:extLst>
+          </p:cNvPr>
+          <p:cNvSpPr>
+            <a:spLocks noGrp="1"/>
+          </p:cNvSpPr>
+          <p:nvPr>
+            <p:ph type="title"/>
+          </p:nvPr>
+        </p:nvSpPr>
+        <p:spPr/>
+        <p:txBody>
+          <a:bodyPr>
+            <a:normAutofit/>
+          </a:bodyPr>
+          <a:lstStyle/>
+          <a:p>
+            <a:pPr marR="0" rtl="0"/>
+            <a:r>
+              <a:rPr lang="en-US" sz="7200" b="0" i="0" u="none" strike="noStrike" kern="100" baseline="0" dirty="0">
+                <a:solidFill>
+                  <a:srgbClr val="0F4761"/>
+                </a:solidFill>
+                <a:latin typeface="Times New Roman" panose="02020603050405020304" pitchFamily="18" charset="0"/>
+              </a:rPr>
+              <a:t>Thank You!</a:t>
+            </a:r>
+          </a:p>
+        </p:txBody>
+      </p:sp>
+      <p:sp>
+        <p:nvSpPr>
+          <p:cNvPr id="3" name="Text Placeholder 2">
+            <a:extLst>
+              <a:ext uri="{FF2B5EF4-FFF2-40B4-BE49-F238E27FC236}">
+                <a16:creationId xmlns:a16="http://schemas.microsoft.com/office/drawing/2014/main" id="{30CE9D2C-F27A-85AA-5286-61D4000A287A}"/>
+              </a:ext>
+            </a:extLst>
+          </p:cNvPr>
+          <p:cNvSpPr>
+            <a:spLocks noGrp="1"/>
+          </p:cNvSpPr>
+          <p:nvPr>
+            <p:ph type="body" idx="1"/>
+          </p:nvPr>
+        </p:nvSpPr>
+        <p:spPr>
+          <a:xfrm>
+            <a:off x="4833112" y="3258677"/>
+            <a:ext cx="2362200" cy="2574036"/>
+          </a:xfrm>
+        </p:spPr>
+        <p:txBody>
+          <a:bodyPr>
+            <a:normAutofit/>
+          </a:bodyPr>
+          <a:lstStyle/>
+          <a:p>
+            <a:r>
+              <a:rPr lang="en-US" b="1" i="0" u="none" strike="noStrike" kern="100" baseline="0" dirty="0">
+                <a:solidFill>
+                  <a:srgbClr val="0F4761"/>
+                </a:solidFill>
+                <a:latin typeface="Times New Roman" panose="02020603050405020304" pitchFamily="18" charset="0"/>
+              </a:rPr>
+              <a:t>Slides</a:t>
+            </a:r>
+          </a:p>
+          <a:p>
+            <a:r>
+              <a:rPr lang="en-US" b="1" i="0" u="none" strike="noStrike" kern="100" baseline="0" dirty="0">
+                <a:solidFill>
+                  <a:srgbClr val="0F4761"/>
+                </a:solidFill>
+                <a:latin typeface="Times New Roman" panose="02020603050405020304" pitchFamily="18" charset="0"/>
+              </a:rPr>
+              <a:t>Scripts</a:t>
+            </a:r>
+          </a:p>
+          <a:p>
+            <a:r>
+              <a:rPr lang="en-US" b="1" kern="100" dirty="0">
+                <a:solidFill>
+                  <a:srgbClr val="0F4761"/>
+                </a:solidFill>
+                <a:latin typeface="Times New Roman" panose="02020603050405020304" pitchFamily="18" charset="0"/>
+              </a:rPr>
+              <a:t>D</a:t>
+            </a:r>
+            <a:r>
+              <a:rPr lang="en-US" b="1" i="0" u="none" strike="noStrike" kern="100" baseline="0" dirty="0">
+                <a:solidFill>
+                  <a:srgbClr val="0F4761"/>
+                </a:solidFill>
+                <a:latin typeface="Times New Roman" panose="02020603050405020304" pitchFamily="18" charset="0"/>
+              </a:rPr>
+              <a:t>emos!</a:t>
+            </a:r>
+          </a:p>
+          <a:p>
+            <a:r>
+              <a:rPr lang="en-US" b="1" kern="100" dirty="0">
+                <a:solidFill>
+                  <a:srgbClr val="0F4761"/>
+                </a:solidFill>
+                <a:latin typeface="Times New Roman" panose="02020603050405020304" pitchFamily="18" charset="0"/>
+              </a:rPr>
+              <a:t>Extra resources </a:t>
+            </a:r>
+          </a:p>
+          <a:p>
+            <a:r>
+              <a:rPr lang="en-US" b="1" kern="100" dirty="0">
+                <a:solidFill>
+                  <a:srgbClr val="0F4761"/>
+                </a:solidFill>
+                <a:latin typeface="Times New Roman" panose="02020603050405020304" pitchFamily="18" charset="0"/>
+              </a:rPr>
+              <a:t>Contact info </a:t>
+            </a:r>
+            <a:endParaRPr lang="en-US" b="1" i="0" u="none" strike="noStrike" kern="100" baseline="0" dirty="0">
+              <a:solidFill>
+                <a:srgbClr val="0F4761"/>
+              </a:solidFill>
+              <a:latin typeface="Times New Roman" panose="02020603050405020304" pitchFamily="18" charset="0"/>
+            </a:endParaRPr>
+          </a:p>
+        </p:txBody>
+      </p:sp>
+      <p:pic>
+        <p:nvPicPr>
+          <p:cNvPr id="5" name="Picture 4" descr="A qr code on a white square&#10;&#10;AI-generated content may be incorrect.">
+            <a:extLst>
+              <a:ext uri="{FF2B5EF4-FFF2-40B4-BE49-F238E27FC236}">
+                <a16:creationId xmlns:a16="http://schemas.microsoft.com/office/drawing/2014/main" id="{4409B6CF-0080-709E-C7CA-0669B3C51572}"/>
+              </a:ext>
+            </a:extLst>
+          </p:cNvPr>
+          <p:cNvPicPr>
+            <a:picLocks noChangeAspect="1"/>
+          </p:cNvPicPr>
+          <p:nvPr/>
+        </p:nvPicPr>
+        <p:blipFill>
+          <a:blip r:embed="rId2">
+            <a:extLst>
+              <a:ext uri="{28A0092B-C50C-407E-A947-70E740481C1C}">
+                <a14:useLocalDpi xmlns:a14="http://schemas.microsoft.com/office/drawing/2010/main" val="0"/>
+              </a:ext>
+            </a:extLst>
+          </a:blip>
+          <a:stretch>
+            <a:fillRect/>
+          </a:stretch>
+        </p:blipFill>
+        <p:spPr>
+          <a:xfrm>
+            <a:off x="667512" y="2180336"/>
+            <a:ext cx="4165600" cy="4165600"/>
+          </a:xfrm>
+          <a:prstGeom prst="rect">
+            <a:avLst/>
+          </a:prstGeom>
+        </p:spPr>
+      </p:pic>
+      <p:sp>
+        <p:nvSpPr>
+          <p:cNvPr id="6" name="Arrow: Left 5">
+            <a:extLst>
+              <a:ext uri="{FF2B5EF4-FFF2-40B4-BE49-F238E27FC236}">
+                <a16:creationId xmlns:a16="http://schemas.microsoft.com/office/drawing/2014/main" id="{1F4F6AB7-3798-A891-B201-C58F2EA46FC0}"/>
+              </a:ext>
+            </a:extLst>
+          </p:cNvPr>
+          <p:cNvSpPr/>
+          <p:nvPr/>
+        </p:nvSpPr>
+        <p:spPr>
+          <a:xfrm>
+            <a:off x="4898135" y="5879592"/>
+            <a:ext cx="2139190" cy="384048"/>
+          </a:xfrm>
+          <a:prstGeom prst="leftArrow">
+            <a:avLst/>
+          </a:prstGeom>
+        </p:spPr>
+        <p:style>
+          <a:lnRef idx="2">
+            <a:schemeClr val="accent4">
+              <a:shade val="15000"/>
+            </a:schemeClr>
+          </a:lnRef>
+          <a:fillRef idx="1">
+            <a:schemeClr val="accent4"/>
+          </a:fillRef>
+          <a:effectRef idx="0">
+            <a:schemeClr val="accent4"/>
+          </a:effectRef>
+          <a:fontRef idx="minor">
+            <a:schemeClr val="lt1"/>
+          </a:fontRef>
+        </p:style>
+        <p:txBody>
+          <a:bodyPr rtlCol="0" anchor="ctr"/>
+          <a:lstStyle/>
+          <a:p>
+            <a:pPr algn="ctr"/>
+            <a:endParaRPr lang="en-US"/>
+          </a:p>
+        </p:txBody>
+      </p:sp>
+      <p:pic>
+        <p:nvPicPr>
+          <p:cNvPr id="8" name="Picture 7" descr="A person and person posing for a picture with a baby&#10;&#10;AI-generated content may be incorrect.">
+            <a:extLst>
+              <a:ext uri="{FF2B5EF4-FFF2-40B4-BE49-F238E27FC236}">
+                <a16:creationId xmlns:a16="http://schemas.microsoft.com/office/drawing/2014/main" id="{4961847D-80F1-A0DE-8E87-EF44C4F1DDBB}"/>
+              </a:ext>
+            </a:extLst>
+          </p:cNvPr>
+          <p:cNvPicPr>
+            <a:picLocks noChangeAspect="1"/>
+          </p:cNvPicPr>
+          <p:nvPr/>
+        </p:nvPicPr>
+        <p:blipFill>
+          <a:blip r:embed="rId3">
+            <a:extLst>
+              <a:ext uri="{28A0092B-C50C-407E-A947-70E740481C1C}">
+                <a14:useLocalDpi xmlns:a14="http://schemas.microsoft.com/office/drawing/2010/main" val="0"/>
+              </a:ext>
+            </a:extLst>
+          </a:blip>
+          <a:stretch>
+            <a:fillRect/>
+          </a:stretch>
+        </p:blipFill>
+        <p:spPr>
+          <a:xfrm rot="299344">
+            <a:off x="7053016" y="787649"/>
+            <a:ext cx="4566581" cy="3424936"/>
+          </a:xfrm>
+          <a:prstGeom prst="round2DiagRect">
+            <a:avLst>
+              <a:gd name="adj1" fmla="val 16667"/>
+              <a:gd name="adj2" fmla="val 0"/>
+            </a:avLst>
+          </a:prstGeom>
+          <a:ln w="88900" cap="sq">
+            <a:solidFill>
+              <a:srgbClr val="FFFFFF"/>
+            </a:solidFill>
+            <a:miter lim="800000"/>
+          </a:ln>
+          <a:effectLst>
+            <a:outerShdw blurRad="254000" algn="tl" rotWithShape="0">
+              <a:srgbClr val="000000">
+                <a:alpha val="43000"/>
+              </a:srgbClr>
+            </a:outerShdw>
+          </a:effectLst>
+        </p:spPr>
+      </p:pic>
+    </p:spTree>
+    <p:extLst>
+      <p:ext uri="{BB962C8B-B14F-4D97-AF65-F5344CB8AC3E}">
+        <p14:creationId xmlns:p14="http://schemas.microsoft.com/office/powerpoint/2010/main" val="3213802642"/>
       </p:ext>
     </p:extLst>
   </p:cSld>
@@ -4789,7 +5583,9 @@
         </p:nvSpPr>
         <p:spPr/>
         <p:txBody>
-          <a:bodyPr/>
+          <a:bodyPr>
+            <a:normAutofit/>
+          </a:bodyPr>
           <a:lstStyle/>
           <a:p>
             <a:pPr marR="0" rtl="0"/>
@@ -5128,7 +5924,7 @@
         <p:spPr/>
         <p:txBody>
           <a:bodyPr>
-            <a:normAutofit fontScale="92500" lnSpcReduction="10000"/>
+            <a:normAutofit/>
           </a:bodyPr>
           <a:lstStyle/>
           <a:p>
@@ -5325,7 +6121,9 @@
         </p:nvSpPr>
         <p:spPr/>
         <p:txBody>
-          <a:bodyPr/>
+          <a:bodyPr>
+            <a:normAutofit/>
+          </a:bodyPr>
           <a:lstStyle/>
           <a:p>
             <a:pPr marR="0" rtl="0"/>
@@ -5378,7 +6176,7 @@
         <p:spPr/>
         <p:txBody>
           <a:bodyPr>
-            <a:normAutofit fontScale="70000" lnSpcReduction="20000"/>
+            <a:normAutofit fontScale="85000" lnSpcReduction="10000"/>
           </a:bodyPr>
           <a:lstStyle/>
           <a:p>
@@ -5804,7 +6602,9 @@
         </p:nvSpPr>
         <p:spPr/>
         <p:txBody>
-          <a:bodyPr/>
+          <a:bodyPr>
+            <a:normAutofit/>
+          </a:bodyPr>
           <a:lstStyle/>
           <a:p>
             <a:pPr marR="0" rtl="0"/>
@@ -5962,7 +6762,9 @@
         </p:nvSpPr>
         <p:spPr/>
         <p:txBody>
-          <a:bodyPr/>
+          <a:bodyPr>
+            <a:normAutofit fontScale="90000"/>
+          </a:bodyPr>
           <a:lstStyle/>
           <a:p>
             <a:pPr marR="0" rtl="0"/>
@@ -6092,54 +6894,54 @@
 </file>
 
 <file path=ppt/theme/theme1.xml><?xml version="1.0" encoding="utf-8"?>
-<a:theme xmlns:a="http://schemas.openxmlformats.org/drawingml/2006/main" name="Office Theme">
+<a:theme xmlns:a="http://schemas.openxmlformats.org/drawingml/2006/main" name="Retrospect">
   <a:themeElements>
-    <a:clrScheme name="Office">
+    <a:clrScheme name="Retrospect">
       <a:dk1>
-        <a:sysClr val="windowText" lastClr="000000"/>
+        <a:srgbClr val="000000"/>
       </a:dk1>
       <a:lt1>
         <a:sysClr val="window" lastClr="FFFFFF"/>
       </a:lt1>
       <a:dk2>
-        <a:srgbClr val="0E2841"/>
+        <a:srgbClr val="637052"/>
       </a:dk2>
       <a:lt2>
-        <a:srgbClr val="E8E8E8"/>
+        <a:srgbClr val="CCDDEA"/>
       </a:lt2>
       <a:accent1>
-        <a:srgbClr val="156082"/>
+        <a:srgbClr val="E48312"/>
       </a:accent1>
       <a:accent2>
-        <a:srgbClr val="E97132"/>
+        <a:srgbClr val="BD582C"/>
       </a:accent2>
       <a:accent3>
-        <a:srgbClr val="196B24"/>
+        <a:srgbClr val="865640"/>
       </a:accent3>
       <a:accent4>
-        <a:srgbClr val="0F9ED5"/>
+        <a:srgbClr val="9B8357"/>
       </a:accent4>
       <a:accent5>
-        <a:srgbClr val="A02B93"/>
+        <a:srgbClr val="C2BC80"/>
       </a:accent5>
       <a:accent6>
-        <a:srgbClr val="4EA72E"/>
+        <a:srgbClr val="94A088"/>
       </a:accent6>
       <a:hlink>
-        <a:srgbClr val="467886"/>
+        <a:srgbClr val="2998E3"/>
       </a:hlink>
       <a:folHlink>
-        <a:srgbClr val="96607D"/>
+        <a:srgbClr val="8C8C8C"/>
       </a:folHlink>
     </a:clrScheme>
-    <a:fontScheme name="Office">
+    <a:fontScheme name="Retrospect">
       <a:majorFont>
-        <a:latin typeface="Aptos Display" panose="02110004020202020204"/>
+        <a:latin typeface="Calibri Light" panose="020F0302020204030204"/>
         <a:ea typeface=""/>
         <a:cs typeface=""/>
-        <a:font script="Jpan" typeface="游ゴシック Light"/>
+        <a:font script="Jpan" typeface="ＭＳ Ｐゴシック"/>
         <a:font script="Hang" typeface="맑은 고딕"/>
-        <a:font script="Hans" typeface="等线 Light"/>
+        <a:font script="Hans" typeface="宋体"/>
         <a:font script="Hant" typeface="新細明體"/>
         <a:font script="Arab" typeface="Times New Roman"/>
         <a:font script="Hebr" typeface="Times New Roman"/>
@@ -6167,31 +6969,14 @@
         <a:font script="Viet" typeface="Times New Roman"/>
         <a:font script="Uigh" typeface="Microsoft Uighur"/>
         <a:font script="Geor" typeface="Sylfaen"/>
-        <a:font script="Armn" typeface="Arial"/>
-        <a:font script="Bugi" typeface="Leelawadee UI"/>
-        <a:font script="Bopo" typeface="Microsoft JhengHei"/>
-        <a:font script="Java" typeface="Javanese Text"/>
-        <a:font script="Lisu" typeface="Segoe UI"/>
-        <a:font script="Mymr" typeface="Myanmar Text"/>
-        <a:font script="Nkoo" typeface="Ebrima"/>
-        <a:font script="Olck" typeface="Nirmala UI"/>
-        <a:font script="Osma" typeface="Ebrima"/>
-        <a:font script="Phag" typeface="Phagspa"/>
-        <a:font script="Syrn" typeface="Estrangelo Edessa"/>
-        <a:font script="Syrj" typeface="Estrangelo Edessa"/>
-        <a:font script="Syre" typeface="Estrangelo Edessa"/>
-        <a:font script="Sora" typeface="Nirmala UI"/>
-        <a:font script="Tale" typeface="Microsoft Tai Le"/>
-        <a:font script="Talu" typeface="Microsoft New Tai Lue"/>
-        <a:font script="Tfng" typeface="Ebrima"/>
       </a:majorFont>
       <a:minorFont>
-        <a:latin typeface="Aptos" panose="02110004020202020204"/>
+        <a:latin typeface="Calibri" panose="020F0502020204030204"/>
         <a:ea typeface=""/>
         <a:cs typeface=""/>
-        <a:font script="Jpan" typeface="游ゴシック"/>
+        <a:font script="Jpan" typeface="ＭＳ Ｐゴシック"/>
         <a:font script="Hang" typeface="맑은 고딕"/>
-        <a:font script="Hans" typeface="等线"/>
+        <a:font script="Hans" typeface="宋体"/>
         <a:font script="Hant" typeface="新細明體"/>
         <a:font script="Arab" typeface="Arial"/>
         <a:font script="Hebr" typeface="Arial"/>
@@ -6219,26 +7004,9 @@
         <a:font script="Viet" typeface="Arial"/>
         <a:font script="Uigh" typeface="Microsoft Uighur"/>
         <a:font script="Geor" typeface="Sylfaen"/>
-        <a:font script="Armn" typeface="Arial"/>
-        <a:font script="Bugi" typeface="Leelawadee UI"/>
-        <a:font script="Bopo" typeface="Microsoft JhengHei"/>
-        <a:font script="Java" typeface="Javanese Text"/>
-        <a:font script="Lisu" typeface="Segoe UI"/>
-        <a:font script="Mymr" typeface="Myanmar Text"/>
-        <a:font script="Nkoo" typeface="Ebrima"/>
-        <a:font script="Olck" typeface="Nirmala UI"/>
-        <a:font script="Osma" typeface="Ebrima"/>
-        <a:font script="Phag" typeface="Phagspa"/>
-        <a:font script="Syrn" typeface="Estrangelo Edessa"/>
-        <a:font script="Syrj" typeface="Estrangelo Edessa"/>
-        <a:font script="Syre" typeface="Estrangelo Edessa"/>
-        <a:font script="Sora" typeface="Nirmala UI"/>
-        <a:font script="Tale" typeface="Microsoft Tai Le"/>
-        <a:font script="Talu" typeface="Microsoft New Tai Lue"/>
-        <a:font script="Tfng" typeface="Ebrima"/>
       </a:minorFont>
     </a:fontScheme>
-    <a:fmtScheme name="Office">
+    <a:fmtScheme name="Retrospect">
       <a:fillStyleLst>
         <a:solidFill>
           <a:schemeClr val="phClr"/>
@@ -6247,53 +7015,61 @@
           <a:gsLst>
             <a:gs pos="0">
               <a:schemeClr val="phClr">
-                <a:lumMod val="110000"/>
-                <a:satMod val="105000"/>
-                <a:tint val="67000"/>
+                <a:tint val="65000"/>
+                <a:shade val="92000"/>
+                <a:satMod val="130000"/>
               </a:schemeClr>
             </a:gs>
-            <a:gs pos="50000">
+            <a:gs pos="45000">
               <a:schemeClr val="phClr">
-                <a:lumMod val="105000"/>
-                <a:satMod val="103000"/>
-                <a:tint val="73000"/>
+                <a:tint val="60000"/>
+                <a:shade val="99000"/>
+                <a:satMod val="120000"/>
               </a:schemeClr>
             </a:gs>
             <a:gs pos="100000">
               <a:schemeClr val="phClr">
-                <a:lumMod val="105000"/>
-                <a:satMod val="109000"/>
-                <a:tint val="81000"/>
+                <a:tint val="55000"/>
+                <a:satMod val="140000"/>
               </a:schemeClr>
             </a:gs>
           </a:gsLst>
-          <a:lin ang="5400000" scaled="0"/>
+          <a:path path="circle">
+            <a:fillToRect l="100000" t="100000" r="100000" b="100000"/>
+          </a:path>
         </a:gradFill>
         <a:gradFill rotWithShape="1">
           <a:gsLst>
             <a:gs pos="0">
               <a:schemeClr val="phClr">
-                <a:satMod val="103000"/>
-                <a:lumMod val="102000"/>
-                <a:tint val="94000"/>
+                <a:shade val="85000"/>
+                <a:satMod val="130000"/>
               </a:schemeClr>
             </a:gs>
-            <a:gs pos="50000">
+            <a:gs pos="34000">
               <a:schemeClr val="phClr">
-                <a:satMod val="110000"/>
-                <a:lumMod val="100000"/>
-                <a:shade val="100000"/>
+                <a:shade val="87000"/>
+                <a:satMod val="125000"/>
+              </a:schemeClr>
+            </a:gs>
+            <a:gs pos="70000">
+              <a:schemeClr val="phClr">
+                <a:tint val="100000"/>
+                <a:shade val="90000"/>
+                <a:satMod val="130000"/>
               </a:schemeClr>
             </a:gs>
             <a:gs pos="100000">
               <a:schemeClr val="phClr">
-                <a:lumMod val="99000"/>
-                <a:satMod val="120000"/>
-                <a:shade val="78000"/>
+                <a:tint val="100000"/>
+                <a:shade val="100000"/>
+                <a:satMod val="110000"/>
               </a:schemeClr>
             </a:gs>
           </a:gsLst>
-          <a:lin ang="5400000" scaled="0"/>
+          <a:path path="circle">
+            <a:fillToRect l="100000" t="100000" r="100000" b="100000"/>
+          </a:path>
         </a:gradFill>
       </a:fillStyleLst>
       <a:lnStyleLst>
@@ -6302,21 +7078,18 @@
             <a:schemeClr val="phClr"/>
           </a:solidFill>
           <a:prstDash val="solid"/>
-          <a:miter lim="800000"/>
         </a:ln>
-        <a:ln w="19050" cap="flat" cmpd="sng" algn="ctr">
+        <a:ln w="15875" cap="flat" cmpd="sng" algn="ctr">
           <a:solidFill>
             <a:schemeClr val="phClr"/>
           </a:solidFill>
           <a:prstDash val="solid"/>
-          <a:miter lim="800000"/>
         </a:ln>
         <a:ln w="25400" cap="flat" cmpd="sng" algn="ctr">
           <a:solidFill>
             <a:schemeClr val="phClr"/>
           </a:solidFill>
           <a:prstDash val="solid"/>
-          <a:miter lim="800000"/>
         </a:ln>
       </a:lnStyleLst>
       <a:effectStyleLst>
@@ -6324,16 +7097,33 @@
           <a:effectLst/>
         </a:effectStyle>
         <a:effectStyle>
-          <a:effectLst/>
+          <a:effectLst>
+            <a:outerShdw blurRad="38100" dist="25400" dir="2700000" algn="br" rotWithShape="0">
+              <a:srgbClr val="000000">
+                <a:alpha val="60000"/>
+              </a:srgbClr>
+            </a:outerShdw>
+          </a:effectLst>
         </a:effectStyle>
         <a:effectStyle>
           <a:effectLst>
-            <a:outerShdw blurRad="57150" dist="19050" dir="5400000" algn="ctr" rotWithShape="0">
+            <a:outerShdw blurRad="44450" dist="25400" dir="2700000" algn="br" rotWithShape="0">
               <a:srgbClr val="000000">
-                <a:alpha val="63000"/>
+                <a:alpha val="60000"/>
               </a:srgbClr>
             </a:outerShdw>
           </a:effectLst>
+          <a:scene3d>
+            <a:camera prst="orthographicFront">
+              <a:rot lat="0" lon="0" rev="0"/>
+            </a:camera>
+            <a:lightRig rig="threePt" dir="t">
+              <a:rot lat="0" lon="0" rev="19800000"/>
+            </a:lightRig>
+          </a:scene3d>
+          <a:sp3d prstMaterial="flat">
+            <a:bevelT w="25400" h="31750"/>
+          </a:sp3d>
         </a:effectStyle>
       </a:effectStyleLst>
       <a:bgFillStyleLst>
@@ -6342,65 +7132,45 @@
         </a:solidFill>
         <a:solidFill>
           <a:schemeClr val="phClr">
-            <a:tint val="95000"/>
-            <a:satMod val="170000"/>
+            <a:tint val="90000"/>
+            <a:shade val="97000"/>
+            <a:satMod val="130000"/>
           </a:schemeClr>
         </a:solidFill>
         <a:gradFill rotWithShape="1">
           <a:gsLst>
             <a:gs pos="0">
               <a:schemeClr val="phClr">
-                <a:tint val="93000"/>
-                <a:satMod val="150000"/>
-                <a:shade val="98000"/>
-                <a:lumMod val="102000"/>
+                <a:tint val="96000"/>
+                <a:shade val="99000"/>
+                <a:satMod val="140000"/>
               </a:schemeClr>
             </a:gs>
-            <a:gs pos="50000">
+            <a:gs pos="65000">
               <a:schemeClr val="phClr">
-                <a:tint val="98000"/>
+                <a:tint val="100000"/>
+                <a:shade val="80000"/>
                 <a:satMod val="130000"/>
-                <a:shade val="90000"/>
-                <a:lumMod val="103000"/>
               </a:schemeClr>
             </a:gs>
             <a:gs pos="100000">
               <a:schemeClr val="phClr">
-                <a:shade val="63000"/>
+                <a:tint val="100000"/>
+                <a:shade val="48000"/>
                 <a:satMod val="120000"/>
               </a:schemeClr>
             </a:gs>
           </a:gsLst>
-          <a:lin ang="5400000" scaled="0"/>
+          <a:lin ang="16200000" scaled="0"/>
         </a:gradFill>
       </a:bgFillStyleLst>
     </a:fmtScheme>
   </a:themeElements>
-  <a:objectDefaults>
-    <a:lnDef>
-      <a:spPr/>
-      <a:bodyPr/>
-      <a:lstStyle/>
-      <a:style>
-        <a:lnRef idx="2">
-          <a:schemeClr val="accent1"/>
-        </a:lnRef>
-        <a:fillRef idx="0">
-          <a:schemeClr val="accent1"/>
-        </a:fillRef>
-        <a:effectRef idx="1">
-          <a:schemeClr val="accent1"/>
-        </a:effectRef>
-        <a:fontRef idx="minor">
-          <a:schemeClr val="tx1"/>
-        </a:fontRef>
-      </a:style>
-    </a:lnDef>
-  </a:objectDefaults>
+  <a:objectDefaults/>
   <a:extraClrSchemeLst/>
   <a:extLst>
     <a:ext uri="{05A4C25C-085E-4340-85A3-A5531E510DB2}">
-      <thm15:themeFamily xmlns:thm15="http://schemas.microsoft.com/office/thememl/2012/main" name="Office Theme" id="{2E142A2C-CD16-42D6-873A-C26D2A0506FA}" vid="{1BDDFF52-6CD6-40A5-AB3C-68EB2F1E4D0A}"/>
+      <thm15:themeFamily xmlns:thm15="http://schemas.microsoft.com/office/thememl/2012/main" name="Retrospect" id="{5F128B03-DCCA-4EEB-AB3B-CF2899314A46}" vid="{3F1AAB62-24C6-49D2-8E01-B56FAC9A3DCD}"/>
     </a:ext>
   </a:extLst>
 </a:theme>

--- a/Sessions/Intro to PowerShell Automation for the MSSQL DBA/2025-07-19 - SQLSATSF/Intro to powershell Automation.pptx
+++ b/Sessions/Intro to PowerShell Automation for the MSSQL DBA/2025-07-19 - SQLSATSF/Intro to powershell Automation.pptx
@@ -10,16 +10,16 @@
     <p:sldId id="259" r:id="rId4"/>
     <p:sldId id="260" r:id="rId5"/>
     <p:sldId id="261" r:id="rId6"/>
-    <p:sldId id="262" r:id="rId7"/>
-    <p:sldId id="263" r:id="rId8"/>
-    <p:sldId id="264" r:id="rId9"/>
-    <p:sldId id="265" r:id="rId10"/>
-    <p:sldId id="266" r:id="rId11"/>
-    <p:sldId id="267" r:id="rId12"/>
-    <p:sldId id="268" r:id="rId13"/>
-    <p:sldId id="269" r:id="rId14"/>
-    <p:sldId id="270" r:id="rId15"/>
-    <p:sldId id="271" r:id="rId16"/>
+    <p:sldId id="269" r:id="rId7"/>
+    <p:sldId id="262" r:id="rId8"/>
+    <p:sldId id="270" r:id="rId9"/>
+    <p:sldId id="263" r:id="rId10"/>
+    <p:sldId id="264" r:id="rId11"/>
+    <p:sldId id="265" r:id="rId12"/>
+    <p:sldId id="271" r:id="rId13"/>
+    <p:sldId id="266" r:id="rId14"/>
+    <p:sldId id="267" r:id="rId15"/>
+    <p:sldId id="268" r:id="rId16"/>
     <p:sldId id="276" r:id="rId17"/>
   </p:sldIdLst>
   <p:sldSz cx="12192000" cy="6858000"/>
@@ -4194,7 +4194,7 @@
           <p:cNvPr id="2" name="Title 1">
             <a:extLst>
               <a:ext uri="{FF2B5EF4-FFF2-40B4-BE49-F238E27FC236}">
-                <a16:creationId xmlns:a16="http://schemas.microsoft.com/office/drawing/2014/main" id="{3663177C-7DCC-66B9-918B-873A6323D27A}"/>
+                <a16:creationId xmlns:a16="http://schemas.microsoft.com/office/drawing/2014/main" id="{F93769FE-38A3-84EC-8204-B016F5E0DC71}"/>
               </a:ext>
             </a:extLst>
           </p:cNvPr>
@@ -4207,7 +4207,9 @@
         </p:nvSpPr>
         <p:spPr/>
         <p:txBody>
-          <a:bodyPr/>
+          <a:bodyPr>
+            <a:normAutofit/>
+          </a:bodyPr>
           <a:lstStyle/>
           <a:p>
             <a:pPr marR="0" rtl="0"/>
@@ -4227,14 +4229,17 @@
                 </a:solidFill>
                 <a:latin typeface="Times New Roman" panose="02020603050405020304" pitchFamily="18" charset="0"/>
               </a:rPr>
-              <a:t>Slide 11: Recap and Next Steps</a:t>
-            </a:r>
-            <a:endParaRPr lang="en-US" b="0" i="0" u="none" strike="noStrike" kern="100" baseline="0">
-              <a:solidFill>
-                <a:srgbClr val="0F4761"/>
-              </a:solidFill>
-              <a:latin typeface="Times New Roman" panose="02020603050405020304" pitchFamily="18" charset="0"/>
-            </a:endParaRPr>
+              <a:t>Slide 9: Immediate Impact for DBAs</a:t>
+            </a:r>
+            <a:r>
+              <a:rPr lang="en-US" b="0" i="0" u="none" strike="noStrike" kern="100" baseline="0">
+                <a:solidFill>
+                  <a:srgbClr val="0F4761"/>
+                </a:solidFill>
+                <a:latin typeface="Times New Roman" panose="02020603050405020304" pitchFamily="18" charset="0"/>
+              </a:rPr>
+              <a:t> (7 Minutes)</a:t>
+            </a:r>
           </a:p>
         </p:txBody>
       </p:sp>
@@ -4243,7 +4248,7 @@
           <p:cNvPr id="3" name="Text Placeholder 2">
             <a:extLst>
               <a:ext uri="{FF2B5EF4-FFF2-40B4-BE49-F238E27FC236}">
-                <a16:creationId xmlns:a16="http://schemas.microsoft.com/office/drawing/2014/main" id="{C5184EE5-5FEC-2C75-B3FC-6C9249139BD1}"/>
+                <a16:creationId xmlns:a16="http://schemas.microsoft.com/office/drawing/2014/main" id="{2C4D6E0E-4DAD-6A0F-5EB6-B68247E61056}"/>
               </a:ext>
             </a:extLst>
           </p:cNvPr>
@@ -4267,7 +4272,7 @@
                 </a:solidFill>
                 <a:latin typeface="Times New Roman" panose="02020603050405020304" pitchFamily="18" charset="0"/>
               </a:rPr>
-              <a:t>    ◦ </a:t>
+              <a:t>    ◦ Attendees will be </a:t>
             </a:r>
             <a:r>
               <a:rPr lang="en-US" b="1" i="0" u="none" strike="noStrike" kern="100" baseline="0">
@@ -4276,16 +4281,16 @@
                 </a:solidFill>
                 <a:latin typeface="Times New Roman" panose="02020603050405020304" pitchFamily="18" charset="0"/>
               </a:rPr>
-              <a:t>Recap of Key Takeaways</a:t>
-            </a:r>
-            <a:r>
-              <a:rPr lang="en-US" b="0" i="0" u="none" strike="noStrike" kern="100" baseline="0">
-                <a:solidFill>
-                  <a:srgbClr val="0F4761"/>
-                </a:solidFill>
-                <a:latin typeface="Times New Roman" panose="02020603050405020304" pitchFamily="18" charset="0"/>
-              </a:rPr>
-              <a:t>: Reiterate the value of PowerShell automation for efficiency, reliability, and career advancement [derived from 1, 6, 10].</a:t>
+              <a:t>equipped to solve DBA issues faster</a:t>
+            </a:r>
+            <a:r>
+              <a:rPr lang="en-US" b="0" i="0" u="none" strike="noStrike" kern="100" baseline="0">
+                <a:solidFill>
+                  <a:srgbClr val="0F4761"/>
+                </a:solidFill>
+                <a:latin typeface="Times New Roman" panose="02020603050405020304" pitchFamily="18" charset="0"/>
+              </a:rPr>
+              <a:t> [2, 4, 6, 9-11].</a:t>
             </a:r>
           </a:p>
           <a:p>
@@ -4297,25 +4302,19 @@
                 </a:solidFill>
                 <a:latin typeface="Times New Roman" panose="02020603050405020304" pitchFamily="18" charset="0"/>
               </a:rPr>
-              <a:t>    ◦ </a:t>
-            </a:r>
-            <a:r>
-              <a:rPr lang="en-US" b="1" i="0" u="none" strike="noStrike" kern="100" baseline="0">
-                <a:solidFill>
-                  <a:srgbClr val="0F4761"/>
-                </a:solidFill>
-                <a:latin typeface="Times New Roman" panose="02020603050405020304" pitchFamily="18" charset="0"/>
-              </a:rPr>
-              <a:t>Path Forward</a:t>
-            </a:r>
-            <a:r>
-              <a:rPr lang="en-US" b="0" i="0" u="none" strike="noStrike" kern="100" baseline="0">
-                <a:solidFill>
-                  <a:srgbClr val="0F4761"/>
-                </a:solidFill>
-                <a:latin typeface="Times New Roman" panose="02020603050405020304" pitchFamily="18" charset="0"/>
-              </a:rPr>
-              <a:t>: Encourage continued learning and exploration of PowerShell for advanced DBA tasks [implied, 6, 10].</a:t>
+              <a:t>    ◦ Gaining practical skills to improve their daily efficiency [2, 9-11].</a:t>
+            </a:r>
+          </a:p>
+          <a:p>
+            <a:pPr marR="0" lvl="0" rtl="0"/>
+            <a:r>
+              <a:rPr lang="en-US" b="0" i="0" u="none" strike="noStrike" kern="100" baseline="0">
+                <a:solidFill>
+                  <a:srgbClr val="0F4761"/>
+                </a:solidFill>
+                <a:latin typeface="Times New Roman" panose="02020603050405020304" pitchFamily="18" charset="0"/>
+              </a:rPr>
+              <a:t>    ◦ Encouraging immediate application of the learned scripting techniques to common problems [2, 9-11].</a:t>
             </a:r>
           </a:p>
         </p:txBody>
@@ -4323,7 +4322,7 @@
     </p:spTree>
     <p:extLst>
       <p:ext uri="{BB962C8B-B14F-4D97-AF65-F5344CB8AC3E}">
-        <p14:creationId xmlns:p14="http://schemas.microsoft.com/office/powerpoint/2010/main" val="1898513347"/>
+        <p14:creationId xmlns:p14="http://schemas.microsoft.com/office/powerpoint/2010/main" val="1315249408"/>
       </p:ext>
     </p:extLst>
   </p:cSld>
@@ -4355,7 +4354,7 @@
           <p:cNvPr id="2" name="Title 1">
             <a:extLst>
               <a:ext uri="{FF2B5EF4-FFF2-40B4-BE49-F238E27FC236}">
-                <a16:creationId xmlns:a16="http://schemas.microsoft.com/office/drawing/2014/main" id="{0476B8B1-3D76-6598-EA9A-9FA944544736}"/>
+                <a16:creationId xmlns:a16="http://schemas.microsoft.com/office/drawing/2014/main" id="{7471C3FE-4662-B03B-78FC-642D2A3A2BAD}"/>
               </a:ext>
             </a:extLst>
           </p:cNvPr>
@@ -4368,7 +4367,9 @@
         </p:nvSpPr>
         <p:spPr/>
         <p:txBody>
-          <a:bodyPr/>
+          <a:bodyPr>
+            <a:normAutofit fontScale="90000"/>
+          </a:bodyPr>
           <a:lstStyle/>
           <a:p>
             <a:pPr marR="0" rtl="0"/>
@@ -4388,14 +4389,17 @@
                 </a:solidFill>
                 <a:latin typeface="Times New Roman" panose="02020603050405020304" pitchFamily="18" charset="0"/>
               </a:rPr>
-              <a:t>Slide 12: Q&amp;A / Thank You</a:t>
-            </a:r>
-            <a:endParaRPr lang="en-US" b="0" i="0" u="none" strike="noStrike" kern="100" baseline="0">
-              <a:solidFill>
-                <a:srgbClr val="0F4761"/>
-              </a:solidFill>
-              <a:latin typeface="Times New Roman" panose="02020603050405020304" pitchFamily="18" charset="0"/>
-            </a:endParaRPr>
+              <a:t>Slide 10: Strategic Advantage: Future-Proofing Your Skills</a:t>
+            </a:r>
+            <a:r>
+              <a:rPr lang="en-US" b="0" i="0" u="none" strike="noStrike" kern="100" baseline="0">
+                <a:solidFill>
+                  <a:srgbClr val="0F4761"/>
+                </a:solidFill>
+                <a:latin typeface="Times New Roman" panose="02020603050405020304" pitchFamily="18" charset="0"/>
+              </a:rPr>
+              <a:t> (8 Minutes)</a:t>
+            </a:r>
           </a:p>
         </p:txBody>
       </p:sp>
@@ -4404,7 +4408,7 @@
           <p:cNvPr id="3" name="Text Placeholder 2">
             <a:extLst>
               <a:ext uri="{FF2B5EF4-FFF2-40B4-BE49-F238E27FC236}">
-                <a16:creationId xmlns:a16="http://schemas.microsoft.com/office/drawing/2014/main" id="{1693B5B4-69AF-ED80-A921-5C915DE7A0F4}"/>
+                <a16:creationId xmlns:a16="http://schemas.microsoft.com/office/drawing/2014/main" id="{E120C852-AD1B-193C-EF03-03D02426CC22}"/>
               </a:ext>
             </a:extLst>
           </p:cNvPr>
@@ -4428,7 +4432,55 @@
                 </a:solidFill>
                 <a:latin typeface="Times New Roman" panose="02020603050405020304" pitchFamily="18" charset="0"/>
               </a:rPr>
-              <a:t>--------------------------------------------------------------------------------</a:t>
+              <a:t>    ◦ Discuss how automation skills are crucial for </a:t>
+            </a:r>
+            <a:r>
+              <a:rPr lang="en-US" b="1" i="0" u="none" strike="noStrike" kern="100" baseline="0">
+                <a:solidFill>
+                  <a:srgbClr val="0F4761"/>
+                </a:solidFill>
+                <a:latin typeface="Times New Roman" panose="02020603050405020304" pitchFamily="18" charset="0"/>
+              </a:rPr>
+              <a:t>adapting to new technologies, cloud environments, and evolving database platforms</a:t>
+            </a:r>
+            <a:r>
+              <a:rPr lang="en-US" b="0" i="0" u="none" strike="noStrike" kern="100" baseline="0">
+                <a:solidFill>
+                  <a:srgbClr val="0F4761"/>
+                </a:solidFill>
+                <a:latin typeface="Times New Roman" panose="02020603050405020304" pitchFamily="18" charset="0"/>
+              </a:rPr>
+              <a:t> [2, 9-11].</a:t>
+            </a:r>
+          </a:p>
+          <a:p>
+            <a:pPr marR="0" lvl="0" rtl="0"/>
+            <a:r>
+              <a:rPr lang="en-US" b="0" i="0" u="none" strike="noStrike" kern="100" baseline="0">
+                <a:solidFill>
+                  <a:srgbClr val="0F4761"/>
+                </a:solidFill>
+                <a:latin typeface="Times New Roman" panose="02020603050405020304" pitchFamily="18" charset="0"/>
+              </a:rPr>
+              <a:t>    ◦ Positioning PowerShell proficiency as a </a:t>
+            </a:r>
+            <a:r>
+              <a:rPr lang="en-US" b="1" i="0" u="none" strike="noStrike" kern="100" baseline="0">
+                <a:solidFill>
+                  <a:srgbClr val="0F4761"/>
+                </a:solidFill>
+                <a:latin typeface="Times New Roman" panose="02020603050405020304" pitchFamily="18" charset="0"/>
+              </a:rPr>
+              <a:t>valuable asset for career growth</a:t>
+            </a:r>
+            <a:r>
+              <a:rPr lang="en-US" b="0" i="0" u="none" strike="noStrike" kern="100" baseline="0">
+                <a:solidFill>
+                  <a:srgbClr val="0F4761"/>
+                </a:solidFill>
+                <a:latin typeface="Times New Roman" panose="02020603050405020304" pitchFamily="18" charset="0"/>
+              </a:rPr>
+              <a:t> and staying relevant in the field [2, 9-11].</a:t>
             </a:r>
           </a:p>
         </p:txBody>
@@ -4436,7 +4488,7 @@
     </p:spTree>
     <p:extLst>
       <p:ext uri="{BB962C8B-B14F-4D97-AF65-F5344CB8AC3E}">
-        <p14:creationId xmlns:p14="http://schemas.microsoft.com/office/powerpoint/2010/main" val="2687177799"/>
+        <p14:creationId xmlns:p14="http://schemas.microsoft.com/office/powerpoint/2010/main" val="1179783152"/>
       </p:ext>
     </p:extLst>
   </p:cSld>
@@ -4468,7 +4520,7 @@
           <p:cNvPr id="2" name="Title 1">
             <a:extLst>
               <a:ext uri="{FF2B5EF4-FFF2-40B4-BE49-F238E27FC236}">
-                <a16:creationId xmlns:a16="http://schemas.microsoft.com/office/drawing/2014/main" id="{F7E51A0F-7038-9AE1-03AC-86284D7D18B5}"/>
+                <a16:creationId xmlns:a16="http://schemas.microsoft.com/office/drawing/2014/main" id="{ACC14A1B-7546-26CD-3D7E-C439EE5E16E5}"/>
               </a:ext>
             </a:extLst>
           </p:cNvPr>
@@ -4481,18 +4533,29 @@
         </p:nvSpPr>
         <p:spPr/>
         <p:txBody>
-          <a:bodyPr/>
+          <a:bodyPr>
+            <a:normAutofit/>
+          </a:bodyPr>
           <a:lstStyle/>
           <a:p>
             <a:pPr marR="0" rtl="0"/>
             <a:r>
+              <a:rPr lang="en-US" b="0" i="0" u="none" strike="noStrike" kern="100" baseline="0">
+                <a:solidFill>
+                  <a:srgbClr val="0F4761"/>
+                </a:solidFill>
+                <a:latin typeface="Times New Roman" panose="02020603050405020304" pitchFamily="18" charset="0"/>
+              </a:rPr>
+              <a:t> </a:t>
+            </a:r>
+            <a:r>
               <a:rPr lang="en-US" b="1" i="0" u="none" strike="noStrike" kern="100" baseline="0">
                 <a:solidFill>
                   <a:srgbClr val="0F4761"/>
                 </a:solidFill>
                 <a:latin typeface="Times New Roman" panose="02020603050405020304" pitchFamily="18" charset="0"/>
               </a:rPr>
-              <a:t>Supporting Labs for the Session</a:t>
+              <a:t>Lab 3: Automating a Basic Health Check (Service Status)</a:t>
             </a:r>
             <a:endParaRPr lang="en-US" b="0" i="0" u="none" strike="noStrike" kern="100" baseline="0">
               <a:solidFill>
@@ -4508,7 +4571,7 @@
           <p:cNvPr id="3" name="Text Placeholder 2">
             <a:extLst>
               <a:ext uri="{FF2B5EF4-FFF2-40B4-BE49-F238E27FC236}">
-                <a16:creationId xmlns:a16="http://schemas.microsoft.com/office/drawing/2014/main" id="{D0D7E90E-DD87-905E-DCDD-A5980F2BADCD}"/>
+                <a16:creationId xmlns:a16="http://schemas.microsoft.com/office/drawing/2014/main" id="{0DC3DF31-8ED3-D196-CEEF-71D6C37D5B5B}"/>
               </a:ext>
             </a:extLst>
           </p:cNvPr>
@@ -4534,25 +4597,25 @@
                 </a:solidFill>
                 <a:latin typeface="Times New Roman" panose="02020603050405020304" pitchFamily="18" charset="0"/>
               </a:rPr>
-              <a:t>While the sources do not explicitly provide detailed lab descriptions, they do indicate the </a:t>
-            </a:r>
-            <a:r>
-              <a:rPr lang="en-US" b="0" i="1" u="none" strike="noStrike" kern="100" baseline="0">
-                <a:solidFill>
-                  <a:srgbClr val="0F4761"/>
-                </a:solidFill>
-                <a:latin typeface="Times New Roman" panose="02020603050405020304" pitchFamily="18" charset="0"/>
-              </a:rPr>
-              <a:t>types</a:t>
-            </a:r>
-            <a:r>
-              <a:rPr lang="en-US" b="0" i="0" u="none" strike="noStrike" kern="100" baseline="0">
-                <a:solidFill>
-                  <a:srgbClr val="0F4761"/>
-                </a:solidFill>
-                <a:latin typeface="Times New Roman" panose="02020603050405020304" pitchFamily="18" charset="0"/>
-              </a:rPr>
-              <a:t> of practical examples that would be included in a "full session" [7, 8]. The session's abstract also emphasizes creating "easily packaged scripts that are quicker to deploy and less error prone" [4].</a:t>
+              <a:t>    ◦ </a:t>
+            </a:r>
+            <a:r>
+              <a:rPr lang="en-US" b="1" i="0" u="none" strike="noStrike" kern="100" baseline="0">
+                <a:solidFill>
+                  <a:srgbClr val="0F4761"/>
+                </a:solidFill>
+                <a:latin typeface="Times New Roman" panose="02020603050405020304" pitchFamily="18" charset="0"/>
+              </a:rPr>
+              <a:t>Objective:</a:t>
+            </a:r>
+            <a:r>
+              <a:rPr lang="en-US" b="0" i="0" u="none" strike="noStrike" kern="100" baseline="0">
+                <a:solidFill>
+                  <a:srgbClr val="0F4761"/>
+                </a:solidFill>
+                <a:latin typeface="Times New Roman" panose="02020603050405020304" pitchFamily="18" charset="0"/>
+              </a:rPr>
+              <a:t> To illustrate how automation makes tasks "less error prone" [2, 4, 7, 8] and ensures consistency.</a:t>
             </a:r>
           </a:p>
           <a:p>
@@ -4564,7 +4627,7 @@
                 </a:solidFill>
                 <a:latin typeface="Times New Roman" panose="02020603050405020304" pitchFamily="18" charset="0"/>
               </a:rPr>
-              <a:t>Based on these cues, supporting labs would focus on converting common DBA tasks into PowerShell scripts, reinforcing the benefits of automation. </a:t>
+              <a:t>    ◦ </a:t>
             </a:r>
             <a:r>
               <a:rPr lang="en-US" b="1" i="0" u="none" strike="noStrike" kern="100" baseline="0">
@@ -4573,7 +4636,16 @@
                 </a:solidFill>
                 <a:latin typeface="Times New Roman" panose="02020603050405020304" pitchFamily="18" charset="0"/>
               </a:rPr>
-              <a:t>It's important to note that the specific lab steps or scripts are not detailed in the provided sources; these are inferred potential lab topics.</a:t>
+              <a:t>Activities:</a:t>
+            </a:r>
+            <a:r>
+              <a:rPr lang="en-US" b="0" i="0" u="none" strike="noStrike" kern="100" baseline="0">
+                <a:solidFill>
+                  <a:srgbClr val="0F4761"/>
+                </a:solidFill>
+                <a:latin typeface="Times New Roman" panose="02020603050405020304" pitchFamily="18" charset="0"/>
+              </a:rPr>
+              <a:t> * Create a PowerShell script that checks the status of SQL Server services (e.g., MSSQLSERVER, SQLSERVERAGENT) on a given server [implied from "health checks" and "monitoring" in 4, 9]. * Implement basic conditional logic (e.g., if a service is stopped, output a warning). * Discuss how standardizing this check via script reduces human error compared to manual verification.</a:t>
             </a:r>
           </a:p>
           <a:p>
@@ -4585,7 +4657,7 @@
                 </a:solidFill>
                 <a:latin typeface="Times New Roman" panose="02020603050405020304" pitchFamily="18" charset="0"/>
               </a:rPr>
-              <a:t>Here are some suggested supporting lab ideas:</a:t>
+              <a:t>These labs would directly support the session's core section on "Transforming Common DBA Tasks into Efficient Scripts" [7, 8], allowing attendees to apply the concepts of identifying tasks and converting them into PowerShell for quicker deployment and fewer errors [2, 4, 7, 8]</a:t>
             </a:r>
           </a:p>
         </p:txBody>
@@ -4593,7 +4665,7 @@
     </p:spTree>
     <p:extLst>
       <p:ext uri="{BB962C8B-B14F-4D97-AF65-F5344CB8AC3E}">
-        <p14:creationId xmlns:p14="http://schemas.microsoft.com/office/powerpoint/2010/main" val="1931698663"/>
+        <p14:creationId xmlns:p14="http://schemas.microsoft.com/office/powerpoint/2010/main" val="3523142422"/>
       </p:ext>
     </p:extLst>
   </p:cSld>
@@ -4625,7 +4697,7 @@
           <p:cNvPr id="2" name="Title 1">
             <a:extLst>
               <a:ext uri="{FF2B5EF4-FFF2-40B4-BE49-F238E27FC236}">
-                <a16:creationId xmlns:a16="http://schemas.microsoft.com/office/drawing/2014/main" id="{A4916196-7513-12CD-4C90-ABDAB3260DB1}"/>
+                <a16:creationId xmlns:a16="http://schemas.microsoft.com/office/drawing/2014/main" id="{3663177C-7DCC-66B9-918B-873A6323D27A}"/>
               </a:ext>
             </a:extLst>
           </p:cNvPr>
@@ -4638,9 +4710,7 @@
         </p:nvSpPr>
         <p:spPr/>
         <p:txBody>
-          <a:bodyPr>
-            <a:normAutofit fontScale="90000"/>
-          </a:bodyPr>
+          <a:bodyPr/>
           <a:lstStyle/>
           <a:p>
             <a:pPr marR="0" rtl="0"/>
@@ -4660,7 +4730,7 @@
                 </a:solidFill>
                 <a:latin typeface="Times New Roman" panose="02020603050405020304" pitchFamily="18" charset="0"/>
               </a:rPr>
-              <a:t>Lab 1: PowerShell Environment Setup &amp; Basic SQL Server Connectivity</a:t>
+              <a:t>Slide 11: Recap and Next Steps</a:t>
             </a:r>
             <a:endParaRPr lang="en-US" b="0" i="0" u="none" strike="noStrike" kern="100" baseline="0">
               <a:solidFill>
@@ -4676,7 +4746,7 @@
           <p:cNvPr id="3" name="Text Placeholder 2">
             <a:extLst>
               <a:ext uri="{FF2B5EF4-FFF2-40B4-BE49-F238E27FC236}">
-                <a16:creationId xmlns:a16="http://schemas.microsoft.com/office/drawing/2014/main" id="{751146DB-FA9F-759E-A1FA-C73D3732ADBB}"/>
+                <a16:creationId xmlns:a16="http://schemas.microsoft.com/office/drawing/2014/main" id="{C5184EE5-5FEC-2C75-B3FC-6C9249139BD1}"/>
               </a:ext>
             </a:extLst>
           </p:cNvPr>
@@ -4709,16 +4779,16 @@
                 </a:solidFill>
                 <a:latin typeface="Times New Roman" panose="02020603050405020304" pitchFamily="18" charset="0"/>
               </a:rPr>
-              <a:t>Objective:</a:t>
-            </a:r>
-            <a:r>
-              <a:rPr lang="en-US" b="0" i="0" u="none" strike="noStrike" kern="100" baseline="0">
-                <a:solidFill>
-                  <a:srgbClr val="0F4761"/>
-                </a:solidFill>
-                <a:latin typeface="Times New Roman" panose="02020603050405020304" pitchFamily="18" charset="0"/>
-              </a:rPr>
-              <a:t> To ensure participants have a working PowerShell environment and can connect to a SQL Server instance.</a:t>
+              <a:t>Recap of Key Takeaways</a:t>
+            </a:r>
+            <a:r>
+              <a:rPr lang="en-US" b="0" i="0" u="none" strike="noStrike" kern="100" baseline="0">
+                <a:solidFill>
+                  <a:srgbClr val="0F4761"/>
+                </a:solidFill>
+                <a:latin typeface="Times New Roman" panose="02020603050405020304" pitchFamily="18" charset="0"/>
+              </a:rPr>
+              <a:t>: Reiterate the value of PowerShell automation for efficiency, reliability, and career advancement [derived from 1, 6, 10].</a:t>
             </a:r>
           </a:p>
           <a:p>
@@ -4739,16 +4809,16 @@
                 </a:solidFill>
                 <a:latin typeface="Times New Roman" panose="02020603050405020304" pitchFamily="18" charset="0"/>
               </a:rPr>
-              <a:t>Activities:</a:t>
-            </a:r>
-            <a:r>
-              <a:rPr lang="en-US" b="0" i="0" u="none" strike="noStrike" kern="100" baseline="0">
-                <a:solidFill>
-                  <a:srgbClr val="0F4761"/>
-                </a:solidFill>
-                <a:latin typeface="Times New Roman" panose="02020603050405020304" pitchFamily="18" charset="0"/>
-              </a:rPr>
-              <a:t> * Verify PowerShell version and necessary modules (e.g., SqlServer module). * Establish a connection to a local or provided SQL Server instance using PowerShell. * Execute a very basic cmdlet to retrieve SQL Server instance information (e.g., Get-DbaInstance).</a:t>
+              <a:t>Path Forward</a:t>
+            </a:r>
+            <a:r>
+              <a:rPr lang="en-US" b="0" i="0" u="none" strike="noStrike" kern="100" baseline="0">
+                <a:solidFill>
+                  <a:srgbClr val="0F4761"/>
+                </a:solidFill>
+                <a:latin typeface="Times New Roman" panose="02020603050405020304" pitchFamily="18" charset="0"/>
+              </a:rPr>
+              <a:t>: Encourage continued learning and exploration of PowerShell for advanced DBA tasks [implied, 6, 10].</a:t>
             </a:r>
           </a:p>
         </p:txBody>
@@ -4756,7 +4826,7 @@
     </p:spTree>
     <p:extLst>
       <p:ext uri="{BB962C8B-B14F-4D97-AF65-F5344CB8AC3E}">
-        <p14:creationId xmlns:p14="http://schemas.microsoft.com/office/powerpoint/2010/main" val="194802469"/>
+        <p14:creationId xmlns:p14="http://schemas.microsoft.com/office/powerpoint/2010/main" val="1898513347"/>
       </p:ext>
     </p:extLst>
   </p:cSld>
@@ -4788,7 +4858,7 @@
           <p:cNvPr id="2" name="Title 1">
             <a:extLst>
               <a:ext uri="{FF2B5EF4-FFF2-40B4-BE49-F238E27FC236}">
-                <a16:creationId xmlns:a16="http://schemas.microsoft.com/office/drawing/2014/main" id="{70A56297-C6A9-A69A-E2B9-F218A854039F}"/>
+                <a16:creationId xmlns:a16="http://schemas.microsoft.com/office/drawing/2014/main" id="{0476B8B1-3D76-6598-EA9A-9FA944544736}"/>
               </a:ext>
             </a:extLst>
           </p:cNvPr>
@@ -4801,9 +4871,7 @@
         </p:nvSpPr>
         <p:spPr/>
         <p:txBody>
-          <a:bodyPr>
-            <a:normAutofit/>
-          </a:bodyPr>
+          <a:bodyPr/>
           <a:lstStyle/>
           <a:p>
             <a:pPr marR="0" rtl="0"/>
@@ -4823,7 +4891,7 @@
                 </a:solidFill>
                 <a:latin typeface="Times New Roman" panose="02020603050405020304" pitchFamily="18" charset="0"/>
               </a:rPr>
-              <a:t>Lab 2: Automating a Simple SQL Server Inventory Report</a:t>
+              <a:t>Slide 12: Q&amp;A / Thank You</a:t>
             </a:r>
             <a:endParaRPr lang="en-US" b="0" i="0" u="none" strike="noStrike" kern="100" baseline="0">
               <a:solidFill>
@@ -4839,7 +4907,7 @@
           <p:cNvPr id="3" name="Text Placeholder 2">
             <a:extLst>
               <a:ext uri="{FF2B5EF4-FFF2-40B4-BE49-F238E27FC236}">
-                <a16:creationId xmlns:a16="http://schemas.microsoft.com/office/drawing/2014/main" id="{43884793-080D-D4E6-9FF8-16865509AA26}"/>
+                <a16:creationId xmlns:a16="http://schemas.microsoft.com/office/drawing/2014/main" id="{1693B5B4-69AF-ED80-A921-5C915DE7A0F4}"/>
               </a:ext>
             </a:extLst>
           </p:cNvPr>
@@ -4863,55 +4931,7 @@
                 </a:solidFill>
                 <a:latin typeface="Times New Roman" panose="02020603050405020304" pitchFamily="18" charset="0"/>
               </a:rPr>
-              <a:t>    ◦ </a:t>
-            </a:r>
-            <a:r>
-              <a:rPr lang="en-US" b="1" i="0" u="none" strike="noStrike" kern="100" baseline="0">
-                <a:solidFill>
-                  <a:srgbClr val="0F4761"/>
-                </a:solidFill>
-                <a:latin typeface="Times New Roman" panose="02020603050405020304" pitchFamily="18" charset="0"/>
-              </a:rPr>
-              <a:t>Objective:</a:t>
-            </a:r>
-            <a:r>
-              <a:rPr lang="en-US" b="0" i="0" u="none" strike="noStrike" kern="100" baseline="0">
-                <a:solidFill>
-                  <a:srgbClr val="0F4761"/>
-                </a:solidFill>
-                <a:latin typeface="Times New Roman" panose="02020603050405020304" pitchFamily="18" charset="0"/>
-              </a:rPr>
-              <a:t> To demonstrate creating an "easily packaged script" [2, 4, 7, 8] that is "quicker to deploy" [2, 4, 7, 8].</a:t>
-            </a:r>
-          </a:p>
-          <a:p>
-            <a:pPr marR="0" lvl="0" rtl="0"/>
-            <a:r>
-              <a:rPr lang="en-US" b="0" i="0" u="none" strike="noStrike" kern="100" baseline="0">
-                <a:solidFill>
-                  <a:srgbClr val="0F4761"/>
-                </a:solidFill>
-                <a:latin typeface="Times New Roman" panose="02020603050405020304" pitchFamily="18" charset="0"/>
-              </a:rPr>
-              <a:t>    ◦ </a:t>
-            </a:r>
-            <a:r>
-              <a:rPr lang="en-US" b="1" i="0" u="none" strike="noStrike" kern="100" baseline="0">
-                <a:solidFill>
-                  <a:srgbClr val="0F4761"/>
-                </a:solidFill>
-                <a:latin typeface="Times New Roman" panose="02020603050405020304" pitchFamily="18" charset="0"/>
-              </a:rPr>
-              <a:t>Activities:</a:t>
-            </a:r>
-            <a:r>
-              <a:rPr lang="en-US" b="0" i="0" u="none" strike="noStrike" kern="100" baseline="0">
-                <a:solidFill>
-                  <a:srgbClr val="0F4761"/>
-                </a:solidFill>
-                <a:latin typeface="Times New Roman" panose="02020603050405020304" pitchFamily="18" charset="0"/>
-              </a:rPr>
-              <a:t> * Write a PowerShell script to list all databases on a SQL Server instance, including their size and recovery model [implied from "reporting" and "health checks" in 4, 9]. * Export the results to a simple CSV or text file. * Discuss how this script can be easily reused across multiple servers.</a:t>
+              <a:t>--------------------------------------------------------------------------------</a:t>
             </a:r>
           </a:p>
         </p:txBody>
@@ -4919,7 +4939,7 @@
     </p:spTree>
     <p:extLst>
       <p:ext uri="{BB962C8B-B14F-4D97-AF65-F5344CB8AC3E}">
-        <p14:creationId xmlns:p14="http://schemas.microsoft.com/office/powerpoint/2010/main" val="3756316893"/>
+        <p14:creationId xmlns:p14="http://schemas.microsoft.com/office/powerpoint/2010/main" val="2687177799"/>
       </p:ext>
     </p:extLst>
   </p:cSld>
@@ -4951,7 +4971,7 @@
           <p:cNvPr id="2" name="Title 1">
             <a:extLst>
               <a:ext uri="{FF2B5EF4-FFF2-40B4-BE49-F238E27FC236}">
-                <a16:creationId xmlns:a16="http://schemas.microsoft.com/office/drawing/2014/main" id="{ACC14A1B-7546-26CD-3D7E-C439EE5E16E5}"/>
+                <a16:creationId xmlns:a16="http://schemas.microsoft.com/office/drawing/2014/main" id="{F7E51A0F-7038-9AE1-03AC-86284D7D18B5}"/>
               </a:ext>
             </a:extLst>
           </p:cNvPr>
@@ -4964,29 +4984,18 @@
         </p:nvSpPr>
         <p:spPr/>
         <p:txBody>
-          <a:bodyPr>
-            <a:normAutofit/>
-          </a:bodyPr>
+          <a:bodyPr/>
           <a:lstStyle/>
           <a:p>
             <a:pPr marR="0" rtl="0"/>
             <a:r>
-              <a:rPr lang="en-US" b="0" i="0" u="none" strike="noStrike" kern="100" baseline="0">
-                <a:solidFill>
-                  <a:srgbClr val="0F4761"/>
-                </a:solidFill>
-                <a:latin typeface="Times New Roman" panose="02020603050405020304" pitchFamily="18" charset="0"/>
-              </a:rPr>
-              <a:t> </a:t>
-            </a:r>
-            <a:r>
               <a:rPr lang="en-US" b="1" i="0" u="none" strike="noStrike" kern="100" baseline="0">
                 <a:solidFill>
                   <a:srgbClr val="0F4761"/>
                 </a:solidFill>
                 <a:latin typeface="Times New Roman" panose="02020603050405020304" pitchFamily="18" charset="0"/>
               </a:rPr>
-              <a:t>Lab 3: Automating a Basic Health Check (Service Status)</a:t>
+              <a:t>Supporting Labs for the Session</a:t>
             </a:r>
             <a:endParaRPr lang="en-US" b="0" i="0" u="none" strike="noStrike" kern="100" baseline="0">
               <a:solidFill>
@@ -5002,7 +5011,7 @@
           <p:cNvPr id="3" name="Text Placeholder 2">
             <a:extLst>
               <a:ext uri="{FF2B5EF4-FFF2-40B4-BE49-F238E27FC236}">
-                <a16:creationId xmlns:a16="http://schemas.microsoft.com/office/drawing/2014/main" id="{0DC3DF31-8ED3-D196-CEEF-71D6C37D5B5B}"/>
+                <a16:creationId xmlns:a16="http://schemas.microsoft.com/office/drawing/2014/main" id="{D0D7E90E-DD87-905E-DCDD-A5980F2BADCD}"/>
               </a:ext>
             </a:extLst>
           </p:cNvPr>
@@ -5028,7 +5037,37 @@
                 </a:solidFill>
                 <a:latin typeface="Times New Roman" panose="02020603050405020304" pitchFamily="18" charset="0"/>
               </a:rPr>
-              <a:t>    ◦ </a:t>
+              <a:t>While the sources do not explicitly provide detailed lab descriptions, they do indicate the </a:t>
+            </a:r>
+            <a:r>
+              <a:rPr lang="en-US" b="0" i="1" u="none" strike="noStrike" kern="100" baseline="0">
+                <a:solidFill>
+                  <a:srgbClr val="0F4761"/>
+                </a:solidFill>
+                <a:latin typeface="Times New Roman" panose="02020603050405020304" pitchFamily="18" charset="0"/>
+              </a:rPr>
+              <a:t>types</a:t>
+            </a:r>
+            <a:r>
+              <a:rPr lang="en-US" b="0" i="0" u="none" strike="noStrike" kern="100" baseline="0">
+                <a:solidFill>
+                  <a:srgbClr val="0F4761"/>
+                </a:solidFill>
+                <a:latin typeface="Times New Roman" panose="02020603050405020304" pitchFamily="18" charset="0"/>
+              </a:rPr>
+              <a:t> of practical examples that would be included in a "full session" [7, 8]. The session's abstract also emphasizes creating "easily packaged scripts that are quicker to deploy and less error prone" [4].</a:t>
+            </a:r>
+          </a:p>
+          <a:p>
+            <a:pPr marR="0" lvl="0" rtl="0"/>
+            <a:r>
+              <a:rPr lang="en-US" b="0" i="0" u="none" strike="noStrike" kern="100" baseline="0">
+                <a:solidFill>
+                  <a:srgbClr val="0F4761"/>
+                </a:solidFill>
+                <a:latin typeface="Times New Roman" panose="02020603050405020304" pitchFamily="18" charset="0"/>
+              </a:rPr>
+              <a:t>Based on these cues, supporting labs would focus on converting common DBA tasks into PowerShell scripts, reinforcing the benefits of automation. </a:t>
             </a:r>
             <a:r>
               <a:rPr lang="en-US" b="1" i="0" u="none" strike="noStrike" kern="100" baseline="0">
@@ -5037,16 +5076,7 @@
                 </a:solidFill>
                 <a:latin typeface="Times New Roman" panose="02020603050405020304" pitchFamily="18" charset="0"/>
               </a:rPr>
-              <a:t>Objective:</a:t>
-            </a:r>
-            <a:r>
-              <a:rPr lang="en-US" b="0" i="0" u="none" strike="noStrike" kern="100" baseline="0">
-                <a:solidFill>
-                  <a:srgbClr val="0F4761"/>
-                </a:solidFill>
-                <a:latin typeface="Times New Roman" panose="02020603050405020304" pitchFamily="18" charset="0"/>
-              </a:rPr>
-              <a:t> To illustrate how automation makes tasks "less error prone" [2, 4, 7, 8] and ensures consistency.</a:t>
+              <a:t>It's important to note that the specific lab steps or scripts are not detailed in the provided sources; these are inferred potential lab topics.</a:t>
             </a:r>
           </a:p>
           <a:p>
@@ -5058,37 +5088,7 @@
                 </a:solidFill>
                 <a:latin typeface="Times New Roman" panose="02020603050405020304" pitchFamily="18" charset="0"/>
               </a:rPr>
-              <a:t>    ◦ </a:t>
-            </a:r>
-            <a:r>
-              <a:rPr lang="en-US" b="1" i="0" u="none" strike="noStrike" kern="100" baseline="0">
-                <a:solidFill>
-                  <a:srgbClr val="0F4761"/>
-                </a:solidFill>
-                <a:latin typeface="Times New Roman" panose="02020603050405020304" pitchFamily="18" charset="0"/>
-              </a:rPr>
-              <a:t>Activities:</a:t>
-            </a:r>
-            <a:r>
-              <a:rPr lang="en-US" b="0" i="0" u="none" strike="noStrike" kern="100" baseline="0">
-                <a:solidFill>
-                  <a:srgbClr val="0F4761"/>
-                </a:solidFill>
-                <a:latin typeface="Times New Roman" panose="02020603050405020304" pitchFamily="18" charset="0"/>
-              </a:rPr>
-              <a:t> * Create a PowerShell script that checks the status of SQL Server services (e.g., MSSQLSERVER, SQLSERVERAGENT) on a given server [implied from "health checks" and "monitoring" in 4, 9]. * Implement basic conditional logic (e.g., if a service is stopped, output a warning). * Discuss how standardizing this check via script reduces human error compared to manual verification.</a:t>
-            </a:r>
-          </a:p>
-          <a:p>
-            <a:pPr marR="0" lvl="0" rtl="0"/>
-            <a:r>
-              <a:rPr lang="en-US" b="0" i="0" u="none" strike="noStrike" kern="100" baseline="0">
-                <a:solidFill>
-                  <a:srgbClr val="0F4761"/>
-                </a:solidFill>
-                <a:latin typeface="Times New Roman" panose="02020603050405020304" pitchFamily="18" charset="0"/>
-              </a:rPr>
-              <a:t>These labs would directly support the session's core section on "Transforming Common DBA Tasks into Efficient Scripts" [7, 8], allowing attendees to apply the concepts of identifying tasks and converting them into PowerShell for quicker deployment and fewer errors [2, 4, 7, 8]</a:t>
+              <a:t>Here are some suggested supporting lab ideas:</a:t>
             </a:r>
           </a:p>
         </p:txBody>
@@ -5096,7 +5096,7 @@
     </p:spTree>
     <p:extLst>
       <p:ext uri="{BB962C8B-B14F-4D97-AF65-F5344CB8AC3E}">
-        <p14:creationId xmlns:p14="http://schemas.microsoft.com/office/powerpoint/2010/main" val="3523142422"/>
+        <p14:creationId xmlns:p14="http://schemas.microsoft.com/office/powerpoint/2010/main" val="1931698663"/>
       </p:ext>
     </p:extLst>
   </p:cSld>
@@ -6108,7 +6108,7 @@
           <p:cNvPr id="2" name="Title 1">
             <a:extLst>
               <a:ext uri="{FF2B5EF4-FFF2-40B4-BE49-F238E27FC236}">
-                <a16:creationId xmlns:a16="http://schemas.microsoft.com/office/drawing/2014/main" id="{F7EBF894-341E-30D9-3395-D884C17BB02A}"/>
+                <a16:creationId xmlns:a16="http://schemas.microsoft.com/office/drawing/2014/main" id="{A4916196-7513-12CD-4C90-ABDAB3260DB1}"/>
               </a:ext>
             </a:extLst>
           </p:cNvPr>
@@ -6122,7 +6122,7 @@
         <p:spPr/>
         <p:txBody>
           <a:bodyPr>
-            <a:normAutofit/>
+            <a:normAutofit fontScale="90000"/>
           </a:bodyPr>
           <a:lstStyle/>
           <a:p>
@@ -6143,17 +6143,14 @@
                 </a:solidFill>
                 <a:latin typeface="Times New Roman" panose="02020603050405020304" pitchFamily="18" charset="0"/>
               </a:rPr>
-              <a:t>Slide 6: From Manual to Automated: Creating Efficient Scripts</a:t>
-            </a:r>
-            <a:r>
-              <a:rPr lang="en-US" b="0" i="0" u="none" strike="noStrike" kern="100" baseline="0">
-                <a:solidFill>
-                  <a:srgbClr val="0F4761"/>
-                </a:solidFill>
-                <a:latin typeface="Times New Roman" panose="02020603050405020304" pitchFamily="18" charset="0"/>
-              </a:rPr>
-              <a:t> (15 Minutes)</a:t>
-            </a:r>
+              <a:t>Lab 1: PowerShell Environment Setup &amp; Basic SQL Server Connectivity</a:t>
+            </a:r>
+            <a:endParaRPr lang="en-US" b="0" i="0" u="none" strike="noStrike" kern="100" baseline="0">
+              <a:solidFill>
+                <a:srgbClr val="0F4761"/>
+              </a:solidFill>
+              <a:latin typeface="Times New Roman" panose="02020603050405020304" pitchFamily="18" charset="0"/>
+            </a:endParaRPr>
           </a:p>
         </p:txBody>
       </p:sp>
@@ -6162,7 +6159,7 @@
           <p:cNvPr id="3" name="Text Placeholder 2">
             <a:extLst>
               <a:ext uri="{FF2B5EF4-FFF2-40B4-BE49-F238E27FC236}">
-                <a16:creationId xmlns:a16="http://schemas.microsoft.com/office/drawing/2014/main" id="{8182EA93-5607-383F-7843-96E33D665C63}"/>
+                <a16:creationId xmlns:a16="http://schemas.microsoft.com/office/drawing/2014/main" id="{751146DB-FA9F-759E-A1FA-C73D3732ADBB}"/>
               </a:ext>
             </a:extLst>
           </p:cNvPr>
@@ -6175,9 +6172,7 @@
         </p:nvSpPr>
         <p:spPr/>
         <p:txBody>
-          <a:bodyPr>
-            <a:normAutofit fontScale="85000" lnSpcReduction="10000"/>
-          </a:bodyPr>
+          <a:bodyPr/>
           <a:lstStyle/>
           <a:p>
             <a:pPr marR="0" lvl="0" rtl="0"/>
@@ -6188,7 +6183,25 @@
                 </a:solidFill>
                 <a:latin typeface="Times New Roman" panose="02020603050405020304" pitchFamily="18" charset="0"/>
               </a:rPr>
-              <a:t>    ◦ Demonstrate the process of identifying a common DBA task and converting it into a PowerShell script [2, 7-9].</a:t>
+              <a:t>    ◦ </a:t>
+            </a:r>
+            <a:r>
+              <a:rPr lang="en-US" b="1" i="0" u="none" strike="noStrike" kern="100" baseline="0">
+                <a:solidFill>
+                  <a:srgbClr val="0F4761"/>
+                </a:solidFill>
+                <a:latin typeface="Times New Roman" panose="02020603050405020304" pitchFamily="18" charset="0"/>
+              </a:rPr>
+              <a:t>Objective:</a:t>
+            </a:r>
+            <a:r>
+              <a:rPr lang="en-US" b="0" i="0" u="none" strike="noStrike" kern="100" baseline="0">
+                <a:solidFill>
+                  <a:srgbClr val="0F4761"/>
+                </a:solidFill>
+                <a:latin typeface="Times New Roman" panose="02020603050405020304" pitchFamily="18" charset="0"/>
+              </a:rPr>
+              <a:t> To ensure participants have a working PowerShell environment and can connect to a SQL Server instance.</a:t>
             </a:r>
           </a:p>
           <a:p>
@@ -6200,7 +6213,7 @@
                 </a:solidFill>
                 <a:latin typeface="Times New Roman" panose="02020603050405020304" pitchFamily="18" charset="0"/>
               </a:rPr>
-              <a:t>    ◦ Focus on creating </a:t>
+              <a:t>    ◦ </a:t>
             </a:r>
             <a:r>
               <a:rPr lang="en-US" b="1" i="0" u="none" strike="noStrike" kern="100" baseline="0">
@@ -6209,151 +6222,16 @@
                 </a:solidFill>
                 <a:latin typeface="Times New Roman" panose="02020603050405020304" pitchFamily="18" charset="0"/>
               </a:rPr>
-              <a:t>easily packaged scripts</a:t>
-            </a:r>
-            <a:r>
-              <a:rPr lang="en-US" b="0" i="0" u="none" strike="noStrike" kern="100" baseline="0">
-                <a:solidFill>
-                  <a:srgbClr val="0F4761"/>
-                </a:solidFill>
-                <a:latin typeface="Times New Roman" panose="02020603050405020304" pitchFamily="18" charset="0"/>
-              </a:rPr>
-              <a:t> [2, 4, 7, 8].</a:t>
-            </a:r>
-          </a:p>
-          <a:p>
-            <a:pPr marR="0" lvl="0" rtl="0"/>
-            <a:r>
-              <a:rPr lang="en-US" b="0" i="0" u="none" strike="noStrike" kern="100" baseline="0">
-                <a:solidFill>
-                  <a:srgbClr val="0F4761"/>
-                </a:solidFill>
-                <a:latin typeface="Times New Roman" panose="02020603050405020304" pitchFamily="18" charset="0"/>
-              </a:rPr>
-              <a:t>    ◦ Discuss the structure and components of effective, reusable scripts [implied from "easily packaged scripts", 4, 9].</a:t>
-            </a:r>
-          </a:p>
-          <a:p>
-            <a:pPr marR="0" lvl="0" rtl="0"/>
-            <a:r>
-              <a:rPr lang="en-US" b="0" i="0" u="none" strike="noStrike" kern="100" baseline="0">
-                <a:solidFill>
-                  <a:srgbClr val="0F4761"/>
-                </a:solidFill>
-                <a:latin typeface="Times New Roman" panose="02020603050405020304" pitchFamily="18" charset="0"/>
-              </a:rPr>
-              <a:t>    ◦ </a:t>
-            </a:r>
-            <a:r>
-              <a:rPr lang="en-US" b="0" i="1" u="none" strike="noStrike" kern="100" baseline="0">
-                <a:solidFill>
-                  <a:srgbClr val="0F4761"/>
-                </a:solidFill>
-                <a:latin typeface="Times New Roman" panose="02020603050405020304" pitchFamily="18" charset="0"/>
-              </a:rPr>
-              <a:t>(Note: In a full session, this section would include practical examples such as automating backups, health checks, monitoring, instance configuration, or reporting, which are common DBA tasks but are not explicitly detailed in the abstract provided [7, 8].)</a:t>
-            </a:r>
-          </a:p>
-          <a:p>
-            <a:pPr marR="0" lvl="0" rtl="0"/>
-            <a:r>
-              <a:rPr lang="en-US" b="0" i="0" u="none" strike="noStrike" kern="100" baseline="0">
-                <a:solidFill>
-                  <a:srgbClr val="0F4761"/>
-                </a:solidFill>
-                <a:latin typeface="Times New Roman" panose="02020603050405020304" pitchFamily="18" charset="0"/>
-              </a:rPr>
-              <a:t> </a:t>
-            </a:r>
-            <a:r>
-              <a:rPr lang="en-US" b="1" i="0" u="none" strike="noStrike" kern="100" baseline="0">
-                <a:solidFill>
-                  <a:srgbClr val="0F4761"/>
-                </a:solidFill>
-                <a:latin typeface="Times New Roman" panose="02020603050405020304" pitchFamily="18" charset="0"/>
-              </a:rPr>
-              <a:t>Slide 7: Key Benefits of Automation: Speed</a:t>
-            </a:r>
-            <a:r>
-              <a:rPr lang="en-US" b="0" i="0" u="none" strike="noStrike" kern="100" baseline="0">
-                <a:solidFill>
-                  <a:srgbClr val="0F4761"/>
-                </a:solidFill>
-                <a:latin typeface="Times New Roman" panose="02020603050405020304" pitchFamily="18" charset="0"/>
-              </a:rPr>
-              <a:t> (Part of the 15-minute block above)</a:t>
-            </a:r>
-          </a:p>
-          <a:p>
-            <a:pPr marR="0" lvl="0" rtl="0"/>
-            <a:r>
-              <a:rPr lang="en-US" b="0" i="0" u="none" strike="noStrike" kern="100" baseline="0">
-                <a:solidFill>
-                  <a:srgbClr val="0F4761"/>
-                </a:solidFill>
-                <a:latin typeface="Times New Roman" panose="02020603050405020304" pitchFamily="18" charset="0"/>
-              </a:rPr>
-              <a:t>    ◦ </a:t>
-            </a:r>
-            <a:r>
-              <a:rPr lang="en-US" b="1" i="0" u="none" strike="noStrike" kern="100" baseline="0">
-                <a:solidFill>
-                  <a:srgbClr val="0F4761"/>
-                </a:solidFill>
-                <a:latin typeface="Times New Roman" panose="02020603050405020304" pitchFamily="18" charset="0"/>
-              </a:rPr>
-              <a:t>Quicker to deploy</a:t>
-            </a:r>
-            <a:r>
-              <a:rPr lang="en-US" b="0" i="0" u="none" strike="noStrike" kern="100" baseline="0">
-                <a:solidFill>
-                  <a:srgbClr val="0F4761"/>
-                </a:solidFill>
-                <a:latin typeface="Times New Roman" panose="02020603050405020304" pitchFamily="18" charset="0"/>
-              </a:rPr>
-              <a:t> [2, 4, 7, 8].</a:t>
-            </a:r>
-          </a:p>
-          <a:p>
-            <a:pPr marR="0" lvl="0" rtl="0"/>
-            <a:r>
-              <a:rPr lang="en-US" b="0" i="0" u="none" strike="noStrike" kern="100" baseline="0">
-                <a:solidFill>
-                  <a:srgbClr val="0F4761"/>
-                </a:solidFill>
-                <a:latin typeface="Times New Roman" panose="02020603050405020304" pitchFamily="18" charset="0"/>
-              </a:rPr>
-              <a:t>    ◦ Explain how PowerShell scripts drastically </a:t>
-            </a:r>
-            <a:r>
-              <a:rPr lang="en-US" b="1" i="0" u="none" strike="noStrike" kern="100" baseline="0">
-                <a:solidFill>
-                  <a:srgbClr val="0F4761"/>
-                </a:solidFill>
-                <a:latin typeface="Times New Roman" panose="02020603050405020304" pitchFamily="18" charset="0"/>
-              </a:rPr>
-              <a:t>reduce the time required to implement solutions or perform tasks</a:t>
-            </a:r>
-            <a:r>
-              <a:rPr lang="en-US" b="0" i="0" u="none" strike="noStrike" kern="100" baseline="0">
-                <a:solidFill>
-                  <a:srgbClr val="0F4761"/>
-                </a:solidFill>
-                <a:latin typeface="Times New Roman" panose="02020603050405020304" pitchFamily="18" charset="0"/>
-              </a:rPr>
-              <a:t> across multiple servers [2, 7-9].</a:t>
-            </a:r>
-          </a:p>
-          <a:p>
-            <a:pPr marR="0" lvl="0" rtl="0"/>
-            <a:r>
-              <a:rPr lang="en-US" b="0" i="0" u="none" strike="noStrike" kern="100" baseline="0">
-                <a:solidFill>
-                  <a:srgbClr val="0F4761"/>
-                </a:solidFill>
-                <a:latin typeface="Times New Roman" panose="02020603050405020304" pitchFamily="18" charset="0"/>
-              </a:rPr>
-              <a:t>    ◦ Discuss the advantages of rapid deployment in critical situations or large-scale environments [2, 7-9].</a:t>
+              <a:t>Activities:</a:t>
+            </a:r>
+            <a:r>
+              <a:rPr lang="en-US" b="0" i="0" u="none" strike="noStrike" kern="100" baseline="0">
+                <a:solidFill>
+                  <a:srgbClr val="0F4761"/>
+                </a:solidFill>
+                <a:latin typeface="Times New Roman" panose="02020603050405020304" pitchFamily="18" charset="0"/>
+              </a:rPr>
+              <a:t> * Verify PowerShell version and necessary modules (e.g., SqlServer module). * Establish a connection to a local or provided SQL Server instance using PowerShell. * Execute a very basic cmdlet to retrieve SQL Server instance information (e.g., Get-DbaInstance).</a:t>
             </a:r>
           </a:p>
         </p:txBody>
@@ -6361,7 +6239,7 @@
     </p:spTree>
     <p:extLst>
       <p:ext uri="{BB962C8B-B14F-4D97-AF65-F5344CB8AC3E}">
-        <p14:creationId xmlns:p14="http://schemas.microsoft.com/office/powerpoint/2010/main" val="2779333943"/>
+        <p14:creationId xmlns:p14="http://schemas.microsoft.com/office/powerpoint/2010/main" val="194802469"/>
       </p:ext>
     </p:extLst>
   </p:cSld>
@@ -6393,7 +6271,7 @@
           <p:cNvPr id="2" name="Title 1">
             <a:extLst>
               <a:ext uri="{FF2B5EF4-FFF2-40B4-BE49-F238E27FC236}">
-                <a16:creationId xmlns:a16="http://schemas.microsoft.com/office/drawing/2014/main" id="{9AFD61A5-A266-468F-36E7-1DC47CF3F8DD}"/>
+                <a16:creationId xmlns:a16="http://schemas.microsoft.com/office/drawing/2014/main" id="{F7EBF894-341E-30D9-3395-D884C17BB02A}"/>
               </a:ext>
             </a:extLst>
           </p:cNvPr>
@@ -6407,7 +6285,7 @@
         <p:spPr/>
         <p:txBody>
           <a:bodyPr>
-            <a:normAutofit fontScale="90000"/>
+            <a:normAutofit/>
           </a:bodyPr>
           <a:lstStyle/>
           <a:p>
@@ -6428,16 +6306,16 @@
                 </a:solidFill>
                 <a:latin typeface="Times New Roman" panose="02020603050405020304" pitchFamily="18" charset="0"/>
               </a:rPr>
-              <a:t>Slide 8: Key Benefits of Automation: Reliability</a:t>
-            </a:r>
-            <a:r>
-              <a:rPr lang="en-US" b="0" i="0" u="none" strike="noStrike" kern="100" baseline="0">
-                <a:solidFill>
-                  <a:srgbClr val="0F4761"/>
-                </a:solidFill>
-                <a:latin typeface="Times New Roman" panose="02020603050405020304" pitchFamily="18" charset="0"/>
-              </a:rPr>
-              <a:t> (Part of the 15-minute block above)</a:t>
+              <a:t>Slide 6: From Manual to Automated: Creating Efficient Scripts</a:t>
+            </a:r>
+            <a:r>
+              <a:rPr lang="en-US" b="0" i="0" u="none" strike="noStrike" kern="100" baseline="0">
+                <a:solidFill>
+                  <a:srgbClr val="0F4761"/>
+                </a:solidFill>
+                <a:latin typeface="Times New Roman" panose="02020603050405020304" pitchFamily="18" charset="0"/>
+              </a:rPr>
+              <a:t> (15 Minutes)</a:t>
             </a:r>
           </a:p>
         </p:txBody>
@@ -6447,7 +6325,7 @@
           <p:cNvPr id="3" name="Text Placeholder 2">
             <a:extLst>
               <a:ext uri="{FF2B5EF4-FFF2-40B4-BE49-F238E27FC236}">
-                <a16:creationId xmlns:a16="http://schemas.microsoft.com/office/drawing/2014/main" id="{02BD6496-3DA0-BBA6-4AB7-282CF10914A1}"/>
+                <a16:creationId xmlns:a16="http://schemas.microsoft.com/office/drawing/2014/main" id="{8182EA93-5607-383F-7843-96E33D665C63}"/>
               </a:ext>
             </a:extLst>
           </p:cNvPr>
@@ -6460,7 +6338,9 @@
         </p:nvSpPr>
         <p:spPr/>
         <p:txBody>
-          <a:bodyPr/>
+          <a:bodyPr>
+            <a:normAutofit fontScale="85000" lnSpcReduction="10000"/>
+          </a:bodyPr>
           <a:lstStyle/>
           <a:p>
             <a:pPr marR="0" lvl="0" rtl="0"/>
@@ -6471,16 +6351,121 @@
                 </a:solidFill>
                 <a:latin typeface="Times New Roman" panose="02020603050405020304" pitchFamily="18" charset="0"/>
               </a:rPr>
+              <a:t>    ◦ Demonstrate the process of identifying a common DBA task and converting it into a PowerShell script [2, 7-9].</a:t>
+            </a:r>
+          </a:p>
+          <a:p>
+            <a:pPr marR="0" lvl="0" rtl="0"/>
+            <a:r>
+              <a:rPr lang="en-US" b="0" i="0" u="none" strike="noStrike" kern="100" baseline="0">
+                <a:solidFill>
+                  <a:srgbClr val="0F4761"/>
+                </a:solidFill>
+                <a:latin typeface="Times New Roman" panose="02020603050405020304" pitchFamily="18" charset="0"/>
+              </a:rPr>
+              <a:t>    ◦ Focus on creating </a:t>
+            </a:r>
+            <a:r>
+              <a:rPr lang="en-US" b="1" i="0" u="none" strike="noStrike" kern="100" baseline="0">
+                <a:solidFill>
+                  <a:srgbClr val="0F4761"/>
+                </a:solidFill>
+                <a:latin typeface="Times New Roman" panose="02020603050405020304" pitchFamily="18" charset="0"/>
+              </a:rPr>
+              <a:t>easily packaged scripts</a:t>
+            </a:r>
+            <a:r>
+              <a:rPr lang="en-US" b="0" i="0" u="none" strike="noStrike" kern="100" baseline="0">
+                <a:solidFill>
+                  <a:srgbClr val="0F4761"/>
+                </a:solidFill>
+                <a:latin typeface="Times New Roman" panose="02020603050405020304" pitchFamily="18" charset="0"/>
+              </a:rPr>
+              <a:t> [2, 4, 7, 8].</a:t>
+            </a:r>
+          </a:p>
+          <a:p>
+            <a:pPr marR="0" lvl="0" rtl="0"/>
+            <a:r>
+              <a:rPr lang="en-US" b="0" i="0" u="none" strike="noStrike" kern="100" baseline="0">
+                <a:solidFill>
+                  <a:srgbClr val="0F4761"/>
+                </a:solidFill>
+                <a:latin typeface="Times New Roman" panose="02020603050405020304" pitchFamily="18" charset="0"/>
+              </a:rPr>
+              <a:t>    ◦ Discuss the structure and components of effective, reusable scripts [implied from "easily packaged scripts", 4, 9].</a:t>
+            </a:r>
+          </a:p>
+          <a:p>
+            <a:pPr marR="0" lvl="0" rtl="0"/>
+            <a:r>
+              <a:rPr lang="en-US" b="0" i="0" u="none" strike="noStrike" kern="100" baseline="0">
+                <a:solidFill>
+                  <a:srgbClr val="0F4761"/>
+                </a:solidFill>
+                <a:latin typeface="Times New Roman" panose="02020603050405020304" pitchFamily="18" charset="0"/>
+              </a:rPr>
               <a:t>    ◦ </a:t>
             </a:r>
             <a:r>
+              <a:rPr lang="en-US" b="0" i="1" u="none" strike="noStrike" kern="100" baseline="0">
+                <a:solidFill>
+                  <a:srgbClr val="0F4761"/>
+                </a:solidFill>
+                <a:latin typeface="Times New Roman" panose="02020603050405020304" pitchFamily="18" charset="0"/>
+              </a:rPr>
+              <a:t>(Note: In a full session, this section would include practical examples such as automating backups, health checks, monitoring, instance configuration, or reporting, which are common DBA tasks but are not explicitly detailed in the abstract provided [7, 8].)</a:t>
+            </a:r>
+          </a:p>
+          <a:p>
+            <a:pPr marR="0" lvl="0" rtl="0"/>
+            <a:r>
+              <a:rPr lang="en-US" b="0" i="0" u="none" strike="noStrike" kern="100" baseline="0">
+                <a:solidFill>
+                  <a:srgbClr val="0F4761"/>
+                </a:solidFill>
+                <a:latin typeface="Times New Roman" panose="02020603050405020304" pitchFamily="18" charset="0"/>
+              </a:rPr>
+              <a:t> </a:t>
+            </a:r>
+            <a:r>
               <a:rPr lang="en-US" b="1" i="0" u="none" strike="noStrike" kern="100" baseline="0">
                 <a:solidFill>
                   <a:srgbClr val="0F4761"/>
                 </a:solidFill>
                 <a:latin typeface="Times New Roman" panose="02020603050405020304" pitchFamily="18" charset="0"/>
               </a:rPr>
-              <a:t>Less error prone</a:t>
+              <a:t>Slide 7: Key Benefits of Automation: Speed</a:t>
+            </a:r>
+            <a:r>
+              <a:rPr lang="en-US" b="0" i="0" u="none" strike="noStrike" kern="100" baseline="0">
+                <a:solidFill>
+                  <a:srgbClr val="0F4761"/>
+                </a:solidFill>
+                <a:latin typeface="Times New Roman" panose="02020603050405020304" pitchFamily="18" charset="0"/>
+              </a:rPr>
+              <a:t> (Part of the 15-minute block above)</a:t>
+            </a:r>
+          </a:p>
+          <a:p>
+            <a:pPr marR="0" lvl="0" rtl="0"/>
+            <a:r>
+              <a:rPr lang="en-US" b="0" i="0" u="none" strike="noStrike" kern="100" baseline="0">
+                <a:solidFill>
+                  <a:srgbClr val="0F4761"/>
+                </a:solidFill>
+                <a:latin typeface="Times New Roman" panose="02020603050405020304" pitchFamily="18" charset="0"/>
+              </a:rPr>
+              <a:t>    ◦ </a:t>
+            </a:r>
+            <a:r>
+              <a:rPr lang="en-US" b="1" i="0" u="none" strike="noStrike" kern="100" baseline="0">
+                <a:solidFill>
+                  <a:srgbClr val="0F4761"/>
+                </a:solidFill>
+                <a:latin typeface="Times New Roman" panose="02020603050405020304" pitchFamily="18" charset="0"/>
+              </a:rPr>
+              <a:t>Quicker to deploy</a:t>
             </a:r>
             <a:r>
               <a:rPr lang="en-US" b="0" i="0" u="none" strike="noStrike" kern="100" baseline="0">
@@ -6501,7 +6486,7 @@
                 </a:solidFill>
                 <a:latin typeface="Times New Roman" panose="02020603050405020304" pitchFamily="18" charset="0"/>
               </a:rPr>
-              <a:t>    ◦ Detail how automation </a:t>
+              <a:t>    ◦ Explain how PowerShell scripts drastically </a:t>
             </a:r>
             <a:r>
               <a:rPr lang="en-US" b="1" i="0" u="none" strike="noStrike" kern="100" baseline="0">
@@ -6510,16 +6495,16 @@
                 </a:solidFill>
                 <a:latin typeface="Times New Roman" panose="02020603050405020304" pitchFamily="18" charset="0"/>
               </a:rPr>
-              <a:t>minimizes human error</a:t>
-            </a:r>
-            <a:r>
-              <a:rPr lang="en-US" b="0" i="0" u="none" strike="noStrike" kern="100" baseline="0">
-                <a:solidFill>
-                  <a:srgbClr val="0F4761"/>
-                </a:solidFill>
-                <a:latin typeface="Times New Roman" panose="02020603050405020304" pitchFamily="18" charset="0"/>
-              </a:rPr>
-              <a:t>, ensuring consistency and accuracy in operations [2, 7-9].</a:t>
+              <a:t>reduce the time required to implement solutions or perform tasks</a:t>
+            </a:r>
+            <a:r>
+              <a:rPr lang="en-US" b="0" i="0" u="none" strike="noStrike" kern="100" baseline="0">
+                <a:solidFill>
+                  <a:srgbClr val="0F4761"/>
+                </a:solidFill>
+                <a:latin typeface="Times New Roman" panose="02020603050405020304" pitchFamily="18" charset="0"/>
+              </a:rPr>
+              <a:t> across multiple servers [2, 7-9].</a:t>
             </a:r>
           </a:p>
           <a:p>
@@ -6531,33 +6516,15 @@
                 </a:solidFill>
                 <a:latin typeface="Times New Roman" panose="02020603050405020304" pitchFamily="18" charset="0"/>
               </a:rPr>
-              <a:t>    ◦ Illustrate how standardized scripts lead to more reliable and predictable outcomes [2, 7-9].</a:t>
-            </a:r>
-          </a:p>
-          <a:p>
-            <a:pPr marR="0" lvl="0" rtl="0"/>
-            <a:r>
-              <a:rPr lang="en-US" b="1" i="0" u="none" strike="noStrike" kern="100" baseline="0">
-                <a:solidFill>
-                  <a:srgbClr val="0F4761"/>
-                </a:solidFill>
-                <a:latin typeface="Times New Roman" panose="02020603050405020304" pitchFamily="18" charset="0"/>
-              </a:rPr>
-              <a:t>III. Empowering the DBA: Immediate and Future Impact (15 Minutes)</a:t>
-            </a:r>
-            <a:endParaRPr lang="en-US" b="0" i="0" u="none" strike="noStrike" kern="100" baseline="0">
-              <a:solidFill>
-                <a:srgbClr val="0F4761"/>
-              </a:solidFill>
-              <a:latin typeface="Times New Roman" panose="02020603050405020304" pitchFamily="18" charset="0"/>
-            </a:endParaRPr>
+              <a:t>    ◦ Discuss the advantages of rapid deployment in critical situations or large-scale environments [2, 7-9].</a:t>
+            </a:r>
           </a:p>
         </p:txBody>
       </p:sp>
     </p:spTree>
     <p:extLst>
       <p:ext uri="{BB962C8B-B14F-4D97-AF65-F5344CB8AC3E}">
-        <p14:creationId xmlns:p14="http://schemas.microsoft.com/office/powerpoint/2010/main" val="1292770347"/>
+        <p14:creationId xmlns:p14="http://schemas.microsoft.com/office/powerpoint/2010/main" val="2779333943"/>
       </p:ext>
     </p:extLst>
   </p:cSld>
@@ -6589,7 +6556,7 @@
           <p:cNvPr id="2" name="Title 1">
             <a:extLst>
               <a:ext uri="{FF2B5EF4-FFF2-40B4-BE49-F238E27FC236}">
-                <a16:creationId xmlns:a16="http://schemas.microsoft.com/office/drawing/2014/main" id="{F93769FE-38A3-84EC-8204-B016F5E0DC71}"/>
+                <a16:creationId xmlns:a16="http://schemas.microsoft.com/office/drawing/2014/main" id="{70A56297-C6A9-A69A-E2B9-F218A854039F}"/>
               </a:ext>
             </a:extLst>
           </p:cNvPr>
@@ -6624,17 +6591,14 @@
                 </a:solidFill>
                 <a:latin typeface="Times New Roman" panose="02020603050405020304" pitchFamily="18" charset="0"/>
               </a:rPr>
-              <a:t>Slide 9: Immediate Impact for DBAs</a:t>
-            </a:r>
-            <a:r>
-              <a:rPr lang="en-US" b="0" i="0" u="none" strike="noStrike" kern="100" baseline="0">
-                <a:solidFill>
-                  <a:srgbClr val="0F4761"/>
-                </a:solidFill>
-                <a:latin typeface="Times New Roman" panose="02020603050405020304" pitchFamily="18" charset="0"/>
-              </a:rPr>
-              <a:t> (7 Minutes)</a:t>
-            </a:r>
+              <a:t>Lab 2: Automating a Simple SQL Server Inventory Report</a:t>
+            </a:r>
+            <a:endParaRPr lang="en-US" b="0" i="0" u="none" strike="noStrike" kern="100" baseline="0">
+              <a:solidFill>
+                <a:srgbClr val="0F4761"/>
+              </a:solidFill>
+              <a:latin typeface="Times New Roman" panose="02020603050405020304" pitchFamily="18" charset="0"/>
+            </a:endParaRPr>
           </a:p>
         </p:txBody>
       </p:sp>
@@ -6643,7 +6607,7 @@
           <p:cNvPr id="3" name="Text Placeholder 2">
             <a:extLst>
               <a:ext uri="{FF2B5EF4-FFF2-40B4-BE49-F238E27FC236}">
-                <a16:creationId xmlns:a16="http://schemas.microsoft.com/office/drawing/2014/main" id="{2C4D6E0E-4DAD-6A0F-5EB6-B68247E61056}"/>
+                <a16:creationId xmlns:a16="http://schemas.microsoft.com/office/drawing/2014/main" id="{43884793-080D-D4E6-9FF8-16865509AA26}"/>
               </a:ext>
             </a:extLst>
           </p:cNvPr>
@@ -6667,7 +6631,7 @@
                 </a:solidFill>
                 <a:latin typeface="Times New Roman" panose="02020603050405020304" pitchFamily="18" charset="0"/>
               </a:rPr>
-              <a:t>    ◦ Attendees will be </a:t>
+              <a:t>    ◦ </a:t>
             </a:r>
             <a:r>
               <a:rPr lang="en-US" b="1" i="0" u="none" strike="noStrike" kern="100" baseline="0">
@@ -6676,16 +6640,16 @@
                 </a:solidFill>
                 <a:latin typeface="Times New Roman" panose="02020603050405020304" pitchFamily="18" charset="0"/>
               </a:rPr>
-              <a:t>equipped to solve DBA issues faster</a:t>
-            </a:r>
-            <a:r>
-              <a:rPr lang="en-US" b="0" i="0" u="none" strike="noStrike" kern="100" baseline="0">
-                <a:solidFill>
-                  <a:srgbClr val="0F4761"/>
-                </a:solidFill>
-                <a:latin typeface="Times New Roman" panose="02020603050405020304" pitchFamily="18" charset="0"/>
-              </a:rPr>
-              <a:t> [2, 4, 6, 9-11].</a:t>
+              <a:t>Objective:</a:t>
+            </a:r>
+            <a:r>
+              <a:rPr lang="en-US" b="0" i="0" u="none" strike="noStrike" kern="100" baseline="0">
+                <a:solidFill>
+                  <a:srgbClr val="0F4761"/>
+                </a:solidFill>
+                <a:latin typeface="Times New Roman" panose="02020603050405020304" pitchFamily="18" charset="0"/>
+              </a:rPr>
+              <a:t> To demonstrate creating an "easily packaged script" [2, 4, 7, 8] that is "quicker to deploy" [2, 4, 7, 8].</a:t>
             </a:r>
           </a:p>
           <a:p>
@@ -6697,19 +6661,25 @@
                 </a:solidFill>
                 <a:latin typeface="Times New Roman" panose="02020603050405020304" pitchFamily="18" charset="0"/>
               </a:rPr>
-              <a:t>    ◦ Gaining practical skills to improve their daily efficiency [2, 9-11].</a:t>
-            </a:r>
-          </a:p>
-          <a:p>
-            <a:pPr marR="0" lvl="0" rtl="0"/>
-            <a:r>
-              <a:rPr lang="en-US" b="0" i="0" u="none" strike="noStrike" kern="100" baseline="0">
-                <a:solidFill>
-                  <a:srgbClr val="0F4761"/>
-                </a:solidFill>
-                <a:latin typeface="Times New Roman" panose="02020603050405020304" pitchFamily="18" charset="0"/>
-              </a:rPr>
-              <a:t>    ◦ Encouraging immediate application of the learned scripting techniques to common problems [2, 9-11].</a:t>
+              <a:t>    ◦ </a:t>
+            </a:r>
+            <a:r>
+              <a:rPr lang="en-US" b="1" i="0" u="none" strike="noStrike" kern="100" baseline="0">
+                <a:solidFill>
+                  <a:srgbClr val="0F4761"/>
+                </a:solidFill>
+                <a:latin typeface="Times New Roman" panose="02020603050405020304" pitchFamily="18" charset="0"/>
+              </a:rPr>
+              <a:t>Activities:</a:t>
+            </a:r>
+            <a:r>
+              <a:rPr lang="en-US" b="0" i="0" u="none" strike="noStrike" kern="100" baseline="0">
+                <a:solidFill>
+                  <a:srgbClr val="0F4761"/>
+                </a:solidFill>
+                <a:latin typeface="Times New Roman" panose="02020603050405020304" pitchFamily="18" charset="0"/>
+              </a:rPr>
+              <a:t> * Write a PowerShell script to list all databases on a SQL Server instance, including their size and recovery model [implied from "reporting" and "health checks" in 4, 9]. * Export the results to a simple CSV or text file. * Discuss how this script can be easily reused across multiple servers.</a:t>
             </a:r>
           </a:p>
         </p:txBody>
@@ -6717,7 +6687,7 @@
     </p:spTree>
     <p:extLst>
       <p:ext uri="{BB962C8B-B14F-4D97-AF65-F5344CB8AC3E}">
-        <p14:creationId xmlns:p14="http://schemas.microsoft.com/office/powerpoint/2010/main" val="1315249408"/>
+        <p14:creationId xmlns:p14="http://schemas.microsoft.com/office/powerpoint/2010/main" val="3756316893"/>
       </p:ext>
     </p:extLst>
   </p:cSld>
@@ -6749,7 +6719,7 @@
           <p:cNvPr id="2" name="Title 1">
             <a:extLst>
               <a:ext uri="{FF2B5EF4-FFF2-40B4-BE49-F238E27FC236}">
-                <a16:creationId xmlns:a16="http://schemas.microsoft.com/office/drawing/2014/main" id="{7471C3FE-4662-B03B-78FC-642D2A3A2BAD}"/>
+                <a16:creationId xmlns:a16="http://schemas.microsoft.com/office/drawing/2014/main" id="{9AFD61A5-A266-468F-36E7-1DC47CF3F8DD}"/>
               </a:ext>
             </a:extLst>
           </p:cNvPr>
@@ -6784,16 +6754,16 @@
                 </a:solidFill>
                 <a:latin typeface="Times New Roman" panose="02020603050405020304" pitchFamily="18" charset="0"/>
               </a:rPr>
-              <a:t>Slide 10: Strategic Advantage: Future-Proofing Your Skills</a:t>
-            </a:r>
-            <a:r>
-              <a:rPr lang="en-US" b="0" i="0" u="none" strike="noStrike" kern="100" baseline="0">
-                <a:solidFill>
-                  <a:srgbClr val="0F4761"/>
-                </a:solidFill>
-                <a:latin typeface="Times New Roman" panose="02020603050405020304" pitchFamily="18" charset="0"/>
-              </a:rPr>
-              <a:t> (8 Minutes)</a:t>
+              <a:t>Slide 8: Key Benefits of Automation: Reliability</a:t>
+            </a:r>
+            <a:r>
+              <a:rPr lang="en-US" b="0" i="0" u="none" strike="noStrike" kern="100" baseline="0">
+                <a:solidFill>
+                  <a:srgbClr val="0F4761"/>
+                </a:solidFill>
+                <a:latin typeface="Times New Roman" panose="02020603050405020304" pitchFamily="18" charset="0"/>
+              </a:rPr>
+              <a:t> (Part of the 15-minute block above)</a:t>
             </a:r>
           </a:p>
         </p:txBody>
@@ -6803,7 +6773,7 @@
           <p:cNvPr id="3" name="Text Placeholder 2">
             <a:extLst>
               <a:ext uri="{FF2B5EF4-FFF2-40B4-BE49-F238E27FC236}">
-                <a16:creationId xmlns:a16="http://schemas.microsoft.com/office/drawing/2014/main" id="{E120C852-AD1B-193C-EF03-03D02426CC22}"/>
+                <a16:creationId xmlns:a16="http://schemas.microsoft.com/office/drawing/2014/main" id="{02BD6496-3DA0-BBA6-4AB7-282CF10914A1}"/>
               </a:ext>
             </a:extLst>
           </p:cNvPr>
@@ -6827,7 +6797,7 @@
                 </a:solidFill>
                 <a:latin typeface="Times New Roman" panose="02020603050405020304" pitchFamily="18" charset="0"/>
               </a:rPr>
-              <a:t>    ◦ Discuss how automation skills are crucial for </a:t>
+              <a:t>    ◦ </a:t>
             </a:r>
             <a:r>
               <a:rPr lang="en-US" b="1" i="0" u="none" strike="noStrike" kern="100" baseline="0">
@@ -6836,16 +6806,16 @@
                 </a:solidFill>
                 <a:latin typeface="Times New Roman" panose="02020603050405020304" pitchFamily="18" charset="0"/>
               </a:rPr>
-              <a:t>adapting to new technologies, cloud environments, and evolving database platforms</a:t>
-            </a:r>
-            <a:r>
-              <a:rPr lang="en-US" b="0" i="0" u="none" strike="noStrike" kern="100" baseline="0">
-                <a:solidFill>
-                  <a:srgbClr val="0F4761"/>
-                </a:solidFill>
-                <a:latin typeface="Times New Roman" panose="02020603050405020304" pitchFamily="18" charset="0"/>
-              </a:rPr>
-              <a:t> [2, 9-11].</a:t>
+              <a:t>Less error prone</a:t>
+            </a:r>
+            <a:r>
+              <a:rPr lang="en-US" b="0" i="0" u="none" strike="noStrike" kern="100" baseline="0">
+                <a:solidFill>
+                  <a:srgbClr val="0F4761"/>
+                </a:solidFill>
+                <a:latin typeface="Times New Roman" panose="02020603050405020304" pitchFamily="18" charset="0"/>
+              </a:rPr>
+              <a:t> [2, 4, 7, 8].</a:t>
             </a:r>
           </a:p>
           <a:p>
@@ -6857,7 +6827,7 @@
                 </a:solidFill>
                 <a:latin typeface="Times New Roman" panose="02020603050405020304" pitchFamily="18" charset="0"/>
               </a:rPr>
-              <a:t>    ◦ Positioning PowerShell proficiency as a </a:t>
+              <a:t>    ◦ Detail how automation </a:t>
             </a:r>
             <a:r>
               <a:rPr lang="en-US" b="1" i="0" u="none" strike="noStrike" kern="100" baseline="0">
@@ -6866,24 +6836,54 @@
                 </a:solidFill>
                 <a:latin typeface="Times New Roman" panose="02020603050405020304" pitchFamily="18" charset="0"/>
               </a:rPr>
-              <a:t>valuable asset for career growth</a:t>
-            </a:r>
-            <a:r>
-              <a:rPr lang="en-US" b="0" i="0" u="none" strike="noStrike" kern="100" baseline="0">
-                <a:solidFill>
-                  <a:srgbClr val="0F4761"/>
-                </a:solidFill>
-                <a:latin typeface="Times New Roman" panose="02020603050405020304" pitchFamily="18" charset="0"/>
-              </a:rPr>
-              <a:t> and staying relevant in the field [2, 9-11].</a:t>
-            </a:r>
+              <a:t>minimizes human error</a:t>
+            </a:r>
+            <a:r>
+              <a:rPr lang="en-US" b="0" i="0" u="none" strike="noStrike" kern="100" baseline="0">
+                <a:solidFill>
+                  <a:srgbClr val="0F4761"/>
+                </a:solidFill>
+                <a:latin typeface="Times New Roman" panose="02020603050405020304" pitchFamily="18" charset="0"/>
+              </a:rPr>
+              <a:t>, ensuring consistency and accuracy in operations [2, 7-9].</a:t>
+            </a:r>
+          </a:p>
+          <a:p>
+            <a:pPr marR="0" lvl="0" rtl="0"/>
+            <a:r>
+              <a:rPr lang="en-US" b="0" i="0" u="none" strike="noStrike" kern="100" baseline="0">
+                <a:solidFill>
+                  <a:srgbClr val="0F4761"/>
+                </a:solidFill>
+                <a:latin typeface="Times New Roman" panose="02020603050405020304" pitchFamily="18" charset="0"/>
+              </a:rPr>
+              <a:t>    ◦ Illustrate how standardized scripts lead to more reliable and predictable outcomes [2, 7-9].</a:t>
+            </a:r>
+          </a:p>
+          <a:p>
+            <a:pPr marR="0" lvl="0" rtl="0"/>
+            <a:r>
+              <a:rPr lang="en-US" b="1" i="0" u="none" strike="noStrike" kern="100" baseline="0">
+                <a:solidFill>
+                  <a:srgbClr val="0F4761"/>
+                </a:solidFill>
+                <a:latin typeface="Times New Roman" panose="02020603050405020304" pitchFamily="18" charset="0"/>
+              </a:rPr>
+              <a:t>III. Empowering the DBA: Immediate and Future Impact (15 Minutes)</a:t>
+            </a:r>
+            <a:endParaRPr lang="en-US" b="0" i="0" u="none" strike="noStrike" kern="100" baseline="0">
+              <a:solidFill>
+                <a:srgbClr val="0F4761"/>
+              </a:solidFill>
+              <a:latin typeface="Times New Roman" panose="02020603050405020304" pitchFamily="18" charset="0"/>
+            </a:endParaRPr>
           </a:p>
         </p:txBody>
       </p:sp>
     </p:spTree>
     <p:extLst>
       <p:ext uri="{BB962C8B-B14F-4D97-AF65-F5344CB8AC3E}">
-        <p14:creationId xmlns:p14="http://schemas.microsoft.com/office/powerpoint/2010/main" val="1179783152"/>
+        <p14:creationId xmlns:p14="http://schemas.microsoft.com/office/powerpoint/2010/main" val="1292770347"/>
       </p:ext>
     </p:extLst>
   </p:cSld>
